--- a/openlesson/selenium.pptx
+++ b/openlesson/selenium.pptx
@@ -6,26 +6,35 @@
     <p:sldMasterId id="2147483678" r:id="rId5"/>
   </p:sldMasterIdLst>
   <p:notesMasterIdLst>
-    <p:notesMasterId r:id="rId20"/>
+    <p:notesMasterId r:id="rId29"/>
   </p:notesMasterIdLst>
   <p:handoutMasterIdLst>
-    <p:handoutMasterId r:id="rId21"/>
+    <p:handoutMasterId r:id="rId30"/>
   </p:handoutMasterIdLst>
   <p:sldIdLst>
     <p:sldId id="427" r:id="rId6"/>
-    <p:sldId id="418" r:id="rId7"/>
-    <p:sldId id="428" r:id="rId8"/>
-    <p:sldId id="431" r:id="rId9"/>
-    <p:sldId id="432" r:id="rId10"/>
-    <p:sldId id="444" r:id="rId11"/>
-    <p:sldId id="434" r:id="rId12"/>
-    <p:sldId id="435" r:id="rId13"/>
-    <p:sldId id="437" r:id="rId14"/>
-    <p:sldId id="439" r:id="rId15"/>
-    <p:sldId id="438" r:id="rId16"/>
-    <p:sldId id="440" r:id="rId17"/>
-    <p:sldId id="441" r:id="rId18"/>
-    <p:sldId id="443" r:id="rId19"/>
+    <p:sldId id="449" r:id="rId7"/>
+    <p:sldId id="450" r:id="rId8"/>
+    <p:sldId id="445" r:id="rId9"/>
+    <p:sldId id="446" r:id="rId10"/>
+    <p:sldId id="447" r:id="rId11"/>
+    <p:sldId id="448" r:id="rId12"/>
+    <p:sldId id="418" r:id="rId13"/>
+    <p:sldId id="428" r:id="rId14"/>
+    <p:sldId id="431" r:id="rId15"/>
+    <p:sldId id="432" r:id="rId16"/>
+    <p:sldId id="444" r:id="rId17"/>
+    <p:sldId id="434" r:id="rId18"/>
+    <p:sldId id="435" r:id="rId19"/>
+    <p:sldId id="437" r:id="rId20"/>
+    <p:sldId id="451" r:id="rId21"/>
+    <p:sldId id="453" r:id="rId22"/>
+    <p:sldId id="454" r:id="rId23"/>
+    <p:sldId id="439" r:id="rId24"/>
+    <p:sldId id="438" r:id="rId25"/>
+    <p:sldId id="440" r:id="rId26"/>
+    <p:sldId id="441" r:id="rId27"/>
+    <p:sldId id="443" r:id="rId28"/>
   </p:sldIdLst>
   <p:sldSz cx="12192000" cy="6858000"/>
   <p:notesSz cx="6858000" cy="9144000"/>
@@ -778,6 +787,211 @@
       </p:grpSpPr>
       <p:sp>
         <p:nvSpPr>
+          <p:cNvPr id="2" name="Образ слайда 1"/>
+          <p:cNvSpPr>
+            <a:spLocks noGrp="1" noRot="1" noChangeAspect="1"/>
+          </p:cNvSpPr>
+          <p:nvPr>
+            <p:ph type="sldImg"/>
+          </p:nvPr>
+        </p:nvSpPr>
+        <p:spPr>
+          <a:xfrm>
+            <a:off x="381000" y="685800"/>
+            <a:ext cx="6096000" cy="3429000"/>
+          </a:xfrm>
+        </p:spPr>
+      </p:sp>
+      <p:sp>
+        <p:nvSpPr>
+          <p:cNvPr id="3" name="Заметки 2"/>
+          <p:cNvSpPr>
+            <a:spLocks noGrp="1"/>
+          </p:cNvSpPr>
+          <p:nvPr>
+            <p:ph type="body" idx="1"/>
+          </p:nvPr>
+        </p:nvSpPr>
+        <p:spPr/>
+        <p:txBody>
+          <a:bodyPr/>
+          <a:lstStyle/>
+          <a:p>
+            <a:pPr marL="0" marR="0" indent="0" algn="l" defTabSz="914400" rtl="0" eaLnBrk="1" fontAlgn="auto" latinLnBrk="0" hangingPunct="1">
+              <a:lnSpc>
+                <a:spcPct val="100000"/>
+              </a:lnSpc>
+              <a:spcBef>
+                <a:spcPts val="0"/>
+              </a:spcBef>
+              <a:spcAft>
+                <a:spcPts val="0"/>
+              </a:spcAft>
+              <a:buClrTx/>
+              <a:buSzTx/>
+              <a:buFontTx/>
+              <a:buNone/>
+              <a:tabLst/>
+              <a:defRPr/>
+            </a:pPr>
+            <a:endParaRPr lang="ru-RU" sz="1200" kern="1200" dirty="0">
+              <a:solidFill>
+                <a:schemeClr val="tx1"/>
+              </a:solidFill>
+              <a:effectLst/>
+              <a:latin typeface="+mn-lt"/>
+              <a:ea typeface="+mn-ea"/>
+              <a:cs typeface="+mn-cs"/>
+            </a:endParaRPr>
+          </a:p>
+        </p:txBody>
+      </p:sp>
+      <p:sp>
+        <p:nvSpPr>
+          <p:cNvPr id="4" name="Номер слайда 3"/>
+          <p:cNvSpPr>
+            <a:spLocks noGrp="1"/>
+          </p:cNvSpPr>
+          <p:nvPr>
+            <p:ph type="sldNum" sz="quarter" idx="10"/>
+          </p:nvPr>
+        </p:nvSpPr>
+        <p:spPr/>
+        <p:txBody>
+          <a:bodyPr/>
+          <a:lstStyle/>
+          <a:p>
+            <a:fld id="{1318A45B-2431-49EE-9D0B-65C1F8482388}" type="slidenum">
+              <a:rPr lang="ru-RU" smtClean="0"/>
+              <a:pPr/>
+              <a:t>2</a:t>
+            </a:fld>
+            <a:endParaRPr lang="ru-RU" dirty="0"/>
+          </a:p>
+        </p:txBody>
+      </p:sp>
+    </p:spTree>
+    <p:extLst>
+      <p:ext uri="{BB962C8B-B14F-4D97-AF65-F5344CB8AC3E}">
+        <p14:creationId xmlns:p14="http://schemas.microsoft.com/office/powerpoint/2010/main" val="2739346129"/>
+      </p:ext>
+    </p:extLst>
+  </p:cSld>
+  <p:clrMapOvr>
+    <a:masterClrMapping/>
+  </p:clrMapOvr>
+</p:notes>
+</file>
+
+<file path=ppt/notesSlides/notesSlide3.xml><?xml version="1.0" encoding="utf-8"?>
+<p:notes xmlns:a="http://schemas.openxmlformats.org/drawingml/2006/main" xmlns:r="http://schemas.openxmlformats.org/officeDocument/2006/relationships" xmlns:p="http://schemas.openxmlformats.org/presentationml/2006/main">
+  <p:cSld>
+    <p:spTree>
+      <p:nvGrpSpPr>
+        <p:cNvPr id="1" name=""/>
+        <p:cNvGrpSpPr/>
+        <p:nvPr/>
+      </p:nvGrpSpPr>
+      <p:grpSpPr>
+        <a:xfrm>
+          <a:off x="0" y="0"/>
+          <a:ext cx="0" cy="0"/>
+          <a:chOff x="0" y="0"/>
+          <a:chExt cx="0" cy="0"/>
+        </a:xfrm>
+      </p:grpSpPr>
+      <p:sp>
+        <p:nvSpPr>
+          <p:cNvPr id="2" name="Образ слайда 1"/>
+          <p:cNvSpPr>
+            <a:spLocks noGrp="1" noRot="1" noChangeAspect="1"/>
+          </p:cNvSpPr>
+          <p:nvPr>
+            <p:ph type="sldImg"/>
+          </p:nvPr>
+        </p:nvSpPr>
+        <p:spPr>
+          <a:xfrm>
+            <a:off x="381000" y="685800"/>
+            <a:ext cx="6096000" cy="3429000"/>
+          </a:xfrm>
+        </p:spPr>
+      </p:sp>
+      <p:sp>
+        <p:nvSpPr>
+          <p:cNvPr id="3" name="Заметки 2"/>
+          <p:cNvSpPr>
+            <a:spLocks noGrp="1"/>
+          </p:cNvSpPr>
+          <p:nvPr>
+            <p:ph type="body" idx="1"/>
+          </p:nvPr>
+        </p:nvSpPr>
+        <p:spPr/>
+        <p:txBody>
+          <a:bodyPr/>
+          <a:lstStyle/>
+          <a:p>
+            <a:endParaRPr lang="ru-RU" dirty="0"/>
+          </a:p>
+        </p:txBody>
+      </p:sp>
+      <p:sp>
+        <p:nvSpPr>
+          <p:cNvPr id="4" name="Номер слайда 3"/>
+          <p:cNvSpPr>
+            <a:spLocks noGrp="1"/>
+          </p:cNvSpPr>
+          <p:nvPr>
+            <p:ph type="sldNum" sz="quarter" idx="10"/>
+          </p:nvPr>
+        </p:nvSpPr>
+        <p:spPr/>
+        <p:txBody>
+          <a:bodyPr/>
+          <a:lstStyle/>
+          <a:p>
+            <a:fld id="{1318A45B-2431-49EE-9D0B-65C1F8482388}" type="slidenum">
+              <a:rPr lang="ru-RU" smtClean="0"/>
+              <a:pPr/>
+              <a:t>3</a:t>
+            </a:fld>
+            <a:endParaRPr lang="ru-RU" dirty="0"/>
+          </a:p>
+        </p:txBody>
+      </p:sp>
+    </p:spTree>
+    <p:extLst>
+      <p:ext uri="{BB962C8B-B14F-4D97-AF65-F5344CB8AC3E}">
+        <p14:creationId xmlns:p14="http://schemas.microsoft.com/office/powerpoint/2010/main" val="3532248975"/>
+      </p:ext>
+    </p:extLst>
+  </p:cSld>
+  <p:clrMapOvr>
+    <a:masterClrMapping/>
+  </p:clrMapOvr>
+</p:notes>
+</file>
+
+<file path=ppt/notesSlides/notesSlide4.xml><?xml version="1.0" encoding="utf-8"?>
+<p:notes xmlns:a="http://schemas.openxmlformats.org/drawingml/2006/main" xmlns:r="http://schemas.openxmlformats.org/officeDocument/2006/relationships" xmlns:p="http://schemas.openxmlformats.org/presentationml/2006/main">
+  <p:cSld>
+    <p:spTree>
+      <p:nvGrpSpPr>
+        <p:cNvPr id="1" name=""/>
+        <p:cNvGrpSpPr/>
+        <p:nvPr/>
+      </p:nvGrpSpPr>
+      <p:grpSpPr>
+        <a:xfrm>
+          <a:off x="0" y="0"/>
+          <a:ext cx="0" cy="0"/>
+          <a:chOff x="0" y="0"/>
+          <a:chExt cx="0" cy="0"/>
+        </a:xfrm>
+      </p:grpSpPr>
+      <p:sp>
+        <p:nvSpPr>
           <p:cNvPr id="2" name="Slide Image Placeholder 1"/>
           <p:cNvSpPr>
             <a:spLocks noGrp="1" noRot="1" noChangeAspect="1"/>
@@ -824,7 +1038,7 @@
           <a:p>
             <a:fld id="{4CFD207A-07DF-40AD-A916-9872E089CE7A}" type="slidenum">
               <a:rPr lang="en-US" smtClean="0"/>
-              <a:t>2</a:t>
+              <a:t>8</a:t>
             </a:fld>
             <a:endParaRPr lang="en-US"/>
           </a:p>
@@ -843,7 +1057,7 @@
 </p:notes>
 </file>
 
-<file path=ppt/notesSlides/notesSlide3.xml><?xml version="1.0" encoding="utf-8"?>
+<file path=ppt/notesSlides/notesSlide5.xml><?xml version="1.0" encoding="utf-8"?>
 <p:notes xmlns:a="http://schemas.openxmlformats.org/drawingml/2006/main" xmlns:r="http://schemas.openxmlformats.org/officeDocument/2006/relationships" xmlns:p="http://schemas.openxmlformats.org/presentationml/2006/main">
   <p:cSld>
     <p:spTree>
@@ -908,7 +1122,7 @@
           <a:p>
             <a:fld id="{4CFD207A-07DF-40AD-A916-9872E089CE7A}" type="slidenum">
               <a:rPr lang="en-US" smtClean="0"/>
-              <a:t>4</a:t>
+              <a:t>10</a:t>
             </a:fld>
             <a:endParaRPr lang="en-US"/>
           </a:p>
@@ -927,7 +1141,7 @@
 </p:notes>
 </file>
 
-<file path=ppt/notesSlides/notesSlide4.xml><?xml version="1.0" encoding="utf-8"?>
+<file path=ppt/notesSlides/notesSlide6.xml><?xml version="1.0" encoding="utf-8"?>
 <p:notes xmlns:a="http://schemas.openxmlformats.org/drawingml/2006/main" xmlns:r="http://schemas.openxmlformats.org/officeDocument/2006/relationships" xmlns:p="http://schemas.openxmlformats.org/presentationml/2006/main">
   <p:cSld>
     <p:spTree>
@@ -992,7 +1206,7 @@
           <a:p>
             <a:fld id="{4CFD207A-07DF-40AD-A916-9872E089CE7A}" type="slidenum">
               <a:rPr lang="en-US" smtClean="0"/>
-              <a:t>6</a:t>
+              <a:t>12</a:t>
             </a:fld>
             <a:endParaRPr lang="en-US"/>
           </a:p>
@@ -1011,7 +1225,7 @@
 </p:notes>
 </file>
 
-<file path=ppt/notesSlides/notesSlide5.xml><?xml version="1.0" encoding="utf-8"?>
+<file path=ppt/notesSlides/notesSlide7.xml><?xml version="1.0" encoding="utf-8"?>
 <p:notes xmlns:a="http://schemas.openxmlformats.org/drawingml/2006/main" xmlns:r="http://schemas.openxmlformats.org/officeDocument/2006/relationships" xmlns:p="http://schemas.openxmlformats.org/presentationml/2006/main">
   <p:cSld>
     <p:spTree>
@@ -1076,7 +1290,7 @@
           <a:p>
             <a:fld id="{4CFD207A-07DF-40AD-A916-9872E089CE7A}" type="slidenum">
               <a:rPr lang="en-US" smtClean="0"/>
-              <a:t>7</a:t>
+              <a:t>13</a:t>
             </a:fld>
             <a:endParaRPr lang="en-US"/>
           </a:p>
@@ -1095,7 +1309,7 @@
 </p:notes>
 </file>
 
-<file path=ppt/notesSlides/notesSlide6.xml><?xml version="1.0" encoding="utf-8"?>
+<file path=ppt/notesSlides/notesSlide8.xml><?xml version="1.0" encoding="utf-8"?>
 <p:notes xmlns:a="http://schemas.openxmlformats.org/drawingml/2006/main" xmlns:r="http://schemas.openxmlformats.org/officeDocument/2006/relationships" xmlns:p="http://schemas.openxmlformats.org/presentationml/2006/main">
   <p:cSld>
     <p:spTree>
@@ -1160,7 +1374,7 @@
           <a:p>
             <a:fld id="{4CFD207A-07DF-40AD-A916-9872E089CE7A}" type="slidenum">
               <a:rPr lang="en-US" smtClean="0"/>
-              <a:t>10</a:t>
+              <a:t>19</a:t>
             </a:fld>
             <a:endParaRPr lang="en-US"/>
           </a:p>
@@ -2797,6 +3011,116 @@
       </p:par>
     </p:tnLst>
   </p:timing>
+</p:sldLayout>
+</file>
+
+<file path=ppt/slideLayouts/slideLayout17.xml><?xml version="1.0" encoding="utf-8"?>
+<p:sldLayout xmlns:a="http://schemas.openxmlformats.org/drawingml/2006/main" xmlns:r="http://schemas.openxmlformats.org/officeDocument/2006/relationships" xmlns:p="http://schemas.openxmlformats.org/presentationml/2006/main" userDrawn="1">
+  <p:cSld name="Для размещения схем">
+    <p:spTree>
+      <p:nvGrpSpPr>
+        <p:cNvPr id="1" name=""/>
+        <p:cNvGrpSpPr/>
+        <p:nvPr/>
+      </p:nvGrpSpPr>
+      <p:grpSpPr>
+        <a:xfrm>
+          <a:off x="0" y="0"/>
+          <a:ext cx="0" cy="0"/>
+          <a:chOff x="0" y="0"/>
+          <a:chExt cx="0" cy="0"/>
+        </a:xfrm>
+      </p:grpSpPr>
+      <p:sp>
+        <p:nvSpPr>
+          <p:cNvPr id="4" name="Заголовок 1"/>
+          <p:cNvSpPr>
+            <a:spLocks noGrp="1"/>
+          </p:cNvSpPr>
+          <p:nvPr>
+            <p:ph type="title"/>
+          </p:nvPr>
+        </p:nvSpPr>
+        <p:spPr>
+          <a:xfrm>
+            <a:off x="1047715" y="274638"/>
+            <a:ext cx="10668075" cy="1439850"/>
+          </a:xfrm>
+          <a:prstGeom prst="rect">
+            <a:avLst/>
+          </a:prstGeom>
+        </p:spPr>
+        <p:txBody>
+          <a:bodyPr anchor="ctr"/>
+          <a:lstStyle>
+            <a:lvl1pPr algn="l">
+              <a:defRPr sz="4000" b="1">
+                <a:solidFill>
+                  <a:srgbClr val="FF0066"/>
+                </a:solidFill>
+              </a:defRPr>
+            </a:lvl1pPr>
+          </a:lstStyle>
+          <a:p>
+            <a:r>
+              <a:rPr lang="ru-RU" dirty="0" smtClean="0"/>
+              <a:t>Образец заголовка</a:t>
+            </a:r>
+            <a:endParaRPr lang="ru-RU" dirty="0"/>
+          </a:p>
+        </p:txBody>
+      </p:sp>
+      <p:sp>
+        <p:nvSpPr>
+          <p:cNvPr id="5" name="Номер слайда 5"/>
+          <p:cNvSpPr>
+            <a:spLocks noGrp="1"/>
+          </p:cNvSpPr>
+          <p:nvPr>
+            <p:ph type="sldNum" sz="quarter" idx="10"/>
+          </p:nvPr>
+        </p:nvSpPr>
+        <p:spPr>
+          <a:xfrm>
+            <a:off x="10991851" y="6429375"/>
+            <a:ext cx="1104900" cy="476250"/>
+          </a:xfrm>
+          <a:prstGeom prst="rect">
+            <a:avLst/>
+          </a:prstGeom>
+        </p:spPr>
+        <p:txBody>
+          <a:bodyPr vert="horz" wrap="square" lIns="91440" tIns="45720" rIns="91440" bIns="45720" numCol="1" anchor="ctr" anchorCtr="0" compatLnSpc="1">
+            <a:prstTxWarp prst="textNoShape">
+              <a:avLst/>
+            </a:prstTxWarp>
+          </a:bodyPr>
+          <a:lstStyle>
+            <a:lvl1pPr algn="r">
+              <a:defRPr sz="800"/>
+            </a:lvl1pPr>
+          </a:lstStyle>
+          <a:p>
+            <a:fld id="{70B1D065-145A-42F8-98FF-D61AC7950D71}" type="slidenum">
+              <a:rPr lang="ru-RU"/>
+              <a:pPr/>
+              <a:t>‹#›</a:t>
+            </a:fld>
+            <a:endParaRPr lang="ru-RU" dirty="0"/>
+          </a:p>
+        </p:txBody>
+      </p:sp>
+    </p:spTree>
+    <p:extLst>
+      <p:ext uri="{BB962C8B-B14F-4D97-AF65-F5344CB8AC3E}">
+        <p14:creationId xmlns:p14="http://schemas.microsoft.com/office/powerpoint/2010/main" val="1752012933"/>
+      </p:ext>
+    </p:extLst>
+  </p:cSld>
+  <p:clrMapOvr>
+    <a:masterClrMapping/>
+  </p:clrMapOvr>
+  <p:hf hdr="0" ftr="0" dt="0"/>
 </p:sldLayout>
 </file>
 
@@ -4800,6 +5124,7 @@
     <p:sldLayoutId id="2147483685" r:id="rId6"/>
     <p:sldLayoutId id="2147483686" r:id="rId7"/>
     <p:sldLayoutId id="2147483687" r:id="rId8"/>
+    <p:sldLayoutId id="2147483688" r:id="rId9"/>
   </p:sldLayoutIdLst>
   <p:timing>
     <p:tnLst>
@@ -5154,6 +5479,30 @@
           </a:p>
         </p:txBody>
       </p:sp>
+      <p:pic>
+        <p:nvPicPr>
+          <p:cNvPr id="3" name="Рисунок 2"/>
+          <p:cNvPicPr>
+            <a:picLocks noChangeAspect="1"/>
+          </p:cNvPicPr>
+          <p:nvPr/>
+        </p:nvPicPr>
+        <p:blipFill>
+          <a:blip r:embed="rId3"/>
+          <a:stretch>
+            <a:fillRect/>
+          </a:stretch>
+        </p:blipFill>
+        <p:spPr>
+          <a:xfrm>
+            <a:off x="-73418" y="0"/>
+            <a:ext cx="13716000" cy="6858000"/>
+          </a:xfrm>
+          <a:prstGeom prst="rect">
+            <a:avLst/>
+          </a:prstGeom>
+        </p:spPr>
+      </p:pic>
     </p:spTree>
     <p:extLst>
       <p:ext uri="{BB962C8B-B14F-4D97-AF65-F5344CB8AC3E}">
@@ -5175,6 +5524,3648 @@
 </file>
 
 <file path=ppt/slides/slide10.xml><?xml version="1.0" encoding="utf-8"?>
+<p:sld xmlns:a="http://schemas.openxmlformats.org/drawingml/2006/main" xmlns:r="http://schemas.openxmlformats.org/officeDocument/2006/relationships" xmlns:p="http://schemas.openxmlformats.org/presentationml/2006/main">
+  <p:cSld>
+    <p:spTree>
+      <p:nvGrpSpPr>
+        <p:cNvPr id="1" name=""/>
+        <p:cNvGrpSpPr/>
+        <p:nvPr/>
+      </p:nvGrpSpPr>
+      <p:grpSpPr>
+        <a:xfrm>
+          <a:off x="0" y="0"/>
+          <a:ext cx="0" cy="0"/>
+          <a:chOff x="0" y="0"/>
+          <a:chExt cx="0" cy="0"/>
+        </a:xfrm>
+      </p:grpSpPr>
+      <p:sp>
+        <p:nvSpPr>
+          <p:cNvPr id="2" name="Заголовок 1"/>
+          <p:cNvSpPr>
+            <a:spLocks noGrp="1"/>
+          </p:cNvSpPr>
+          <p:nvPr>
+            <p:ph type="title"/>
+          </p:nvPr>
+        </p:nvSpPr>
+        <p:spPr/>
+        <p:txBody>
+          <a:bodyPr/>
+          <a:lstStyle/>
+          <a:p>
+            <a:r>
+              <a:rPr lang="ru-RU" dirty="0"/>
+              <a:t>Набор инструментов </a:t>
+            </a:r>
+            <a:r>
+              <a:rPr lang="en-US" dirty="0"/>
+              <a:t>Selenium</a:t>
+            </a:r>
+            <a:endParaRPr lang="ru-RU" dirty="0"/>
+          </a:p>
+        </p:txBody>
+      </p:sp>
+      <p:sp>
+        <p:nvSpPr>
+          <p:cNvPr id="4" name="Объект 3"/>
+          <p:cNvSpPr>
+            <a:spLocks noGrp="1"/>
+          </p:cNvSpPr>
+          <p:nvPr>
+            <p:ph sz="quarter" idx="10"/>
+          </p:nvPr>
+        </p:nvSpPr>
+        <p:spPr/>
+        <p:txBody>
+          <a:bodyPr/>
+          <a:lstStyle/>
+          <a:p>
+            <a:endParaRPr lang="ru-RU"/>
+          </a:p>
+        </p:txBody>
+      </p:sp>
+      <p:pic>
+        <p:nvPicPr>
+          <p:cNvPr id="5" name="Рисунок 4"/>
+          <p:cNvPicPr>
+            <a:picLocks noChangeAspect="1"/>
+          </p:cNvPicPr>
+          <p:nvPr/>
+        </p:nvPicPr>
+        <p:blipFill>
+          <a:blip r:embed="rId3"/>
+          <a:stretch>
+            <a:fillRect/>
+          </a:stretch>
+        </p:blipFill>
+        <p:spPr>
+          <a:xfrm>
+            <a:off x="2046286" y="2161174"/>
+            <a:ext cx="7351713" cy="4107864"/>
+          </a:xfrm>
+          <a:prstGeom prst="rect">
+            <a:avLst/>
+          </a:prstGeom>
+        </p:spPr>
+      </p:pic>
+    </p:spTree>
+    <p:extLst>
+      <p:ext uri="{BB962C8B-B14F-4D97-AF65-F5344CB8AC3E}">
+        <p14:creationId xmlns:p14="http://schemas.microsoft.com/office/powerpoint/2010/main" val="4149863433"/>
+      </p:ext>
+    </p:extLst>
+  </p:cSld>
+  <p:clrMapOvr>
+    <a:masterClrMapping/>
+  </p:clrMapOvr>
+  <p:timing>
+    <p:tnLst>
+      <p:par>
+        <p:cTn id="1" dur="indefinite" restart="never" nodeType="tmRoot"/>
+      </p:par>
+    </p:tnLst>
+  </p:timing>
+</p:sld>
+</file>
+
+<file path=ppt/slides/slide11.xml><?xml version="1.0" encoding="utf-8"?>
+<p:sld xmlns:a="http://schemas.openxmlformats.org/drawingml/2006/main" xmlns:r="http://schemas.openxmlformats.org/officeDocument/2006/relationships" xmlns:p="http://schemas.openxmlformats.org/presentationml/2006/main">
+  <p:cSld>
+    <p:spTree>
+      <p:nvGrpSpPr>
+        <p:cNvPr id="1" name=""/>
+        <p:cNvGrpSpPr/>
+        <p:nvPr/>
+      </p:nvGrpSpPr>
+      <p:grpSpPr>
+        <a:xfrm>
+          <a:off x="0" y="0"/>
+          <a:ext cx="0" cy="0"/>
+          <a:chOff x="0" y="0"/>
+          <a:chExt cx="0" cy="0"/>
+        </a:xfrm>
+      </p:grpSpPr>
+      <p:sp>
+        <p:nvSpPr>
+          <p:cNvPr id="2" name="Заголовок 1"/>
+          <p:cNvSpPr>
+            <a:spLocks noGrp="1"/>
+          </p:cNvSpPr>
+          <p:nvPr>
+            <p:ph type="title"/>
+          </p:nvPr>
+        </p:nvSpPr>
+        <p:spPr/>
+        <p:txBody>
+          <a:bodyPr/>
+          <a:lstStyle/>
+          <a:p>
+            <a:r>
+              <a:rPr lang="ru-RU" dirty="0"/>
+              <a:t>Поддерживаемые браузеры и платформы</a:t>
+            </a:r>
+          </a:p>
+        </p:txBody>
+      </p:sp>
+      <p:pic>
+        <p:nvPicPr>
+          <p:cNvPr id="8" name="Объект 7"/>
+          <p:cNvPicPr>
+            <a:picLocks noGrp="1" noChangeAspect="1"/>
+          </p:cNvPicPr>
+          <p:nvPr>
+            <p:ph sz="quarter" idx="10"/>
+          </p:nvPr>
+        </p:nvPicPr>
+        <p:blipFill>
+          <a:blip r:embed="rId2"/>
+          <a:stretch>
+            <a:fillRect/>
+          </a:stretch>
+        </p:blipFill>
+        <p:spPr>
+          <a:xfrm>
+            <a:off x="533255" y="1374775"/>
+            <a:ext cx="10887366" cy="5291138"/>
+          </a:xfrm>
+          <a:prstGeom prst="rect">
+            <a:avLst/>
+          </a:prstGeom>
+        </p:spPr>
+      </p:pic>
+    </p:spTree>
+    <p:extLst>
+      <p:ext uri="{BB962C8B-B14F-4D97-AF65-F5344CB8AC3E}">
+        <p14:creationId xmlns:p14="http://schemas.microsoft.com/office/powerpoint/2010/main" val="439419949"/>
+      </p:ext>
+    </p:extLst>
+  </p:cSld>
+  <p:clrMapOvr>
+    <a:masterClrMapping/>
+  </p:clrMapOvr>
+  <p:timing>
+    <p:tnLst>
+      <p:par>
+        <p:cTn id="1" dur="indefinite" restart="never" nodeType="tmRoot"/>
+      </p:par>
+    </p:tnLst>
+  </p:timing>
+</p:sld>
+</file>
+
+<file path=ppt/slides/slide12.xml><?xml version="1.0" encoding="utf-8"?>
+<p:sld xmlns:a="http://schemas.openxmlformats.org/drawingml/2006/main" xmlns:r="http://schemas.openxmlformats.org/officeDocument/2006/relationships" xmlns:p="http://schemas.openxmlformats.org/presentationml/2006/main">
+  <p:cSld>
+    <p:spTree>
+      <p:nvGrpSpPr>
+        <p:cNvPr id="1" name=""/>
+        <p:cNvGrpSpPr/>
+        <p:nvPr/>
+      </p:nvGrpSpPr>
+      <p:grpSpPr>
+        <a:xfrm>
+          <a:off x="0" y="0"/>
+          <a:ext cx="0" cy="0"/>
+          <a:chOff x="0" y="0"/>
+          <a:chExt cx="0" cy="0"/>
+        </a:xfrm>
+      </p:grpSpPr>
+      <p:sp>
+        <p:nvSpPr>
+          <p:cNvPr id="2" name="Заголовок 1"/>
+          <p:cNvSpPr>
+            <a:spLocks noGrp="1"/>
+          </p:cNvSpPr>
+          <p:nvPr>
+            <p:ph type="title"/>
+          </p:nvPr>
+        </p:nvSpPr>
+        <p:spPr/>
+        <p:txBody>
+          <a:bodyPr/>
+          <a:lstStyle/>
+          <a:p>
+            <a:r>
+              <a:rPr lang="ru-RU" dirty="0"/>
+              <a:t>Разновидности тестов</a:t>
+            </a:r>
+          </a:p>
+        </p:txBody>
+      </p:sp>
+      <p:sp>
+        <p:nvSpPr>
+          <p:cNvPr id="3" name="Объект 2"/>
+          <p:cNvSpPr>
+            <a:spLocks noGrp="1"/>
+          </p:cNvSpPr>
+          <p:nvPr>
+            <p:ph sz="quarter" idx="10"/>
+          </p:nvPr>
+        </p:nvSpPr>
+        <p:spPr/>
+        <p:txBody>
+          <a:bodyPr/>
+          <a:lstStyle/>
+          <a:p>
+            <a:r>
+              <a:rPr lang="ru-RU" dirty="0" smtClean="0"/>
+              <a:t>Тестирование статичного контента</a:t>
+            </a:r>
+          </a:p>
+          <a:p>
+            <a:r>
+              <a:rPr lang="ru-RU" dirty="0"/>
+              <a:t>Тестирование ссылок</a:t>
+            </a:r>
+          </a:p>
+          <a:p>
+            <a:r>
+              <a:rPr lang="ru-RU" dirty="0"/>
+              <a:t>Тестирование функциональности</a:t>
+            </a:r>
+          </a:p>
+          <a:p>
+            <a:r>
+              <a:rPr lang="ru-RU" dirty="0"/>
+              <a:t>Тестирование динамических </a:t>
+            </a:r>
+            <a:r>
+              <a:rPr lang="ru-RU" dirty="0" smtClean="0"/>
+              <a:t>элементов</a:t>
+            </a:r>
+          </a:p>
+          <a:p>
+            <a:r>
+              <a:rPr lang="ru-RU" dirty="0"/>
+              <a:t>Тестирование </a:t>
+            </a:r>
+            <a:r>
+              <a:rPr lang="en-US" dirty="0"/>
+              <a:t>AJAX</a:t>
+            </a:r>
+            <a:endParaRPr lang="ru-RU" dirty="0"/>
+          </a:p>
+        </p:txBody>
+      </p:sp>
+    </p:spTree>
+    <p:extLst>
+      <p:ext uri="{BB962C8B-B14F-4D97-AF65-F5344CB8AC3E}">
+        <p14:creationId xmlns:p14="http://schemas.microsoft.com/office/powerpoint/2010/main" val="1715132296"/>
+      </p:ext>
+    </p:extLst>
+  </p:cSld>
+  <p:clrMapOvr>
+    <a:masterClrMapping/>
+  </p:clrMapOvr>
+  <p:timing>
+    <p:tnLst>
+      <p:par>
+        <p:cTn id="1" dur="indefinite" restart="never" nodeType="tmRoot">
+          <p:childTnLst>
+            <p:seq concurrent="1" nextAc="seek">
+              <p:cTn id="2" dur="indefinite" nodeType="mainSeq">
+                <p:childTnLst>
+                  <p:par>
+                    <p:cTn id="3" fill="hold">
+                      <p:stCondLst>
+                        <p:cond delay="indefinite"/>
+                      </p:stCondLst>
+                      <p:childTnLst>
+                        <p:par>
+                          <p:cTn id="4" fill="hold">
+                            <p:stCondLst>
+                              <p:cond delay="0"/>
+                            </p:stCondLst>
+                            <p:childTnLst>
+                              <p:par>
+                                <p:cTn id="5" presetID="1" presetClass="entr" presetSubtype="0" fill="hold" nodeType="clickEffect">
+                                  <p:stCondLst>
+                                    <p:cond delay="0"/>
+                                  </p:stCondLst>
+                                  <p:childTnLst>
+                                    <p:set>
+                                      <p:cBhvr>
+                                        <p:cTn id="6" dur="1" fill="hold">
+                                          <p:stCondLst>
+                                            <p:cond delay="0"/>
+                                          </p:stCondLst>
+                                        </p:cTn>
+                                        <p:tgtEl>
+                                          <p:spTgt spid="3">
+                                            <p:txEl>
+                                              <p:pRg st="0" end="0"/>
+                                            </p:txEl>
+                                          </p:spTgt>
+                                        </p:tgtEl>
+                                        <p:attrNameLst>
+                                          <p:attrName>style.visibility</p:attrName>
+                                        </p:attrNameLst>
+                                      </p:cBhvr>
+                                      <p:to>
+                                        <p:strVal val="visible"/>
+                                      </p:to>
+                                    </p:set>
+                                  </p:childTnLst>
+                                </p:cTn>
+                              </p:par>
+                            </p:childTnLst>
+                          </p:cTn>
+                        </p:par>
+                      </p:childTnLst>
+                    </p:cTn>
+                  </p:par>
+                  <p:par>
+                    <p:cTn id="7" fill="hold">
+                      <p:stCondLst>
+                        <p:cond delay="indefinite"/>
+                      </p:stCondLst>
+                      <p:childTnLst>
+                        <p:par>
+                          <p:cTn id="8" fill="hold">
+                            <p:stCondLst>
+                              <p:cond delay="0"/>
+                            </p:stCondLst>
+                            <p:childTnLst>
+                              <p:par>
+                                <p:cTn id="9" presetID="1" presetClass="entr" presetSubtype="0" fill="hold" nodeType="clickEffect">
+                                  <p:stCondLst>
+                                    <p:cond delay="0"/>
+                                  </p:stCondLst>
+                                  <p:childTnLst>
+                                    <p:set>
+                                      <p:cBhvr>
+                                        <p:cTn id="10" dur="1" fill="hold">
+                                          <p:stCondLst>
+                                            <p:cond delay="0"/>
+                                          </p:stCondLst>
+                                        </p:cTn>
+                                        <p:tgtEl>
+                                          <p:spTgt spid="3">
+                                            <p:txEl>
+                                              <p:pRg st="1" end="1"/>
+                                            </p:txEl>
+                                          </p:spTgt>
+                                        </p:tgtEl>
+                                        <p:attrNameLst>
+                                          <p:attrName>style.visibility</p:attrName>
+                                        </p:attrNameLst>
+                                      </p:cBhvr>
+                                      <p:to>
+                                        <p:strVal val="visible"/>
+                                      </p:to>
+                                    </p:set>
+                                  </p:childTnLst>
+                                </p:cTn>
+                              </p:par>
+                            </p:childTnLst>
+                          </p:cTn>
+                        </p:par>
+                      </p:childTnLst>
+                    </p:cTn>
+                  </p:par>
+                  <p:par>
+                    <p:cTn id="11" fill="hold">
+                      <p:stCondLst>
+                        <p:cond delay="indefinite"/>
+                      </p:stCondLst>
+                      <p:childTnLst>
+                        <p:par>
+                          <p:cTn id="12" fill="hold">
+                            <p:stCondLst>
+                              <p:cond delay="0"/>
+                            </p:stCondLst>
+                            <p:childTnLst>
+                              <p:par>
+                                <p:cTn id="13" presetID="1" presetClass="entr" presetSubtype="0" fill="hold" nodeType="clickEffect">
+                                  <p:stCondLst>
+                                    <p:cond delay="0"/>
+                                  </p:stCondLst>
+                                  <p:childTnLst>
+                                    <p:set>
+                                      <p:cBhvr>
+                                        <p:cTn id="14" dur="1" fill="hold">
+                                          <p:stCondLst>
+                                            <p:cond delay="0"/>
+                                          </p:stCondLst>
+                                        </p:cTn>
+                                        <p:tgtEl>
+                                          <p:spTgt spid="3">
+                                            <p:txEl>
+                                              <p:pRg st="2" end="2"/>
+                                            </p:txEl>
+                                          </p:spTgt>
+                                        </p:tgtEl>
+                                        <p:attrNameLst>
+                                          <p:attrName>style.visibility</p:attrName>
+                                        </p:attrNameLst>
+                                      </p:cBhvr>
+                                      <p:to>
+                                        <p:strVal val="visible"/>
+                                      </p:to>
+                                    </p:set>
+                                  </p:childTnLst>
+                                </p:cTn>
+                              </p:par>
+                            </p:childTnLst>
+                          </p:cTn>
+                        </p:par>
+                      </p:childTnLst>
+                    </p:cTn>
+                  </p:par>
+                  <p:par>
+                    <p:cTn id="15" fill="hold">
+                      <p:stCondLst>
+                        <p:cond delay="indefinite"/>
+                      </p:stCondLst>
+                      <p:childTnLst>
+                        <p:par>
+                          <p:cTn id="16" fill="hold">
+                            <p:stCondLst>
+                              <p:cond delay="0"/>
+                            </p:stCondLst>
+                            <p:childTnLst>
+                              <p:par>
+                                <p:cTn id="17" presetID="1" presetClass="entr" presetSubtype="0" fill="hold" nodeType="clickEffect">
+                                  <p:stCondLst>
+                                    <p:cond delay="0"/>
+                                  </p:stCondLst>
+                                  <p:childTnLst>
+                                    <p:set>
+                                      <p:cBhvr>
+                                        <p:cTn id="18" dur="1" fill="hold">
+                                          <p:stCondLst>
+                                            <p:cond delay="0"/>
+                                          </p:stCondLst>
+                                        </p:cTn>
+                                        <p:tgtEl>
+                                          <p:spTgt spid="3">
+                                            <p:txEl>
+                                              <p:pRg st="3" end="3"/>
+                                            </p:txEl>
+                                          </p:spTgt>
+                                        </p:tgtEl>
+                                        <p:attrNameLst>
+                                          <p:attrName>style.visibility</p:attrName>
+                                        </p:attrNameLst>
+                                      </p:cBhvr>
+                                      <p:to>
+                                        <p:strVal val="visible"/>
+                                      </p:to>
+                                    </p:set>
+                                  </p:childTnLst>
+                                </p:cTn>
+                              </p:par>
+                            </p:childTnLst>
+                          </p:cTn>
+                        </p:par>
+                      </p:childTnLst>
+                    </p:cTn>
+                  </p:par>
+                  <p:par>
+                    <p:cTn id="19" fill="hold">
+                      <p:stCondLst>
+                        <p:cond delay="indefinite"/>
+                      </p:stCondLst>
+                      <p:childTnLst>
+                        <p:par>
+                          <p:cTn id="20" fill="hold">
+                            <p:stCondLst>
+                              <p:cond delay="0"/>
+                            </p:stCondLst>
+                            <p:childTnLst>
+                              <p:par>
+                                <p:cTn id="21" presetID="1" presetClass="entr" presetSubtype="0" fill="hold" nodeType="clickEffect">
+                                  <p:stCondLst>
+                                    <p:cond delay="0"/>
+                                  </p:stCondLst>
+                                  <p:childTnLst>
+                                    <p:set>
+                                      <p:cBhvr>
+                                        <p:cTn id="22" dur="1" fill="hold">
+                                          <p:stCondLst>
+                                            <p:cond delay="0"/>
+                                          </p:stCondLst>
+                                        </p:cTn>
+                                        <p:tgtEl>
+                                          <p:spTgt spid="3">
+                                            <p:txEl>
+                                              <p:pRg st="4" end="4"/>
+                                            </p:txEl>
+                                          </p:spTgt>
+                                        </p:tgtEl>
+                                        <p:attrNameLst>
+                                          <p:attrName>style.visibility</p:attrName>
+                                        </p:attrNameLst>
+                                      </p:cBhvr>
+                                      <p:to>
+                                        <p:strVal val="visible"/>
+                                      </p:to>
+                                    </p:set>
+                                  </p:childTnLst>
+                                </p:cTn>
+                              </p:par>
+                            </p:childTnLst>
+                          </p:cTn>
+                        </p:par>
+                      </p:childTnLst>
+                    </p:cTn>
+                  </p:par>
+                </p:childTnLst>
+              </p:cTn>
+              <p:prevCondLst>
+                <p:cond evt="onPrev" delay="0">
+                  <p:tgtEl>
+                    <p:sldTgt/>
+                  </p:tgtEl>
+                </p:cond>
+              </p:prevCondLst>
+              <p:nextCondLst>
+                <p:cond evt="onNext" delay="0">
+                  <p:tgtEl>
+                    <p:sldTgt/>
+                  </p:tgtEl>
+                </p:cond>
+              </p:nextCondLst>
+            </p:seq>
+          </p:childTnLst>
+        </p:cTn>
+      </p:par>
+    </p:tnLst>
+  </p:timing>
+</p:sld>
+</file>
+
+<file path=ppt/slides/slide13.xml><?xml version="1.0" encoding="utf-8"?>
+<p:sld xmlns:a="http://schemas.openxmlformats.org/drawingml/2006/main" xmlns:r="http://schemas.openxmlformats.org/officeDocument/2006/relationships" xmlns:p="http://schemas.openxmlformats.org/presentationml/2006/main">
+  <p:cSld>
+    <p:spTree>
+      <p:nvGrpSpPr>
+        <p:cNvPr id="1" name=""/>
+        <p:cNvGrpSpPr/>
+        <p:nvPr/>
+      </p:nvGrpSpPr>
+      <p:grpSpPr>
+        <a:xfrm>
+          <a:off x="0" y="0"/>
+          <a:ext cx="0" cy="0"/>
+          <a:chOff x="0" y="0"/>
+          <a:chExt cx="0" cy="0"/>
+        </a:xfrm>
+      </p:grpSpPr>
+      <p:sp>
+        <p:nvSpPr>
+          <p:cNvPr id="5" name="Rectangle 4"/>
+          <p:cNvSpPr/>
+          <p:nvPr/>
+        </p:nvSpPr>
+        <p:spPr>
+          <a:xfrm>
+            <a:off x="491136" y="3286656"/>
+            <a:ext cx="8388754" cy="1660809"/>
+          </a:xfrm>
+          <a:prstGeom prst="rect">
+            <a:avLst/>
+          </a:prstGeom>
+          <a:solidFill>
+            <a:srgbClr val="82BF36"/>
+          </a:solidFill>
+          <a:ln>
+            <a:solidFill>
+              <a:srgbClr val="86C400"/>
+            </a:solidFill>
+          </a:ln>
+        </p:spPr>
+        <p:style>
+          <a:lnRef idx="2">
+            <a:schemeClr val="accent1">
+              <a:shade val="50000"/>
+            </a:schemeClr>
+          </a:lnRef>
+          <a:fillRef idx="1">
+            <a:schemeClr val="accent1"/>
+          </a:fillRef>
+          <a:effectRef idx="0">
+            <a:schemeClr val="accent1"/>
+          </a:effectRef>
+          <a:fontRef idx="minor">
+            <a:schemeClr val="lt1"/>
+          </a:fontRef>
+        </p:style>
+        <p:txBody>
+          <a:bodyPr rtlCol="0" anchor="ctr"/>
+          <a:lstStyle/>
+          <a:p>
+            <a:pPr algn="ctr"/>
+            <a:endParaRPr lang="en-US"/>
+          </a:p>
+        </p:txBody>
+      </p:sp>
+      <p:grpSp>
+        <p:nvGrpSpPr>
+          <p:cNvPr id="10" name="Group 9"/>
+          <p:cNvGrpSpPr/>
+          <p:nvPr/>
+        </p:nvGrpSpPr>
+        <p:grpSpPr>
+          <a:xfrm>
+            <a:off x="6867526" y="4666148"/>
+            <a:ext cx="4722096" cy="1660809"/>
+            <a:chOff x="7181851" y="5076137"/>
+            <a:chExt cx="4722096" cy="1660809"/>
+          </a:xfrm>
+        </p:grpSpPr>
+        <p:sp>
+          <p:nvSpPr>
+            <p:cNvPr id="8" name="Rectangle 7"/>
+            <p:cNvSpPr/>
+            <p:nvPr/>
+          </p:nvSpPr>
+          <p:spPr>
+            <a:xfrm>
+              <a:off x="7181851" y="5076137"/>
+              <a:ext cx="4722096" cy="1660809"/>
+            </a:xfrm>
+            <a:prstGeom prst="rect">
+              <a:avLst/>
+            </a:prstGeom>
+            <a:solidFill>
+              <a:srgbClr val="1F497D"/>
+            </a:solidFill>
+            <a:ln>
+              <a:solidFill>
+                <a:srgbClr val="1F497D"/>
+              </a:solidFill>
+            </a:ln>
+          </p:spPr>
+          <p:style>
+            <a:lnRef idx="2">
+              <a:schemeClr val="accent1">
+                <a:shade val="50000"/>
+              </a:schemeClr>
+            </a:lnRef>
+            <a:fillRef idx="1">
+              <a:schemeClr val="accent1"/>
+            </a:fillRef>
+            <a:effectRef idx="0">
+              <a:schemeClr val="accent1"/>
+            </a:effectRef>
+            <a:fontRef idx="minor">
+              <a:schemeClr val="lt1"/>
+            </a:fontRef>
+          </p:style>
+          <p:txBody>
+            <a:bodyPr rtlCol="0" anchor="ctr"/>
+            <a:lstStyle/>
+            <a:p>
+              <a:pPr algn="ctr"/>
+              <a:endParaRPr lang="en-US"/>
+            </a:p>
+          </p:txBody>
+        </p:sp>
+        <p:sp>
+          <p:nvSpPr>
+            <p:cNvPr id="9" name="Text Placeholder 4"/>
+            <p:cNvSpPr txBox="1">
+              <a:spLocks/>
+            </p:cNvSpPr>
+            <p:nvPr/>
+          </p:nvSpPr>
+          <p:spPr>
+            <a:xfrm>
+              <a:off x="7359651" y="5667384"/>
+              <a:ext cx="4544296" cy="973624"/>
+            </a:xfrm>
+            <a:prstGeom prst="rect">
+              <a:avLst/>
+            </a:prstGeom>
+          </p:spPr>
+          <p:txBody>
+            <a:bodyPr anchor="b"/>
+            <a:lstStyle>
+              <a:lvl1pPr marL="342783" indent="-342783" algn="l" defTabSz="914088" rtl="0" eaLnBrk="1" latinLnBrk="0" hangingPunct="1">
+                <a:spcBef>
+                  <a:spcPts val="1400"/>
+                </a:spcBef>
+                <a:buFont typeface="Arial" pitchFamily="34" charset="0"/>
+                <a:buChar char="•"/>
+                <a:defRPr sz="3200" b="0" kern="0" baseline="0">
+                  <a:solidFill>
+                    <a:schemeClr val="tx1"/>
+                  </a:solidFill>
+                  <a:latin typeface="Segoe UI Light" panose="020B0502040204020203" pitchFamily="34" charset="0"/>
+                  <a:ea typeface="Segoe UI Light" panose="020B0502040204020203" pitchFamily="34" charset="0"/>
+                  <a:cs typeface="Segoe UI Light" panose="020B0502040204020203" pitchFamily="34" charset="0"/>
+                </a:defRPr>
+              </a:lvl1pPr>
+              <a:lvl2pPr marL="742698" indent="-285652" algn="l" defTabSz="914088" rtl="0" eaLnBrk="1" latinLnBrk="0" hangingPunct="1">
+                <a:spcBef>
+                  <a:spcPts val="300"/>
+                </a:spcBef>
+                <a:spcAft>
+                  <a:spcPts val="300"/>
+                </a:spcAft>
+                <a:buFont typeface="Arial" pitchFamily="34" charset="0"/>
+                <a:buChar char="–"/>
+                <a:defRPr sz="2800" kern="0" baseline="0">
+                  <a:solidFill>
+                    <a:schemeClr val="tx1">
+                      <a:lumMod val="75000"/>
+                      <a:lumOff val="25000"/>
+                    </a:schemeClr>
+                  </a:solidFill>
+                  <a:latin typeface="Segoe UI Light" panose="020B0502040204020203" pitchFamily="34" charset="0"/>
+                  <a:ea typeface="Segoe UI Light" panose="020B0502040204020203" pitchFamily="34" charset="0"/>
+                  <a:cs typeface="Segoe UI Light" panose="020B0502040204020203" pitchFamily="34" charset="0"/>
+                </a:defRPr>
+              </a:lvl2pPr>
+              <a:lvl3pPr marL="1142612" indent="-228522" algn="l" defTabSz="914088" rtl="0" eaLnBrk="1" latinLnBrk="0" hangingPunct="1">
+                <a:spcBef>
+                  <a:spcPts val="200"/>
+                </a:spcBef>
+                <a:spcAft>
+                  <a:spcPts val="200"/>
+                </a:spcAft>
+                <a:buFont typeface="Arial" pitchFamily="34" charset="0"/>
+                <a:buChar char="•"/>
+                <a:defRPr sz="2400" kern="0" baseline="0">
+                  <a:solidFill>
+                    <a:schemeClr val="tx1"/>
+                  </a:solidFill>
+                  <a:latin typeface="Segoe UI Light" panose="020B0502040204020203" pitchFamily="34" charset="0"/>
+                  <a:ea typeface="Segoe UI Light" panose="020B0502040204020203" pitchFamily="34" charset="0"/>
+                  <a:cs typeface="Segoe UI Light" panose="020B0502040204020203" pitchFamily="34" charset="0"/>
+                </a:defRPr>
+              </a:lvl3pPr>
+              <a:lvl4pPr marL="1599657" indent="-228522" algn="l" defTabSz="914088" rtl="0" eaLnBrk="1" latinLnBrk="0" hangingPunct="1">
+                <a:spcBef>
+                  <a:spcPct val="20000"/>
+                </a:spcBef>
+                <a:buFont typeface="Arial" pitchFamily="34" charset="0"/>
+                <a:buChar char="–"/>
+                <a:defRPr sz="2000" kern="0" baseline="0">
+                  <a:solidFill>
+                    <a:schemeClr val="tx1"/>
+                  </a:solidFill>
+                  <a:latin typeface="Segoe UI Light" panose="020B0502040204020203" pitchFamily="34" charset="0"/>
+                  <a:ea typeface="Segoe UI Light" panose="020B0502040204020203" pitchFamily="34" charset="0"/>
+                  <a:cs typeface="Segoe UI Light" panose="020B0502040204020203" pitchFamily="34" charset="0"/>
+                </a:defRPr>
+              </a:lvl4pPr>
+              <a:lvl5pPr marL="2056700" indent="-228522" algn="l" defTabSz="914088" rtl="0" eaLnBrk="1" latinLnBrk="0" hangingPunct="1">
+                <a:spcBef>
+                  <a:spcPct val="20000"/>
+                </a:spcBef>
+                <a:buFont typeface="Arial" pitchFamily="34" charset="0"/>
+                <a:buChar char="»"/>
+                <a:defRPr sz="2000" kern="0" baseline="0">
+                  <a:solidFill>
+                    <a:schemeClr val="tx1"/>
+                  </a:solidFill>
+                  <a:latin typeface="Segoe UI Light" panose="020B0502040204020203" pitchFamily="34" charset="0"/>
+                  <a:ea typeface="Segoe UI Light" panose="020B0502040204020203" pitchFamily="34" charset="0"/>
+                  <a:cs typeface="Segoe UI Light" panose="020B0502040204020203" pitchFamily="34" charset="0"/>
+                </a:defRPr>
+              </a:lvl5pPr>
+              <a:lvl6pPr marL="2513745" indent="-228522" algn="l" defTabSz="914088" rtl="0" eaLnBrk="1" latinLnBrk="0" hangingPunct="1">
+                <a:spcBef>
+                  <a:spcPct val="20000"/>
+                </a:spcBef>
+                <a:buFont typeface="Arial" pitchFamily="34" charset="0"/>
+                <a:buChar char="•"/>
+                <a:defRPr sz="2000" kern="1200">
+                  <a:solidFill>
+                    <a:schemeClr val="tx1"/>
+                  </a:solidFill>
+                  <a:latin typeface="+mn-lt"/>
+                  <a:ea typeface="+mn-ea"/>
+                  <a:cs typeface="+mn-cs"/>
+                </a:defRPr>
+              </a:lvl6pPr>
+              <a:lvl7pPr marL="2970789" indent="-228522" algn="l" defTabSz="914088" rtl="0" eaLnBrk="1" latinLnBrk="0" hangingPunct="1">
+                <a:spcBef>
+                  <a:spcPct val="20000"/>
+                </a:spcBef>
+                <a:buFont typeface="Arial" pitchFamily="34" charset="0"/>
+                <a:buChar char="•"/>
+                <a:defRPr sz="2000" kern="1200">
+                  <a:solidFill>
+                    <a:schemeClr val="tx1"/>
+                  </a:solidFill>
+                  <a:latin typeface="+mn-lt"/>
+                  <a:ea typeface="+mn-ea"/>
+                  <a:cs typeface="+mn-cs"/>
+                </a:defRPr>
+              </a:lvl7pPr>
+              <a:lvl8pPr marL="3427833" indent="-228522" algn="l" defTabSz="914088" rtl="0" eaLnBrk="1" latinLnBrk="0" hangingPunct="1">
+                <a:spcBef>
+                  <a:spcPct val="20000"/>
+                </a:spcBef>
+                <a:buFont typeface="Arial" pitchFamily="34" charset="0"/>
+                <a:buChar char="•"/>
+                <a:defRPr sz="2000" kern="1200">
+                  <a:solidFill>
+                    <a:schemeClr val="tx1"/>
+                  </a:solidFill>
+                  <a:latin typeface="+mn-lt"/>
+                  <a:ea typeface="+mn-ea"/>
+                  <a:cs typeface="+mn-cs"/>
+                </a:defRPr>
+              </a:lvl8pPr>
+              <a:lvl9pPr marL="3884878" indent="-228522" algn="l" defTabSz="914088" rtl="0" eaLnBrk="1" latinLnBrk="0" hangingPunct="1">
+                <a:spcBef>
+                  <a:spcPct val="20000"/>
+                </a:spcBef>
+                <a:buFont typeface="Arial" pitchFamily="34" charset="0"/>
+                <a:buChar char="•"/>
+                <a:defRPr sz="2000" kern="1200">
+                  <a:solidFill>
+                    <a:schemeClr val="tx1"/>
+                  </a:solidFill>
+                  <a:latin typeface="+mn-lt"/>
+                  <a:ea typeface="+mn-ea"/>
+                  <a:cs typeface="+mn-cs"/>
+                </a:defRPr>
+              </a:lvl9pPr>
+            </a:lstStyle>
+            <a:p>
+              <a:pPr marL="0" indent="0">
+                <a:buNone/>
+              </a:pPr>
+              <a:r>
+                <a:rPr lang="ru-RU" dirty="0" smtClean="0">
+                  <a:solidFill>
+                    <a:schemeClr val="bg1"/>
+                  </a:solidFill>
+                </a:rPr>
+                <a:t>Знакомство с </a:t>
+              </a:r>
+              <a:r>
+                <a:rPr lang="en-US" dirty="0" smtClean="0">
+                  <a:solidFill>
+                    <a:schemeClr val="bg1"/>
+                  </a:solidFill>
+                </a:rPr>
+                <a:t>Selenium</a:t>
+              </a:r>
+              <a:r>
+                <a:rPr lang="ru-RU" dirty="0" smtClean="0">
+                  <a:solidFill>
+                    <a:schemeClr val="bg1"/>
+                  </a:solidFill>
+                </a:rPr>
+                <a:t> </a:t>
+              </a:r>
+              <a:r>
+                <a:rPr lang="en-US" dirty="0" smtClean="0">
+                  <a:solidFill>
+                    <a:schemeClr val="bg1"/>
+                  </a:solidFill>
+                </a:rPr>
+                <a:t>IDE</a:t>
+              </a:r>
+            </a:p>
+          </p:txBody>
+        </p:sp>
+      </p:grpSp>
+      <p:sp>
+        <p:nvSpPr>
+          <p:cNvPr id="11" name="Text Placeholder 4"/>
+          <p:cNvSpPr txBox="1">
+            <a:spLocks/>
+          </p:cNvSpPr>
+          <p:nvPr/>
+        </p:nvSpPr>
+        <p:spPr>
+          <a:xfrm>
+            <a:off x="524968" y="4117061"/>
+            <a:ext cx="8669831" cy="862105"/>
+          </a:xfrm>
+          <a:prstGeom prst="rect">
+            <a:avLst/>
+          </a:prstGeom>
+        </p:spPr>
+        <p:txBody>
+          <a:bodyPr/>
+          <a:lstStyle>
+            <a:lvl1pPr marL="342783" indent="-342783" algn="l" defTabSz="914088" rtl="0" eaLnBrk="1" latinLnBrk="0" hangingPunct="1">
+              <a:spcBef>
+                <a:spcPts val="1400"/>
+              </a:spcBef>
+              <a:buFont typeface="Arial" pitchFamily="34" charset="0"/>
+              <a:buChar char="•"/>
+              <a:defRPr sz="3200" b="0" kern="0" baseline="0">
+                <a:solidFill>
+                  <a:schemeClr val="tx1"/>
+                </a:solidFill>
+                <a:latin typeface="Segoe UI Light" panose="020B0502040204020203" pitchFamily="34" charset="0"/>
+                <a:ea typeface="Segoe UI Light" panose="020B0502040204020203" pitchFamily="34" charset="0"/>
+                <a:cs typeface="Segoe UI Light" panose="020B0502040204020203" pitchFamily="34" charset="0"/>
+              </a:defRPr>
+            </a:lvl1pPr>
+            <a:lvl2pPr marL="742698" indent="-285652" algn="l" defTabSz="914088" rtl="0" eaLnBrk="1" latinLnBrk="0" hangingPunct="1">
+              <a:spcBef>
+                <a:spcPts val="300"/>
+              </a:spcBef>
+              <a:spcAft>
+                <a:spcPts val="300"/>
+              </a:spcAft>
+              <a:buFont typeface="Arial" pitchFamily="34" charset="0"/>
+              <a:buChar char="–"/>
+              <a:defRPr sz="2800" kern="0" baseline="0">
+                <a:solidFill>
+                  <a:schemeClr val="tx1">
+                    <a:lumMod val="75000"/>
+                    <a:lumOff val="25000"/>
+                  </a:schemeClr>
+                </a:solidFill>
+                <a:latin typeface="Segoe UI Light" panose="020B0502040204020203" pitchFamily="34" charset="0"/>
+                <a:ea typeface="Segoe UI Light" panose="020B0502040204020203" pitchFamily="34" charset="0"/>
+                <a:cs typeface="Segoe UI Light" panose="020B0502040204020203" pitchFamily="34" charset="0"/>
+              </a:defRPr>
+            </a:lvl2pPr>
+            <a:lvl3pPr marL="1142612" indent="-228522" algn="l" defTabSz="914088" rtl="0" eaLnBrk="1" latinLnBrk="0" hangingPunct="1">
+              <a:spcBef>
+                <a:spcPts val="200"/>
+              </a:spcBef>
+              <a:spcAft>
+                <a:spcPts val="200"/>
+              </a:spcAft>
+              <a:buFont typeface="Arial" pitchFamily="34" charset="0"/>
+              <a:buChar char="•"/>
+              <a:defRPr sz="2400" kern="0" baseline="0">
+                <a:solidFill>
+                  <a:schemeClr val="tx1"/>
+                </a:solidFill>
+                <a:latin typeface="Segoe UI Light" panose="020B0502040204020203" pitchFamily="34" charset="0"/>
+                <a:ea typeface="Segoe UI Light" panose="020B0502040204020203" pitchFamily="34" charset="0"/>
+                <a:cs typeface="Segoe UI Light" panose="020B0502040204020203" pitchFamily="34" charset="0"/>
+              </a:defRPr>
+            </a:lvl3pPr>
+            <a:lvl4pPr marL="1599657" indent="-228522" algn="l" defTabSz="914088" rtl="0" eaLnBrk="1" latinLnBrk="0" hangingPunct="1">
+              <a:spcBef>
+                <a:spcPct val="20000"/>
+              </a:spcBef>
+              <a:buFont typeface="Arial" pitchFamily="34" charset="0"/>
+              <a:buChar char="–"/>
+              <a:defRPr sz="2000" kern="0" baseline="0">
+                <a:solidFill>
+                  <a:schemeClr val="tx1"/>
+                </a:solidFill>
+                <a:latin typeface="Segoe UI Light" panose="020B0502040204020203" pitchFamily="34" charset="0"/>
+                <a:ea typeface="Segoe UI Light" panose="020B0502040204020203" pitchFamily="34" charset="0"/>
+                <a:cs typeface="Segoe UI Light" panose="020B0502040204020203" pitchFamily="34" charset="0"/>
+              </a:defRPr>
+            </a:lvl4pPr>
+            <a:lvl5pPr marL="2056700" indent="-228522" algn="l" defTabSz="914088" rtl="0" eaLnBrk="1" latinLnBrk="0" hangingPunct="1">
+              <a:spcBef>
+                <a:spcPct val="20000"/>
+              </a:spcBef>
+              <a:buFont typeface="Arial" pitchFamily="34" charset="0"/>
+              <a:buChar char="»"/>
+              <a:defRPr sz="2000" kern="0" baseline="0">
+                <a:solidFill>
+                  <a:schemeClr val="tx1"/>
+                </a:solidFill>
+                <a:latin typeface="Segoe UI Light" panose="020B0502040204020203" pitchFamily="34" charset="0"/>
+                <a:ea typeface="Segoe UI Light" panose="020B0502040204020203" pitchFamily="34" charset="0"/>
+                <a:cs typeface="Segoe UI Light" panose="020B0502040204020203" pitchFamily="34" charset="0"/>
+              </a:defRPr>
+            </a:lvl5pPr>
+            <a:lvl6pPr marL="2513745" indent="-228522" algn="l" defTabSz="914088" rtl="0" eaLnBrk="1" latinLnBrk="0" hangingPunct="1">
+              <a:spcBef>
+                <a:spcPct val="20000"/>
+              </a:spcBef>
+              <a:buFont typeface="Arial" pitchFamily="34" charset="0"/>
+              <a:buChar char="•"/>
+              <a:defRPr sz="2000" kern="1200">
+                <a:solidFill>
+                  <a:schemeClr val="tx1"/>
+                </a:solidFill>
+                <a:latin typeface="+mn-lt"/>
+                <a:ea typeface="+mn-ea"/>
+                <a:cs typeface="+mn-cs"/>
+              </a:defRPr>
+            </a:lvl6pPr>
+            <a:lvl7pPr marL="2970789" indent="-228522" algn="l" defTabSz="914088" rtl="0" eaLnBrk="1" latinLnBrk="0" hangingPunct="1">
+              <a:spcBef>
+                <a:spcPct val="20000"/>
+              </a:spcBef>
+              <a:buFont typeface="Arial" pitchFamily="34" charset="0"/>
+              <a:buChar char="•"/>
+              <a:defRPr sz="2000" kern="1200">
+                <a:solidFill>
+                  <a:schemeClr val="tx1"/>
+                </a:solidFill>
+                <a:latin typeface="+mn-lt"/>
+                <a:ea typeface="+mn-ea"/>
+                <a:cs typeface="+mn-cs"/>
+              </a:defRPr>
+            </a:lvl7pPr>
+            <a:lvl8pPr marL="3427833" indent="-228522" algn="l" defTabSz="914088" rtl="0" eaLnBrk="1" latinLnBrk="0" hangingPunct="1">
+              <a:spcBef>
+                <a:spcPct val="20000"/>
+              </a:spcBef>
+              <a:buFont typeface="Arial" pitchFamily="34" charset="0"/>
+              <a:buChar char="•"/>
+              <a:defRPr sz="2000" kern="1200">
+                <a:solidFill>
+                  <a:schemeClr val="tx1"/>
+                </a:solidFill>
+                <a:latin typeface="+mn-lt"/>
+                <a:ea typeface="+mn-ea"/>
+                <a:cs typeface="+mn-cs"/>
+              </a:defRPr>
+            </a:lvl8pPr>
+            <a:lvl9pPr marL="3884878" indent="-228522" algn="l" defTabSz="914088" rtl="0" eaLnBrk="1" latinLnBrk="0" hangingPunct="1">
+              <a:spcBef>
+                <a:spcPct val="20000"/>
+              </a:spcBef>
+              <a:buFont typeface="Arial" pitchFamily="34" charset="0"/>
+              <a:buChar char="•"/>
+              <a:defRPr sz="2000" kern="1200">
+                <a:solidFill>
+                  <a:schemeClr val="tx1"/>
+                </a:solidFill>
+                <a:latin typeface="+mn-lt"/>
+                <a:ea typeface="+mn-ea"/>
+                <a:cs typeface="+mn-cs"/>
+              </a:defRPr>
+            </a:lvl9pPr>
+          </a:lstStyle>
+          <a:p>
+            <a:pPr marL="0" indent="0">
+              <a:buNone/>
+            </a:pPr>
+            <a:r>
+              <a:rPr lang="en-US" dirty="0" smtClean="0">
+                <a:solidFill>
+                  <a:schemeClr val="bg1"/>
+                </a:solidFill>
+              </a:rPr>
+              <a:t>Selenium</a:t>
+            </a:r>
+            <a:r>
+              <a:rPr lang="ru-RU" dirty="0" smtClean="0">
+                <a:solidFill>
+                  <a:schemeClr val="bg1"/>
+                </a:solidFill>
+              </a:rPr>
+              <a:t> </a:t>
+            </a:r>
+            <a:r>
+              <a:rPr lang="en-US" dirty="0" smtClean="0">
+                <a:solidFill>
+                  <a:schemeClr val="bg1"/>
+                </a:solidFill>
+              </a:rPr>
+              <a:t>IDE</a:t>
+            </a:r>
+            <a:endParaRPr lang="en-US" dirty="0">
+              <a:solidFill>
+                <a:schemeClr val="bg1"/>
+              </a:solidFill>
+            </a:endParaRPr>
+          </a:p>
+        </p:txBody>
+      </p:sp>
+      <p:sp>
+        <p:nvSpPr>
+          <p:cNvPr id="7" name="Text Placeholder 4"/>
+          <p:cNvSpPr txBox="1">
+            <a:spLocks/>
+          </p:cNvSpPr>
+          <p:nvPr/>
+        </p:nvSpPr>
+        <p:spPr>
+          <a:xfrm>
+            <a:off x="763508" y="1338399"/>
+            <a:ext cx="8215796" cy="1485524"/>
+          </a:xfrm>
+          <a:prstGeom prst="rect">
+            <a:avLst/>
+          </a:prstGeom>
+        </p:spPr>
+        <p:txBody>
+          <a:bodyPr/>
+          <a:lstStyle>
+            <a:lvl1pPr marL="342783" indent="-342783" algn="l" defTabSz="914088" rtl="0" eaLnBrk="1" latinLnBrk="0" hangingPunct="1">
+              <a:spcBef>
+                <a:spcPts val="1400"/>
+              </a:spcBef>
+              <a:buFont typeface="Arial" pitchFamily="34" charset="0"/>
+              <a:buChar char="•"/>
+              <a:defRPr sz="3200" b="0" kern="0" baseline="0">
+                <a:solidFill>
+                  <a:schemeClr val="tx1"/>
+                </a:solidFill>
+                <a:latin typeface="Segoe UI Light" panose="020B0502040204020203" pitchFamily="34" charset="0"/>
+                <a:ea typeface="Segoe UI Light" panose="020B0502040204020203" pitchFamily="34" charset="0"/>
+                <a:cs typeface="Segoe UI Light" panose="020B0502040204020203" pitchFamily="34" charset="0"/>
+              </a:defRPr>
+            </a:lvl1pPr>
+            <a:lvl2pPr marL="742698" indent="-285652" algn="l" defTabSz="914088" rtl="0" eaLnBrk="1" latinLnBrk="0" hangingPunct="1">
+              <a:spcBef>
+                <a:spcPts val="300"/>
+              </a:spcBef>
+              <a:spcAft>
+                <a:spcPts val="300"/>
+              </a:spcAft>
+              <a:buFont typeface="Arial" pitchFamily="34" charset="0"/>
+              <a:buChar char="–"/>
+              <a:defRPr sz="2800" kern="0" baseline="0">
+                <a:solidFill>
+                  <a:schemeClr val="tx1">
+                    <a:lumMod val="75000"/>
+                    <a:lumOff val="25000"/>
+                  </a:schemeClr>
+                </a:solidFill>
+                <a:latin typeface="Segoe UI Light" panose="020B0502040204020203" pitchFamily="34" charset="0"/>
+                <a:ea typeface="Segoe UI Light" panose="020B0502040204020203" pitchFamily="34" charset="0"/>
+                <a:cs typeface="Segoe UI Light" panose="020B0502040204020203" pitchFamily="34" charset="0"/>
+              </a:defRPr>
+            </a:lvl2pPr>
+            <a:lvl3pPr marL="1142612" indent="-228522" algn="l" defTabSz="914088" rtl="0" eaLnBrk="1" latinLnBrk="0" hangingPunct="1">
+              <a:spcBef>
+                <a:spcPts val="200"/>
+              </a:spcBef>
+              <a:spcAft>
+                <a:spcPts val="200"/>
+              </a:spcAft>
+              <a:buFont typeface="Arial" pitchFamily="34" charset="0"/>
+              <a:buChar char="•"/>
+              <a:defRPr sz="2400" kern="0" baseline="0">
+                <a:solidFill>
+                  <a:schemeClr val="tx1"/>
+                </a:solidFill>
+                <a:latin typeface="Segoe UI Light" panose="020B0502040204020203" pitchFamily="34" charset="0"/>
+                <a:ea typeface="Segoe UI Light" panose="020B0502040204020203" pitchFamily="34" charset="0"/>
+                <a:cs typeface="Segoe UI Light" panose="020B0502040204020203" pitchFamily="34" charset="0"/>
+              </a:defRPr>
+            </a:lvl3pPr>
+            <a:lvl4pPr marL="1599657" indent="-228522" algn="l" defTabSz="914088" rtl="0" eaLnBrk="1" latinLnBrk="0" hangingPunct="1">
+              <a:spcBef>
+                <a:spcPct val="20000"/>
+              </a:spcBef>
+              <a:buFont typeface="Arial" pitchFamily="34" charset="0"/>
+              <a:buChar char="–"/>
+              <a:defRPr sz="2000" kern="0" baseline="0">
+                <a:solidFill>
+                  <a:schemeClr val="tx1"/>
+                </a:solidFill>
+                <a:latin typeface="Segoe UI Light" panose="020B0502040204020203" pitchFamily="34" charset="0"/>
+                <a:ea typeface="Segoe UI Light" panose="020B0502040204020203" pitchFamily="34" charset="0"/>
+                <a:cs typeface="Segoe UI Light" panose="020B0502040204020203" pitchFamily="34" charset="0"/>
+              </a:defRPr>
+            </a:lvl4pPr>
+            <a:lvl5pPr marL="2056700" indent="-228522" algn="l" defTabSz="914088" rtl="0" eaLnBrk="1" latinLnBrk="0" hangingPunct="1">
+              <a:spcBef>
+                <a:spcPct val="20000"/>
+              </a:spcBef>
+              <a:buFont typeface="Arial" pitchFamily="34" charset="0"/>
+              <a:buChar char="»"/>
+              <a:defRPr sz="2000" kern="0" baseline="0">
+                <a:solidFill>
+                  <a:schemeClr val="tx1"/>
+                </a:solidFill>
+                <a:latin typeface="Segoe UI Light" panose="020B0502040204020203" pitchFamily="34" charset="0"/>
+                <a:ea typeface="Segoe UI Light" panose="020B0502040204020203" pitchFamily="34" charset="0"/>
+                <a:cs typeface="Segoe UI Light" panose="020B0502040204020203" pitchFamily="34" charset="0"/>
+              </a:defRPr>
+            </a:lvl5pPr>
+            <a:lvl6pPr marL="2513745" indent="-228522" algn="l" defTabSz="914088" rtl="0" eaLnBrk="1" latinLnBrk="0" hangingPunct="1">
+              <a:spcBef>
+                <a:spcPct val="20000"/>
+              </a:spcBef>
+              <a:buFont typeface="Arial" pitchFamily="34" charset="0"/>
+              <a:buChar char="•"/>
+              <a:defRPr sz="2000" kern="1200">
+                <a:solidFill>
+                  <a:schemeClr val="tx1"/>
+                </a:solidFill>
+                <a:latin typeface="+mn-lt"/>
+                <a:ea typeface="+mn-ea"/>
+                <a:cs typeface="+mn-cs"/>
+              </a:defRPr>
+            </a:lvl6pPr>
+            <a:lvl7pPr marL="2970789" indent="-228522" algn="l" defTabSz="914088" rtl="0" eaLnBrk="1" latinLnBrk="0" hangingPunct="1">
+              <a:spcBef>
+                <a:spcPct val="20000"/>
+              </a:spcBef>
+              <a:buFont typeface="Arial" pitchFamily="34" charset="0"/>
+              <a:buChar char="•"/>
+              <a:defRPr sz="2000" kern="1200">
+                <a:solidFill>
+                  <a:schemeClr val="tx1"/>
+                </a:solidFill>
+                <a:latin typeface="+mn-lt"/>
+                <a:ea typeface="+mn-ea"/>
+                <a:cs typeface="+mn-cs"/>
+              </a:defRPr>
+            </a:lvl7pPr>
+            <a:lvl8pPr marL="3427833" indent="-228522" algn="l" defTabSz="914088" rtl="0" eaLnBrk="1" latinLnBrk="0" hangingPunct="1">
+              <a:spcBef>
+                <a:spcPct val="20000"/>
+              </a:spcBef>
+              <a:buFont typeface="Arial" pitchFamily="34" charset="0"/>
+              <a:buChar char="•"/>
+              <a:defRPr sz="2000" kern="1200">
+                <a:solidFill>
+                  <a:schemeClr val="tx1"/>
+                </a:solidFill>
+                <a:latin typeface="+mn-lt"/>
+                <a:ea typeface="+mn-ea"/>
+                <a:cs typeface="+mn-cs"/>
+              </a:defRPr>
+            </a:lvl8pPr>
+            <a:lvl9pPr marL="3884878" indent="-228522" algn="l" defTabSz="914088" rtl="0" eaLnBrk="1" latinLnBrk="0" hangingPunct="1">
+              <a:spcBef>
+                <a:spcPct val="20000"/>
+              </a:spcBef>
+              <a:buFont typeface="Arial" pitchFamily="34" charset="0"/>
+              <a:buChar char="•"/>
+              <a:defRPr sz="2000" kern="1200">
+                <a:solidFill>
+                  <a:schemeClr val="tx1"/>
+                </a:solidFill>
+                <a:latin typeface="+mn-lt"/>
+                <a:ea typeface="+mn-ea"/>
+                <a:cs typeface="+mn-cs"/>
+              </a:defRPr>
+            </a:lvl9pPr>
+          </a:lstStyle>
+          <a:p>
+            <a:endParaRPr lang="en-US" dirty="0"/>
+          </a:p>
+        </p:txBody>
+      </p:sp>
+    </p:spTree>
+    <p:extLst>
+      <p:ext uri="{BB962C8B-B14F-4D97-AF65-F5344CB8AC3E}">
+        <p14:creationId xmlns:p14="http://schemas.microsoft.com/office/powerpoint/2010/main" val="1277773554"/>
+      </p:ext>
+    </p:extLst>
+  </p:cSld>
+  <p:clrMapOvr>
+    <a:masterClrMapping/>
+  </p:clrMapOvr>
+  <p:timing>
+    <p:tnLst>
+      <p:par>
+        <p:cTn id="1" dur="indefinite" restart="never" nodeType="tmRoot"/>
+      </p:par>
+    </p:tnLst>
+  </p:timing>
+</p:sld>
+</file>
+
+<file path=ppt/slides/slide14.xml><?xml version="1.0" encoding="utf-8"?>
+<p:sld xmlns:a="http://schemas.openxmlformats.org/drawingml/2006/main" xmlns:r="http://schemas.openxmlformats.org/officeDocument/2006/relationships" xmlns:p="http://schemas.openxmlformats.org/presentationml/2006/main">
+  <p:cSld>
+    <p:spTree>
+      <p:nvGrpSpPr>
+        <p:cNvPr id="1" name=""/>
+        <p:cNvGrpSpPr/>
+        <p:nvPr/>
+      </p:nvGrpSpPr>
+      <p:grpSpPr>
+        <a:xfrm>
+          <a:off x="0" y="0"/>
+          <a:ext cx="0" cy="0"/>
+          <a:chOff x="0" y="0"/>
+          <a:chExt cx="0" cy="0"/>
+        </a:xfrm>
+      </p:grpSpPr>
+      <p:sp>
+        <p:nvSpPr>
+          <p:cNvPr id="2" name="Заголовок 1"/>
+          <p:cNvSpPr>
+            <a:spLocks noGrp="1"/>
+          </p:cNvSpPr>
+          <p:nvPr>
+            <p:ph type="title"/>
+          </p:nvPr>
+        </p:nvSpPr>
+        <p:spPr/>
+        <p:txBody>
+          <a:bodyPr/>
+          <a:lstStyle/>
+          <a:p>
+            <a:r>
+              <a:rPr lang="ru-RU" dirty="0"/>
+              <a:t>Установка </a:t>
+            </a:r>
+            <a:r>
+              <a:rPr lang="en-US" dirty="0"/>
+              <a:t>IDE</a:t>
+            </a:r>
+            <a:endParaRPr lang="ru-RU" dirty="0"/>
+          </a:p>
+        </p:txBody>
+      </p:sp>
+      <p:sp>
+        <p:nvSpPr>
+          <p:cNvPr id="3" name="Объект 2"/>
+          <p:cNvSpPr>
+            <a:spLocks noGrp="1"/>
+          </p:cNvSpPr>
+          <p:nvPr>
+            <p:ph sz="quarter" idx="10"/>
+          </p:nvPr>
+        </p:nvSpPr>
+        <p:spPr/>
+        <p:txBody>
+          <a:bodyPr/>
+          <a:lstStyle/>
+          <a:p>
+            <a:r>
+              <a:rPr lang="ru-RU" dirty="0"/>
+              <a:t>Запустите </a:t>
+            </a:r>
+            <a:r>
+              <a:rPr lang="en-US" dirty="0"/>
+              <a:t>Firefox </a:t>
+            </a:r>
+            <a:r>
+              <a:rPr lang="ru-RU" dirty="0"/>
+              <a:t>и скачайте </a:t>
+            </a:r>
+            <a:r>
+              <a:rPr lang="en-US" dirty="0"/>
+              <a:t>IDE </a:t>
+            </a:r>
+            <a:r>
+              <a:rPr lang="ru-RU" dirty="0"/>
+              <a:t>с веб-сайта </a:t>
+            </a:r>
+            <a:r>
+              <a:rPr lang="en-US" dirty="0" err="1" smtClean="0"/>
+              <a:t>SeleniumHQ</a:t>
+            </a:r>
+            <a:endParaRPr lang="en-US" dirty="0" smtClean="0"/>
+          </a:p>
+          <a:p>
+            <a:r>
+              <a:rPr lang="en-US" dirty="0">
+                <a:hlinkClick r:id="rId2"/>
+              </a:rPr>
+              <a:t>https://addons.mozilla.org/en-Us/firefox/addon/selenium-ide</a:t>
+            </a:r>
+            <a:r>
+              <a:rPr lang="en-US" dirty="0" smtClean="0">
+                <a:hlinkClick r:id="rId2"/>
+              </a:rPr>
+              <a:t>/</a:t>
+            </a:r>
+            <a:r>
+              <a:rPr lang="en-US" dirty="0" smtClean="0"/>
+              <a:t> </a:t>
+            </a:r>
+          </a:p>
+          <a:p>
+            <a:endParaRPr lang="ru-RU" dirty="0"/>
+          </a:p>
+        </p:txBody>
+      </p:sp>
+      <p:pic>
+        <p:nvPicPr>
+          <p:cNvPr id="4" name="Рисунок 3" descr="Вырезка экрана"/>
+          <p:cNvPicPr>
+            <a:picLocks noChangeAspect="1"/>
+          </p:cNvPicPr>
+          <p:nvPr/>
+        </p:nvPicPr>
+        <p:blipFill>
+          <a:blip r:embed="rId3">
+            <a:extLst>
+              <a:ext uri="{28A0092B-C50C-407E-A947-70E740481C1C}">
+                <a14:useLocalDpi xmlns:a14="http://schemas.microsoft.com/office/drawing/2010/main" val="0"/>
+              </a:ext>
+            </a:extLst>
+          </a:blip>
+          <a:stretch>
+            <a:fillRect/>
+          </a:stretch>
+        </p:blipFill>
+        <p:spPr>
+          <a:xfrm>
+            <a:off x="2803660" y="2725093"/>
+            <a:ext cx="5953974" cy="3671796"/>
+          </a:xfrm>
+          <a:prstGeom prst="rect">
+            <a:avLst/>
+          </a:prstGeom>
+        </p:spPr>
+      </p:pic>
+    </p:spTree>
+    <p:extLst>
+      <p:ext uri="{BB962C8B-B14F-4D97-AF65-F5344CB8AC3E}">
+        <p14:creationId xmlns:p14="http://schemas.microsoft.com/office/powerpoint/2010/main" val="79018605"/>
+      </p:ext>
+    </p:extLst>
+  </p:cSld>
+  <p:clrMapOvr>
+    <a:masterClrMapping/>
+  </p:clrMapOvr>
+  <p:timing>
+    <p:tnLst>
+      <p:par>
+        <p:cTn id="1" dur="indefinite" restart="never" nodeType="tmRoot"/>
+      </p:par>
+    </p:tnLst>
+  </p:timing>
+</p:sld>
+</file>
+
+<file path=ppt/slides/slide15.xml><?xml version="1.0" encoding="utf-8"?>
+<p:sld xmlns:a="http://schemas.openxmlformats.org/drawingml/2006/main" xmlns:r="http://schemas.openxmlformats.org/officeDocument/2006/relationships" xmlns:p="http://schemas.openxmlformats.org/presentationml/2006/main">
+  <p:cSld>
+    <p:spTree>
+      <p:nvGrpSpPr>
+        <p:cNvPr id="1" name=""/>
+        <p:cNvGrpSpPr/>
+        <p:nvPr/>
+      </p:nvGrpSpPr>
+      <p:grpSpPr>
+        <a:xfrm>
+          <a:off x="0" y="0"/>
+          <a:ext cx="0" cy="0"/>
+          <a:chOff x="0" y="0"/>
+          <a:chExt cx="0" cy="0"/>
+        </a:xfrm>
+      </p:grpSpPr>
+      <p:sp>
+        <p:nvSpPr>
+          <p:cNvPr id="2" name="Заголовок 1"/>
+          <p:cNvSpPr>
+            <a:spLocks noGrp="1"/>
+          </p:cNvSpPr>
+          <p:nvPr>
+            <p:ph type="title"/>
+          </p:nvPr>
+        </p:nvSpPr>
+        <p:spPr/>
+        <p:txBody>
+          <a:bodyPr/>
+          <a:lstStyle/>
+          <a:p>
+            <a:r>
+              <a:rPr lang="ru-RU" dirty="0"/>
+              <a:t>Запуск </a:t>
+            </a:r>
+            <a:r>
+              <a:rPr lang="en-US" dirty="0"/>
+              <a:t>IDE</a:t>
+            </a:r>
+            <a:endParaRPr lang="ru-RU" dirty="0"/>
+          </a:p>
+        </p:txBody>
+      </p:sp>
+      <p:sp>
+        <p:nvSpPr>
+          <p:cNvPr id="3" name="Объект 2"/>
+          <p:cNvSpPr>
+            <a:spLocks noGrp="1"/>
+          </p:cNvSpPr>
+          <p:nvPr>
+            <p:ph sz="quarter" idx="10"/>
+          </p:nvPr>
+        </p:nvSpPr>
+        <p:spPr>
+          <a:xfrm>
+            <a:off x="378696" y="969126"/>
+            <a:ext cx="11525250" cy="5290388"/>
+          </a:xfrm>
+        </p:spPr>
+        <p:txBody>
+          <a:bodyPr/>
+          <a:lstStyle/>
+          <a:p>
+            <a:pPr marL="0" indent="0">
+              <a:buNone/>
+            </a:pPr>
+            <a:r>
+              <a:rPr lang="ru-RU" dirty="0"/>
+              <a:t>Чтобы запустить </a:t>
+            </a:r>
+            <a:r>
+              <a:rPr lang="ru-RU" dirty="0" err="1"/>
+              <a:t>Selenium</a:t>
+            </a:r>
+            <a:r>
+              <a:rPr lang="ru-RU" dirty="0"/>
+              <a:t> IDE, просто выберите его из меню “Веб-разработка” браузера </a:t>
+            </a:r>
+            <a:r>
+              <a:rPr lang="ru-RU" dirty="0" err="1"/>
+              <a:t>Firefox</a:t>
+            </a:r>
+            <a:r>
+              <a:rPr lang="ru-RU" dirty="0"/>
+              <a:t>.</a:t>
+            </a:r>
+          </a:p>
+        </p:txBody>
+      </p:sp>
+      <p:pic>
+        <p:nvPicPr>
+          <p:cNvPr id="5" name="Рисунок 4" descr="Untitled (untitled suite) - Selenium IDE 2.9.1 *"/>
+          <p:cNvPicPr>
+            <a:picLocks noChangeAspect="1"/>
+          </p:cNvPicPr>
+          <p:nvPr/>
+        </p:nvPicPr>
+        <p:blipFill>
+          <a:blip r:embed="rId2">
+            <a:extLst>
+              <a:ext uri="{28A0092B-C50C-407E-A947-70E740481C1C}">
+                <a14:useLocalDpi xmlns:a14="http://schemas.microsoft.com/office/drawing/2010/main" val="0"/>
+              </a:ext>
+            </a:extLst>
+          </a:blip>
+          <a:stretch>
+            <a:fillRect/>
+          </a:stretch>
+        </p:blipFill>
+        <p:spPr>
+          <a:xfrm>
+            <a:off x="3176089" y="2120515"/>
+            <a:ext cx="5409111" cy="4737485"/>
+          </a:xfrm>
+          <a:prstGeom prst="rect">
+            <a:avLst/>
+          </a:prstGeom>
+        </p:spPr>
+      </p:pic>
+    </p:spTree>
+    <p:extLst>
+      <p:ext uri="{BB962C8B-B14F-4D97-AF65-F5344CB8AC3E}">
+        <p14:creationId xmlns:p14="http://schemas.microsoft.com/office/powerpoint/2010/main" val="1651894934"/>
+      </p:ext>
+    </p:extLst>
+  </p:cSld>
+  <p:clrMapOvr>
+    <a:masterClrMapping/>
+  </p:clrMapOvr>
+  <p:timing>
+    <p:tnLst>
+      <p:par>
+        <p:cTn id="1" dur="indefinite" restart="never" nodeType="tmRoot"/>
+      </p:par>
+    </p:tnLst>
+  </p:timing>
+</p:sld>
+</file>
+
+<file path=ppt/slides/slide16.xml><?xml version="1.0" encoding="utf-8"?>
+<p:sld xmlns:a="http://schemas.openxmlformats.org/drawingml/2006/main" xmlns:r="http://schemas.openxmlformats.org/officeDocument/2006/relationships" xmlns:p="http://schemas.openxmlformats.org/presentationml/2006/main">
+  <p:cSld>
+    <p:spTree>
+      <p:nvGrpSpPr>
+        <p:cNvPr id="1" name=""/>
+        <p:cNvGrpSpPr/>
+        <p:nvPr/>
+      </p:nvGrpSpPr>
+      <p:grpSpPr>
+        <a:xfrm>
+          <a:off x="0" y="0"/>
+          <a:ext cx="0" cy="0"/>
+          <a:chOff x="0" y="0"/>
+          <a:chExt cx="0" cy="0"/>
+        </a:xfrm>
+      </p:grpSpPr>
+      <p:pic>
+        <p:nvPicPr>
+          <p:cNvPr id="5" name="Рисунок 4" descr="Selenium IDE 2.9.1"/>
+          <p:cNvPicPr>
+            <a:picLocks noChangeAspect="1"/>
+          </p:cNvPicPr>
+          <p:nvPr/>
+        </p:nvPicPr>
+        <p:blipFill>
+          <a:blip r:embed="rId2">
+            <a:extLst>
+              <a:ext uri="{28A0092B-C50C-407E-A947-70E740481C1C}">
+                <a14:useLocalDpi xmlns:a14="http://schemas.microsoft.com/office/drawing/2010/main" val="0"/>
+              </a:ext>
+            </a:extLst>
+          </a:blip>
+          <a:stretch>
+            <a:fillRect/>
+          </a:stretch>
+        </p:blipFill>
+        <p:spPr>
+          <a:xfrm>
+            <a:off x="2936809" y="1171254"/>
+            <a:ext cx="5392444" cy="5094605"/>
+          </a:xfrm>
+          <a:prstGeom prst="rect">
+            <a:avLst/>
+          </a:prstGeom>
+        </p:spPr>
+      </p:pic>
+      <p:sp>
+        <p:nvSpPr>
+          <p:cNvPr id="11266" name="Title 1"/>
+          <p:cNvSpPr>
+            <a:spLocks noGrp="1"/>
+          </p:cNvSpPr>
+          <p:nvPr>
+            <p:ph type="title"/>
+          </p:nvPr>
+        </p:nvSpPr>
+        <p:spPr>
+          <a:xfrm>
+            <a:off x="1981200" y="274638"/>
+            <a:ext cx="8229600" cy="487362"/>
+          </a:xfrm>
+        </p:spPr>
+        <p:txBody>
+          <a:bodyPr>
+            <a:normAutofit fontScale="90000"/>
+          </a:bodyPr>
+          <a:lstStyle/>
+          <a:p>
+            <a:pPr eaLnBrk="1" hangingPunct="1">
+              <a:defRPr/>
+            </a:pPr>
+            <a:r>
+              <a:rPr lang="ru-RU" sz="4000" dirty="0" smtClean="0"/>
+              <a:t>Интерфейс </a:t>
+            </a:r>
+            <a:r>
+              <a:rPr lang="en-US" sz="4000" dirty="0" smtClean="0"/>
+              <a:t>Selenium </a:t>
+            </a:r>
+            <a:r>
+              <a:rPr lang="en-US" sz="4000" dirty="0"/>
+              <a:t>IDE</a:t>
+            </a:r>
+          </a:p>
+        </p:txBody>
+      </p:sp>
+      <p:cxnSp>
+        <p:nvCxnSpPr>
+          <p:cNvPr id="18" name="Straight Arrow Connector 17"/>
+          <p:cNvCxnSpPr/>
+          <p:nvPr/>
+        </p:nvCxnSpPr>
+        <p:spPr>
+          <a:xfrm>
+            <a:off x="2609636" y="1376737"/>
+            <a:ext cx="1140431" cy="256854"/>
+          </a:xfrm>
+          <a:prstGeom prst="straightConnector1">
+            <a:avLst/>
+          </a:prstGeom>
+          <a:ln>
+            <a:solidFill>
+              <a:srgbClr val="FF0000"/>
+            </a:solidFill>
+            <a:tailEnd type="arrow"/>
+          </a:ln>
+        </p:spPr>
+        <p:style>
+          <a:lnRef idx="3">
+            <a:schemeClr val="accent3"/>
+          </a:lnRef>
+          <a:fillRef idx="0">
+            <a:schemeClr val="accent3"/>
+          </a:fillRef>
+          <a:effectRef idx="2">
+            <a:schemeClr val="accent3"/>
+          </a:effectRef>
+          <a:fontRef idx="minor">
+            <a:schemeClr val="tx1"/>
+          </a:fontRef>
+        </p:style>
+      </p:cxnSp>
+      <p:cxnSp>
+        <p:nvCxnSpPr>
+          <p:cNvPr id="2" name="Straight Arrow Connector 17"/>
+          <p:cNvCxnSpPr/>
+          <p:nvPr/>
+        </p:nvCxnSpPr>
+        <p:spPr>
+          <a:xfrm flipV="1">
+            <a:off x="2609636" y="5969285"/>
+            <a:ext cx="883577" cy="164387"/>
+          </a:xfrm>
+          <a:prstGeom prst="straightConnector1">
+            <a:avLst/>
+          </a:prstGeom>
+          <a:ln>
+            <a:solidFill>
+              <a:srgbClr val="FF0000"/>
+            </a:solidFill>
+            <a:tailEnd type="arrow"/>
+          </a:ln>
+        </p:spPr>
+        <p:style>
+          <a:lnRef idx="3">
+            <a:schemeClr val="accent3"/>
+          </a:lnRef>
+          <a:fillRef idx="0">
+            <a:schemeClr val="accent3"/>
+          </a:fillRef>
+          <a:effectRef idx="2">
+            <a:schemeClr val="accent3"/>
+          </a:effectRef>
+          <a:fontRef idx="minor">
+            <a:schemeClr val="tx1"/>
+          </a:fontRef>
+        </p:style>
+      </p:cxnSp>
+      <p:cxnSp>
+        <p:nvCxnSpPr>
+          <p:cNvPr id="20" name="Straight Arrow Connector 19"/>
+          <p:cNvCxnSpPr/>
+          <p:nvPr/>
+        </p:nvCxnSpPr>
+        <p:spPr>
+          <a:xfrm flipH="1">
+            <a:off x="7862789" y="2333561"/>
+            <a:ext cx="1035579" cy="728995"/>
+          </a:xfrm>
+          <a:prstGeom prst="straightConnector1">
+            <a:avLst/>
+          </a:prstGeom>
+          <a:ln>
+            <a:solidFill>
+              <a:srgbClr val="FF0000"/>
+            </a:solidFill>
+            <a:tailEnd type="arrow"/>
+          </a:ln>
+        </p:spPr>
+        <p:style>
+          <a:lnRef idx="3">
+            <a:schemeClr val="accent3"/>
+          </a:lnRef>
+          <a:fillRef idx="0">
+            <a:schemeClr val="accent3"/>
+          </a:fillRef>
+          <a:effectRef idx="2">
+            <a:schemeClr val="accent3"/>
+          </a:effectRef>
+          <a:fontRef idx="minor">
+            <a:schemeClr val="tx1"/>
+          </a:fontRef>
+        </p:style>
+      </p:cxnSp>
+      <p:sp>
+        <p:nvSpPr>
+          <p:cNvPr id="3" name="TextBox 2"/>
+          <p:cNvSpPr txBox="1"/>
+          <p:nvPr/>
+        </p:nvSpPr>
+        <p:spPr>
+          <a:xfrm>
+            <a:off x="164387" y="947616"/>
+            <a:ext cx="2350937" cy="1200329"/>
+          </a:xfrm>
+          <a:prstGeom prst="rect">
+            <a:avLst/>
+          </a:prstGeom>
+          <a:noFill/>
+        </p:spPr>
+        <p:txBody>
+          <a:bodyPr wrap="square" rtlCol="0">
+            <a:spAutoFit/>
+          </a:bodyPr>
+          <a:lstStyle/>
+          <a:p>
+            <a:pPr algn="r"/>
+            <a:r>
+              <a:rPr lang="en-US" sz="2400" dirty="0" smtClean="0"/>
+              <a:t>URL </a:t>
+            </a:r>
+            <a:r>
+              <a:rPr lang="ru-RU" sz="2400" dirty="0" smtClean="0"/>
+              <a:t>сайта который тестируется</a:t>
+            </a:r>
+            <a:endParaRPr lang="ru-RU" sz="2400" dirty="0"/>
+          </a:p>
+        </p:txBody>
+      </p:sp>
+      <p:sp>
+        <p:nvSpPr>
+          <p:cNvPr id="4" name="TextBox 3"/>
+          <p:cNvSpPr txBox="1"/>
+          <p:nvPr/>
+        </p:nvSpPr>
+        <p:spPr>
+          <a:xfrm>
+            <a:off x="9013861" y="1538826"/>
+            <a:ext cx="2393878" cy="1200329"/>
+          </a:xfrm>
+          <a:prstGeom prst="rect">
+            <a:avLst/>
+          </a:prstGeom>
+          <a:noFill/>
+        </p:spPr>
+        <p:txBody>
+          <a:bodyPr wrap="square" rtlCol="0">
+            <a:spAutoFit/>
+          </a:bodyPr>
+          <a:lstStyle/>
+          <a:p>
+            <a:r>
+              <a:rPr lang="ru-RU" sz="2400" dirty="0" smtClean="0"/>
+              <a:t>Список действий для текущего </a:t>
+            </a:r>
+            <a:r>
+              <a:rPr lang="en-US" sz="2400" dirty="0" err="1" smtClean="0"/>
+              <a:t>TestCase</a:t>
+            </a:r>
+            <a:endParaRPr lang="ru-RU" sz="2400" dirty="0"/>
+          </a:p>
+        </p:txBody>
+      </p:sp>
+      <p:sp>
+        <p:nvSpPr>
+          <p:cNvPr id="10" name="TextBox 9"/>
+          <p:cNvSpPr txBox="1"/>
+          <p:nvPr/>
+        </p:nvSpPr>
+        <p:spPr>
+          <a:xfrm>
+            <a:off x="88911" y="4170070"/>
+            <a:ext cx="2445249" cy="2308324"/>
+          </a:xfrm>
+          <a:prstGeom prst="rect">
+            <a:avLst/>
+          </a:prstGeom>
+          <a:noFill/>
+        </p:spPr>
+        <p:txBody>
+          <a:bodyPr wrap="square" rtlCol="0">
+            <a:spAutoFit/>
+          </a:bodyPr>
+          <a:lstStyle/>
+          <a:p>
+            <a:pPr algn="r"/>
+            <a:r>
+              <a:rPr lang="ru-RU" sz="2400" dirty="0" smtClean="0"/>
+              <a:t>Отчет о выполненных действиях, включаю ошибки и предупреждения</a:t>
+            </a:r>
+            <a:endParaRPr lang="ru-RU" sz="2400" dirty="0"/>
+          </a:p>
+        </p:txBody>
+      </p:sp>
+      <p:cxnSp>
+        <p:nvCxnSpPr>
+          <p:cNvPr id="19" name="Straight Arrow Connector 17"/>
+          <p:cNvCxnSpPr/>
+          <p:nvPr/>
+        </p:nvCxnSpPr>
+        <p:spPr>
+          <a:xfrm flipV="1">
+            <a:off x="2609636" y="2248328"/>
+            <a:ext cx="791110" cy="308871"/>
+          </a:xfrm>
+          <a:prstGeom prst="straightConnector1">
+            <a:avLst/>
+          </a:prstGeom>
+          <a:ln>
+            <a:solidFill>
+              <a:srgbClr val="FF0000"/>
+            </a:solidFill>
+            <a:tailEnd type="arrow"/>
+          </a:ln>
+        </p:spPr>
+        <p:style>
+          <a:lnRef idx="3">
+            <a:schemeClr val="accent3"/>
+          </a:lnRef>
+          <a:fillRef idx="0">
+            <a:schemeClr val="accent3"/>
+          </a:fillRef>
+          <a:effectRef idx="2">
+            <a:schemeClr val="accent3"/>
+          </a:effectRef>
+          <a:fontRef idx="minor">
+            <a:schemeClr val="tx1"/>
+          </a:fontRef>
+        </p:style>
+      </p:cxnSp>
+      <p:sp>
+        <p:nvSpPr>
+          <p:cNvPr id="15" name="TextBox 14"/>
+          <p:cNvSpPr txBox="1"/>
+          <p:nvPr/>
+        </p:nvSpPr>
+        <p:spPr>
+          <a:xfrm>
+            <a:off x="852755" y="2282559"/>
+            <a:ext cx="1662569" cy="830997"/>
+          </a:xfrm>
+          <a:prstGeom prst="rect">
+            <a:avLst/>
+          </a:prstGeom>
+          <a:noFill/>
+        </p:spPr>
+        <p:txBody>
+          <a:bodyPr wrap="square" rtlCol="0">
+            <a:spAutoFit/>
+          </a:bodyPr>
+          <a:lstStyle/>
+          <a:p>
+            <a:pPr algn="r"/>
+            <a:r>
+              <a:rPr lang="ru-RU" sz="2400" dirty="0" smtClean="0"/>
+              <a:t>Список </a:t>
+            </a:r>
+            <a:r>
+              <a:rPr lang="en-US" sz="2400" dirty="0" err="1" smtClean="0"/>
+              <a:t>TestCase</a:t>
+            </a:r>
+            <a:endParaRPr lang="ru-RU" sz="2400" dirty="0"/>
+          </a:p>
+        </p:txBody>
+      </p:sp>
+      <p:sp>
+        <p:nvSpPr>
+          <p:cNvPr id="16" name="Прямоугольник 15"/>
+          <p:cNvSpPr/>
+          <p:nvPr/>
+        </p:nvSpPr>
+        <p:spPr>
+          <a:xfrm>
+            <a:off x="9143418" y="3083961"/>
+            <a:ext cx="3048582" cy="2031325"/>
+          </a:xfrm>
+          <a:prstGeom prst="rect">
+            <a:avLst/>
+          </a:prstGeom>
+        </p:spPr>
+        <p:txBody>
+          <a:bodyPr wrap="square">
+            <a:spAutoFit/>
+          </a:bodyPr>
+          <a:lstStyle/>
+          <a:p>
+            <a:r>
+              <a:rPr lang="en-US" dirty="0" err="1"/>
+              <a:t>TestCase</a:t>
+            </a:r>
+            <a:r>
+              <a:rPr lang="ru-RU" dirty="0" smtClean="0"/>
+              <a:t> </a:t>
+            </a:r>
+            <a:r>
+              <a:rPr lang="ru-RU" dirty="0"/>
+              <a:t>— это </a:t>
+            </a:r>
+            <a:r>
+              <a:rPr lang="ru-RU" dirty="0" smtClean="0"/>
+              <a:t>последовательность </a:t>
+            </a:r>
+            <a:r>
+              <a:rPr lang="ru-RU" dirty="0"/>
+              <a:t>действий направленная на проверку какого-либо функционала, описывающая как </a:t>
+            </a:r>
+            <a:r>
+              <a:rPr lang="ru-RU" dirty="0" smtClean="0"/>
+              <a:t>прийти </a:t>
+            </a:r>
+            <a:r>
+              <a:rPr lang="ru-RU" dirty="0"/>
+              <a:t>к фактическому результату.</a:t>
+            </a:r>
+          </a:p>
+        </p:txBody>
+      </p:sp>
+    </p:spTree>
+    <p:extLst>
+      <p:ext uri="{BB962C8B-B14F-4D97-AF65-F5344CB8AC3E}">
+        <p14:creationId xmlns:p14="http://schemas.microsoft.com/office/powerpoint/2010/main" val="2783155797"/>
+      </p:ext>
+    </p:extLst>
+  </p:cSld>
+  <p:clrMapOvr>
+    <a:masterClrMapping/>
+  </p:clrMapOvr>
+  <p:timing>
+    <p:tnLst>
+      <p:par>
+        <p:cTn id="1" dur="indefinite" restart="never" nodeType="tmRoot">
+          <p:childTnLst>
+            <p:seq concurrent="1" nextAc="seek">
+              <p:cTn id="2" dur="indefinite" nodeType="mainSeq">
+                <p:childTnLst>
+                  <p:par>
+                    <p:cTn id="3" fill="hold">
+                      <p:stCondLst>
+                        <p:cond delay="indefinite"/>
+                      </p:stCondLst>
+                      <p:childTnLst>
+                        <p:par>
+                          <p:cTn id="4" fill="hold">
+                            <p:stCondLst>
+                              <p:cond delay="0"/>
+                            </p:stCondLst>
+                            <p:childTnLst>
+                              <p:par>
+                                <p:cTn id="5" presetID="1" presetClass="entr" presetSubtype="0" fill="hold" grpId="0" nodeType="clickEffect">
+                                  <p:stCondLst>
+                                    <p:cond delay="0"/>
+                                  </p:stCondLst>
+                                  <p:childTnLst>
+                                    <p:set>
+                                      <p:cBhvr>
+                                        <p:cTn id="6" dur="1" fill="hold">
+                                          <p:stCondLst>
+                                            <p:cond delay="0"/>
+                                          </p:stCondLst>
+                                        </p:cTn>
+                                        <p:tgtEl>
+                                          <p:spTgt spid="3"/>
+                                        </p:tgtEl>
+                                        <p:attrNameLst>
+                                          <p:attrName>style.visibility</p:attrName>
+                                        </p:attrNameLst>
+                                      </p:cBhvr>
+                                      <p:to>
+                                        <p:strVal val="visible"/>
+                                      </p:to>
+                                    </p:set>
+                                  </p:childTnLst>
+                                </p:cTn>
+                              </p:par>
+                              <p:par>
+                                <p:cTn id="7" presetID="1" presetClass="entr" presetSubtype="0" fill="hold" nodeType="withEffect">
+                                  <p:stCondLst>
+                                    <p:cond delay="0"/>
+                                  </p:stCondLst>
+                                  <p:childTnLst>
+                                    <p:set>
+                                      <p:cBhvr>
+                                        <p:cTn id="8" dur="1" fill="hold">
+                                          <p:stCondLst>
+                                            <p:cond delay="0"/>
+                                          </p:stCondLst>
+                                        </p:cTn>
+                                        <p:tgtEl>
+                                          <p:spTgt spid="18"/>
+                                        </p:tgtEl>
+                                        <p:attrNameLst>
+                                          <p:attrName>style.visibility</p:attrName>
+                                        </p:attrNameLst>
+                                      </p:cBhvr>
+                                      <p:to>
+                                        <p:strVal val="visible"/>
+                                      </p:to>
+                                    </p:set>
+                                  </p:childTnLst>
+                                </p:cTn>
+                              </p:par>
+                            </p:childTnLst>
+                          </p:cTn>
+                        </p:par>
+                      </p:childTnLst>
+                    </p:cTn>
+                  </p:par>
+                  <p:par>
+                    <p:cTn id="9" fill="hold">
+                      <p:stCondLst>
+                        <p:cond delay="indefinite"/>
+                      </p:stCondLst>
+                      <p:childTnLst>
+                        <p:par>
+                          <p:cTn id="10" fill="hold">
+                            <p:stCondLst>
+                              <p:cond delay="0"/>
+                            </p:stCondLst>
+                            <p:childTnLst>
+                              <p:par>
+                                <p:cTn id="11" presetID="1" presetClass="entr" presetSubtype="0" fill="hold" nodeType="clickEffect">
+                                  <p:stCondLst>
+                                    <p:cond delay="0"/>
+                                  </p:stCondLst>
+                                  <p:childTnLst>
+                                    <p:set>
+                                      <p:cBhvr>
+                                        <p:cTn id="12" dur="1" fill="hold">
+                                          <p:stCondLst>
+                                            <p:cond delay="0"/>
+                                          </p:stCondLst>
+                                        </p:cTn>
+                                        <p:tgtEl>
+                                          <p:spTgt spid="20"/>
+                                        </p:tgtEl>
+                                        <p:attrNameLst>
+                                          <p:attrName>style.visibility</p:attrName>
+                                        </p:attrNameLst>
+                                      </p:cBhvr>
+                                      <p:to>
+                                        <p:strVal val="visible"/>
+                                      </p:to>
+                                    </p:set>
+                                  </p:childTnLst>
+                                </p:cTn>
+                              </p:par>
+                              <p:par>
+                                <p:cTn id="13" presetID="1" presetClass="entr" presetSubtype="0" fill="hold" grpId="0" nodeType="withEffect">
+                                  <p:stCondLst>
+                                    <p:cond delay="0"/>
+                                  </p:stCondLst>
+                                  <p:childTnLst>
+                                    <p:set>
+                                      <p:cBhvr>
+                                        <p:cTn id="14" dur="1" fill="hold">
+                                          <p:stCondLst>
+                                            <p:cond delay="0"/>
+                                          </p:stCondLst>
+                                        </p:cTn>
+                                        <p:tgtEl>
+                                          <p:spTgt spid="4"/>
+                                        </p:tgtEl>
+                                        <p:attrNameLst>
+                                          <p:attrName>style.visibility</p:attrName>
+                                        </p:attrNameLst>
+                                      </p:cBhvr>
+                                      <p:to>
+                                        <p:strVal val="visible"/>
+                                      </p:to>
+                                    </p:set>
+                                  </p:childTnLst>
+                                </p:cTn>
+                              </p:par>
+                            </p:childTnLst>
+                          </p:cTn>
+                        </p:par>
+                      </p:childTnLst>
+                    </p:cTn>
+                  </p:par>
+                  <p:par>
+                    <p:cTn id="15" fill="hold">
+                      <p:stCondLst>
+                        <p:cond delay="indefinite"/>
+                      </p:stCondLst>
+                      <p:childTnLst>
+                        <p:par>
+                          <p:cTn id="16" fill="hold">
+                            <p:stCondLst>
+                              <p:cond delay="0"/>
+                            </p:stCondLst>
+                            <p:childTnLst>
+                              <p:par>
+                                <p:cTn id="17" presetID="2" presetClass="entr" presetSubtype="4" fill="hold" grpId="0" nodeType="clickEffect">
+                                  <p:stCondLst>
+                                    <p:cond delay="0"/>
+                                  </p:stCondLst>
+                                  <p:childTnLst>
+                                    <p:set>
+                                      <p:cBhvr>
+                                        <p:cTn id="18" dur="1" fill="hold">
+                                          <p:stCondLst>
+                                            <p:cond delay="0"/>
+                                          </p:stCondLst>
+                                        </p:cTn>
+                                        <p:tgtEl>
+                                          <p:spTgt spid="16"/>
+                                        </p:tgtEl>
+                                        <p:attrNameLst>
+                                          <p:attrName>style.visibility</p:attrName>
+                                        </p:attrNameLst>
+                                      </p:cBhvr>
+                                      <p:to>
+                                        <p:strVal val="visible"/>
+                                      </p:to>
+                                    </p:set>
+                                    <p:anim calcmode="lin" valueType="num">
+                                      <p:cBhvr additive="base">
+                                        <p:cTn id="19" dur="500" fill="hold"/>
+                                        <p:tgtEl>
+                                          <p:spTgt spid="16"/>
+                                        </p:tgtEl>
+                                        <p:attrNameLst>
+                                          <p:attrName>ppt_x</p:attrName>
+                                        </p:attrNameLst>
+                                      </p:cBhvr>
+                                      <p:tavLst>
+                                        <p:tav tm="0">
+                                          <p:val>
+                                            <p:strVal val="#ppt_x"/>
+                                          </p:val>
+                                        </p:tav>
+                                        <p:tav tm="100000">
+                                          <p:val>
+                                            <p:strVal val="#ppt_x"/>
+                                          </p:val>
+                                        </p:tav>
+                                      </p:tavLst>
+                                    </p:anim>
+                                    <p:anim calcmode="lin" valueType="num">
+                                      <p:cBhvr additive="base">
+                                        <p:cTn id="20" dur="500" fill="hold"/>
+                                        <p:tgtEl>
+                                          <p:spTgt spid="16"/>
+                                        </p:tgtEl>
+                                        <p:attrNameLst>
+                                          <p:attrName>ppt_y</p:attrName>
+                                        </p:attrNameLst>
+                                      </p:cBhvr>
+                                      <p:tavLst>
+                                        <p:tav tm="0">
+                                          <p:val>
+                                            <p:strVal val="1+#ppt_h/2"/>
+                                          </p:val>
+                                        </p:tav>
+                                        <p:tav tm="100000">
+                                          <p:val>
+                                            <p:strVal val="#ppt_y"/>
+                                          </p:val>
+                                        </p:tav>
+                                      </p:tavLst>
+                                    </p:anim>
+                                  </p:childTnLst>
+                                </p:cTn>
+                              </p:par>
+                            </p:childTnLst>
+                          </p:cTn>
+                        </p:par>
+                      </p:childTnLst>
+                    </p:cTn>
+                  </p:par>
+                  <p:par>
+                    <p:cTn id="21" fill="hold">
+                      <p:stCondLst>
+                        <p:cond delay="indefinite"/>
+                      </p:stCondLst>
+                      <p:childTnLst>
+                        <p:par>
+                          <p:cTn id="22" fill="hold">
+                            <p:stCondLst>
+                              <p:cond delay="0"/>
+                            </p:stCondLst>
+                            <p:childTnLst>
+                              <p:par>
+                                <p:cTn id="23" presetID="1" presetClass="entr" presetSubtype="0" fill="hold" grpId="0" nodeType="clickEffect">
+                                  <p:stCondLst>
+                                    <p:cond delay="0"/>
+                                  </p:stCondLst>
+                                  <p:childTnLst>
+                                    <p:set>
+                                      <p:cBhvr>
+                                        <p:cTn id="24" dur="1" fill="hold">
+                                          <p:stCondLst>
+                                            <p:cond delay="0"/>
+                                          </p:stCondLst>
+                                        </p:cTn>
+                                        <p:tgtEl>
+                                          <p:spTgt spid="15"/>
+                                        </p:tgtEl>
+                                        <p:attrNameLst>
+                                          <p:attrName>style.visibility</p:attrName>
+                                        </p:attrNameLst>
+                                      </p:cBhvr>
+                                      <p:to>
+                                        <p:strVal val="visible"/>
+                                      </p:to>
+                                    </p:set>
+                                  </p:childTnLst>
+                                </p:cTn>
+                              </p:par>
+                              <p:par>
+                                <p:cTn id="25" presetID="1" presetClass="entr" presetSubtype="0" fill="hold" nodeType="withEffect">
+                                  <p:stCondLst>
+                                    <p:cond delay="0"/>
+                                  </p:stCondLst>
+                                  <p:childTnLst>
+                                    <p:set>
+                                      <p:cBhvr>
+                                        <p:cTn id="26" dur="1" fill="hold">
+                                          <p:stCondLst>
+                                            <p:cond delay="0"/>
+                                          </p:stCondLst>
+                                        </p:cTn>
+                                        <p:tgtEl>
+                                          <p:spTgt spid="19"/>
+                                        </p:tgtEl>
+                                        <p:attrNameLst>
+                                          <p:attrName>style.visibility</p:attrName>
+                                        </p:attrNameLst>
+                                      </p:cBhvr>
+                                      <p:to>
+                                        <p:strVal val="visible"/>
+                                      </p:to>
+                                    </p:set>
+                                  </p:childTnLst>
+                                </p:cTn>
+                              </p:par>
+                            </p:childTnLst>
+                          </p:cTn>
+                        </p:par>
+                      </p:childTnLst>
+                    </p:cTn>
+                  </p:par>
+                  <p:par>
+                    <p:cTn id="27" fill="hold">
+                      <p:stCondLst>
+                        <p:cond delay="indefinite"/>
+                      </p:stCondLst>
+                      <p:childTnLst>
+                        <p:par>
+                          <p:cTn id="28" fill="hold">
+                            <p:stCondLst>
+                              <p:cond delay="0"/>
+                            </p:stCondLst>
+                            <p:childTnLst>
+                              <p:par>
+                                <p:cTn id="29" presetID="1" presetClass="entr" presetSubtype="0" fill="hold" grpId="0" nodeType="clickEffect">
+                                  <p:stCondLst>
+                                    <p:cond delay="0"/>
+                                  </p:stCondLst>
+                                  <p:childTnLst>
+                                    <p:set>
+                                      <p:cBhvr>
+                                        <p:cTn id="30" dur="1" fill="hold">
+                                          <p:stCondLst>
+                                            <p:cond delay="0"/>
+                                          </p:stCondLst>
+                                        </p:cTn>
+                                        <p:tgtEl>
+                                          <p:spTgt spid="10"/>
+                                        </p:tgtEl>
+                                        <p:attrNameLst>
+                                          <p:attrName>style.visibility</p:attrName>
+                                        </p:attrNameLst>
+                                      </p:cBhvr>
+                                      <p:to>
+                                        <p:strVal val="visible"/>
+                                      </p:to>
+                                    </p:set>
+                                  </p:childTnLst>
+                                </p:cTn>
+                              </p:par>
+                              <p:par>
+                                <p:cTn id="31" presetID="1" presetClass="entr" presetSubtype="0" fill="hold" nodeType="withEffect">
+                                  <p:stCondLst>
+                                    <p:cond delay="0"/>
+                                  </p:stCondLst>
+                                  <p:childTnLst>
+                                    <p:set>
+                                      <p:cBhvr>
+                                        <p:cTn id="32" dur="1" fill="hold">
+                                          <p:stCondLst>
+                                            <p:cond delay="0"/>
+                                          </p:stCondLst>
+                                        </p:cTn>
+                                        <p:tgtEl>
+                                          <p:spTgt spid="2"/>
+                                        </p:tgtEl>
+                                        <p:attrNameLst>
+                                          <p:attrName>style.visibility</p:attrName>
+                                        </p:attrNameLst>
+                                      </p:cBhvr>
+                                      <p:to>
+                                        <p:strVal val="visible"/>
+                                      </p:to>
+                                    </p:set>
+                                  </p:childTnLst>
+                                </p:cTn>
+                              </p:par>
+                            </p:childTnLst>
+                          </p:cTn>
+                        </p:par>
+                      </p:childTnLst>
+                    </p:cTn>
+                  </p:par>
+                </p:childTnLst>
+              </p:cTn>
+              <p:prevCondLst>
+                <p:cond evt="onPrev" delay="0">
+                  <p:tgtEl>
+                    <p:sldTgt/>
+                  </p:tgtEl>
+                </p:cond>
+              </p:prevCondLst>
+              <p:nextCondLst>
+                <p:cond evt="onNext" delay="0">
+                  <p:tgtEl>
+                    <p:sldTgt/>
+                  </p:tgtEl>
+                </p:cond>
+              </p:nextCondLst>
+            </p:seq>
+          </p:childTnLst>
+        </p:cTn>
+      </p:par>
+    </p:tnLst>
+    <p:bldLst>
+      <p:bldP spid="3" grpId="0"/>
+      <p:bldP spid="4" grpId="0"/>
+      <p:bldP spid="10" grpId="0"/>
+      <p:bldP spid="15" grpId="0"/>
+      <p:bldP spid="16" grpId="0"/>
+    </p:bldLst>
+  </p:timing>
+</p:sld>
+</file>
+
+<file path=ppt/slides/slide17.xml><?xml version="1.0" encoding="utf-8"?>
+<p:sld xmlns:a="http://schemas.openxmlformats.org/drawingml/2006/main" xmlns:r="http://schemas.openxmlformats.org/officeDocument/2006/relationships" xmlns:p="http://schemas.openxmlformats.org/presentationml/2006/main">
+  <p:cSld>
+    <p:spTree>
+      <p:nvGrpSpPr>
+        <p:cNvPr id="1" name=""/>
+        <p:cNvGrpSpPr/>
+        <p:nvPr/>
+      </p:nvGrpSpPr>
+      <p:grpSpPr>
+        <a:xfrm>
+          <a:off x="0" y="0"/>
+          <a:ext cx="0" cy="0"/>
+          <a:chOff x="0" y="0"/>
+          <a:chExt cx="0" cy="0"/>
+        </a:xfrm>
+      </p:grpSpPr>
+      <p:pic>
+        <p:nvPicPr>
+          <p:cNvPr id="26" name="Рисунок 25" descr="Untitled (untitled suite) - Selenium IDE 2.9.1 *"/>
+          <p:cNvPicPr>
+            <a:picLocks noChangeAspect="1"/>
+          </p:cNvPicPr>
+          <p:nvPr/>
+        </p:nvPicPr>
+        <p:blipFill>
+          <a:blip r:embed="rId2">
+            <a:extLst>
+              <a:ext uri="{28A0092B-C50C-407E-A947-70E740481C1C}">
+                <a14:useLocalDpi xmlns:a14="http://schemas.microsoft.com/office/drawing/2010/main" val="0"/>
+              </a:ext>
+            </a:extLst>
+          </a:blip>
+          <a:stretch>
+            <a:fillRect/>
+          </a:stretch>
+        </p:blipFill>
+        <p:spPr>
+          <a:xfrm>
+            <a:off x="3037557" y="1104413"/>
+            <a:ext cx="5649522" cy="5337484"/>
+          </a:xfrm>
+          <a:prstGeom prst="rect">
+            <a:avLst/>
+          </a:prstGeom>
+        </p:spPr>
+      </p:pic>
+      <p:sp>
+        <p:nvSpPr>
+          <p:cNvPr id="11266" name="Title 1"/>
+          <p:cNvSpPr>
+            <a:spLocks noGrp="1"/>
+          </p:cNvSpPr>
+          <p:nvPr>
+            <p:ph type="title"/>
+          </p:nvPr>
+        </p:nvSpPr>
+        <p:spPr>
+          <a:xfrm>
+            <a:off x="1981200" y="274638"/>
+            <a:ext cx="8229600" cy="487362"/>
+          </a:xfrm>
+        </p:spPr>
+        <p:txBody>
+          <a:bodyPr>
+            <a:normAutofit fontScale="90000"/>
+          </a:bodyPr>
+          <a:lstStyle/>
+          <a:p>
+            <a:pPr eaLnBrk="1" hangingPunct="1">
+              <a:defRPr/>
+            </a:pPr>
+            <a:r>
+              <a:rPr lang="ru-RU" sz="4000" dirty="0" smtClean="0"/>
+              <a:t>Интерфейс </a:t>
+            </a:r>
+            <a:r>
+              <a:rPr lang="en-US" sz="4000" dirty="0" smtClean="0"/>
+              <a:t>Selenium </a:t>
+            </a:r>
+            <a:r>
+              <a:rPr lang="en-US" sz="4000" dirty="0"/>
+              <a:t>IDE</a:t>
+            </a:r>
+          </a:p>
+        </p:txBody>
+      </p:sp>
+      <p:sp>
+        <p:nvSpPr>
+          <p:cNvPr id="11" name="TextBox 4"/>
+          <p:cNvSpPr txBox="1">
+            <a:spLocks noChangeArrowheads="1"/>
+          </p:cNvSpPr>
+          <p:nvPr/>
+        </p:nvSpPr>
+        <p:spPr bwMode="auto">
+          <a:xfrm>
+            <a:off x="170044" y="1104413"/>
+            <a:ext cx="1804988" cy="1200329"/>
+          </a:xfrm>
+          <a:prstGeom prst="rect">
+            <a:avLst/>
+          </a:prstGeom>
+          <a:noFill/>
+          <a:ln>
+            <a:noFill/>
+          </a:ln>
+          <a:extLst>
+            <a:ext uri="{909E8E84-426E-40DD-AFC4-6F175D3DCCD1}">
+              <a14:hiddenFill xmlns:a14="http://schemas.microsoft.com/office/drawing/2010/main">
+                <a:solidFill>
+                  <a:srgbClr val="FFFFFF"/>
+                </a:solidFill>
+              </a14:hiddenFill>
+            </a:ext>
+            <a:ext uri="{91240B29-F687-4F45-9708-019B960494DF}">
+              <a14:hiddenLine xmlns:a14="http://schemas.microsoft.com/office/drawing/2010/main" w="9525">
+                <a:solidFill>
+                  <a:srgbClr val="000000"/>
+                </a:solidFill>
+                <a:miter lim="800000"/>
+                <a:headEnd/>
+                <a:tailEnd/>
+              </a14:hiddenLine>
+            </a:ext>
+          </a:extLst>
+        </p:spPr>
+        <p:txBody>
+          <a:bodyPr>
+            <a:spAutoFit/>
+          </a:bodyPr>
+          <a:lstStyle>
+            <a:lvl1pPr eaLnBrk="0" hangingPunct="0">
+              <a:defRPr>
+                <a:solidFill>
+                  <a:schemeClr val="tx1"/>
+                </a:solidFill>
+                <a:latin typeface="Arial" panose="020B0604020202020204" pitchFamily="34" charset="0"/>
+                <a:cs typeface="Arial" panose="020B0604020202020204" pitchFamily="34" charset="0"/>
+              </a:defRPr>
+            </a:lvl1pPr>
+            <a:lvl2pPr marL="742950" indent="-285750" eaLnBrk="0" hangingPunct="0">
+              <a:defRPr>
+                <a:solidFill>
+                  <a:schemeClr val="tx1"/>
+                </a:solidFill>
+                <a:latin typeface="Arial" panose="020B0604020202020204" pitchFamily="34" charset="0"/>
+                <a:cs typeface="Arial" panose="020B0604020202020204" pitchFamily="34" charset="0"/>
+              </a:defRPr>
+            </a:lvl2pPr>
+            <a:lvl3pPr marL="1143000" indent="-228600" eaLnBrk="0" hangingPunct="0">
+              <a:defRPr>
+                <a:solidFill>
+                  <a:schemeClr val="tx1"/>
+                </a:solidFill>
+                <a:latin typeface="Arial" panose="020B0604020202020204" pitchFamily="34" charset="0"/>
+                <a:cs typeface="Arial" panose="020B0604020202020204" pitchFamily="34" charset="0"/>
+              </a:defRPr>
+            </a:lvl3pPr>
+            <a:lvl4pPr marL="1600200" indent="-228600" eaLnBrk="0" hangingPunct="0">
+              <a:defRPr>
+                <a:solidFill>
+                  <a:schemeClr val="tx1"/>
+                </a:solidFill>
+                <a:latin typeface="Arial" panose="020B0604020202020204" pitchFamily="34" charset="0"/>
+                <a:cs typeface="Arial" panose="020B0604020202020204" pitchFamily="34" charset="0"/>
+              </a:defRPr>
+            </a:lvl4pPr>
+            <a:lvl5pPr marL="2057400" indent="-228600" eaLnBrk="0" hangingPunct="0">
+              <a:defRPr>
+                <a:solidFill>
+                  <a:schemeClr val="tx1"/>
+                </a:solidFill>
+                <a:latin typeface="Arial" panose="020B0604020202020204" pitchFamily="34" charset="0"/>
+                <a:cs typeface="Arial" panose="020B0604020202020204" pitchFamily="34" charset="0"/>
+              </a:defRPr>
+            </a:lvl5pPr>
+            <a:lvl6pPr marL="2514600" indent="-228600" eaLnBrk="0" fontAlgn="base" hangingPunct="0">
+              <a:spcBef>
+                <a:spcPct val="0"/>
+              </a:spcBef>
+              <a:spcAft>
+                <a:spcPct val="0"/>
+              </a:spcAft>
+              <a:defRPr>
+                <a:solidFill>
+                  <a:schemeClr val="tx1"/>
+                </a:solidFill>
+                <a:latin typeface="Arial" panose="020B0604020202020204" pitchFamily="34" charset="0"/>
+                <a:cs typeface="Arial" panose="020B0604020202020204" pitchFamily="34" charset="0"/>
+              </a:defRPr>
+            </a:lvl6pPr>
+            <a:lvl7pPr marL="2971800" indent="-228600" eaLnBrk="0" fontAlgn="base" hangingPunct="0">
+              <a:spcBef>
+                <a:spcPct val="0"/>
+              </a:spcBef>
+              <a:spcAft>
+                <a:spcPct val="0"/>
+              </a:spcAft>
+              <a:defRPr>
+                <a:solidFill>
+                  <a:schemeClr val="tx1"/>
+                </a:solidFill>
+                <a:latin typeface="Arial" panose="020B0604020202020204" pitchFamily="34" charset="0"/>
+                <a:cs typeface="Arial" panose="020B0604020202020204" pitchFamily="34" charset="0"/>
+              </a:defRPr>
+            </a:lvl7pPr>
+            <a:lvl8pPr marL="3429000" indent="-228600" eaLnBrk="0" fontAlgn="base" hangingPunct="0">
+              <a:spcBef>
+                <a:spcPct val="0"/>
+              </a:spcBef>
+              <a:spcAft>
+                <a:spcPct val="0"/>
+              </a:spcAft>
+              <a:defRPr>
+                <a:solidFill>
+                  <a:schemeClr val="tx1"/>
+                </a:solidFill>
+                <a:latin typeface="Arial" panose="020B0604020202020204" pitchFamily="34" charset="0"/>
+                <a:cs typeface="Arial" panose="020B0604020202020204" pitchFamily="34" charset="0"/>
+              </a:defRPr>
+            </a:lvl8pPr>
+            <a:lvl9pPr marL="3886200" indent="-228600" eaLnBrk="0" fontAlgn="base" hangingPunct="0">
+              <a:spcBef>
+                <a:spcPct val="0"/>
+              </a:spcBef>
+              <a:spcAft>
+                <a:spcPct val="0"/>
+              </a:spcAft>
+              <a:defRPr>
+                <a:solidFill>
+                  <a:schemeClr val="tx1"/>
+                </a:solidFill>
+                <a:latin typeface="Arial" panose="020B0604020202020204" pitchFamily="34" charset="0"/>
+                <a:cs typeface="Arial" panose="020B0604020202020204" pitchFamily="34" charset="0"/>
+              </a:defRPr>
+            </a:lvl9pPr>
+          </a:lstStyle>
+          <a:p>
+            <a:pPr algn="r" eaLnBrk="1" hangingPunct="1"/>
+            <a:r>
+              <a:rPr lang="ru-RU" sz="2400" dirty="0" smtClean="0">
+                <a:latin typeface="Calibri" panose="020F0502020204030204" pitchFamily="34" charset="0"/>
+              </a:rPr>
+              <a:t>Команды запуска теста</a:t>
+            </a:r>
+            <a:endParaRPr lang="en-US" sz="2400" dirty="0">
+              <a:latin typeface="Calibri" panose="020F0502020204030204" pitchFamily="34" charset="0"/>
+            </a:endParaRPr>
+          </a:p>
+        </p:txBody>
+      </p:sp>
+      <p:sp>
+        <p:nvSpPr>
+          <p:cNvPr id="12" name="TextBox 5"/>
+          <p:cNvSpPr txBox="1">
+            <a:spLocks noChangeArrowheads="1"/>
+          </p:cNvSpPr>
+          <p:nvPr/>
+        </p:nvSpPr>
+        <p:spPr bwMode="auto">
+          <a:xfrm>
+            <a:off x="9144000" y="1039216"/>
+            <a:ext cx="2828851" cy="461665"/>
+          </a:xfrm>
+          <a:prstGeom prst="rect">
+            <a:avLst/>
+          </a:prstGeom>
+          <a:noFill/>
+          <a:ln>
+            <a:noFill/>
+          </a:ln>
+          <a:extLst>
+            <a:ext uri="{909E8E84-426E-40DD-AFC4-6F175D3DCCD1}">
+              <a14:hiddenFill xmlns:a14="http://schemas.microsoft.com/office/drawing/2010/main">
+                <a:solidFill>
+                  <a:srgbClr val="FFFFFF"/>
+                </a:solidFill>
+              </a14:hiddenFill>
+            </a:ext>
+            <a:ext uri="{91240B29-F687-4F45-9708-019B960494DF}">
+              <a14:hiddenLine xmlns:a14="http://schemas.microsoft.com/office/drawing/2010/main" w="9525">
+                <a:solidFill>
+                  <a:srgbClr val="000000"/>
+                </a:solidFill>
+                <a:miter lim="800000"/>
+                <a:headEnd/>
+                <a:tailEnd/>
+              </a14:hiddenLine>
+            </a:ext>
+          </a:extLst>
+        </p:spPr>
+        <p:txBody>
+          <a:bodyPr wrap="none">
+            <a:spAutoFit/>
+          </a:bodyPr>
+          <a:lstStyle>
+            <a:lvl1pPr eaLnBrk="0" hangingPunct="0">
+              <a:defRPr>
+                <a:solidFill>
+                  <a:schemeClr val="tx1"/>
+                </a:solidFill>
+                <a:latin typeface="Arial" panose="020B0604020202020204" pitchFamily="34" charset="0"/>
+                <a:cs typeface="Arial" panose="020B0604020202020204" pitchFamily="34" charset="0"/>
+              </a:defRPr>
+            </a:lvl1pPr>
+            <a:lvl2pPr marL="742950" indent="-285750" eaLnBrk="0" hangingPunct="0">
+              <a:defRPr>
+                <a:solidFill>
+                  <a:schemeClr val="tx1"/>
+                </a:solidFill>
+                <a:latin typeface="Arial" panose="020B0604020202020204" pitchFamily="34" charset="0"/>
+                <a:cs typeface="Arial" panose="020B0604020202020204" pitchFamily="34" charset="0"/>
+              </a:defRPr>
+            </a:lvl2pPr>
+            <a:lvl3pPr marL="1143000" indent="-228600" eaLnBrk="0" hangingPunct="0">
+              <a:defRPr>
+                <a:solidFill>
+                  <a:schemeClr val="tx1"/>
+                </a:solidFill>
+                <a:latin typeface="Arial" panose="020B0604020202020204" pitchFamily="34" charset="0"/>
+                <a:cs typeface="Arial" panose="020B0604020202020204" pitchFamily="34" charset="0"/>
+              </a:defRPr>
+            </a:lvl3pPr>
+            <a:lvl4pPr marL="1600200" indent="-228600" eaLnBrk="0" hangingPunct="0">
+              <a:defRPr>
+                <a:solidFill>
+                  <a:schemeClr val="tx1"/>
+                </a:solidFill>
+                <a:latin typeface="Arial" panose="020B0604020202020204" pitchFamily="34" charset="0"/>
+                <a:cs typeface="Arial" panose="020B0604020202020204" pitchFamily="34" charset="0"/>
+              </a:defRPr>
+            </a:lvl4pPr>
+            <a:lvl5pPr marL="2057400" indent="-228600" eaLnBrk="0" hangingPunct="0">
+              <a:defRPr>
+                <a:solidFill>
+                  <a:schemeClr val="tx1"/>
+                </a:solidFill>
+                <a:latin typeface="Arial" panose="020B0604020202020204" pitchFamily="34" charset="0"/>
+                <a:cs typeface="Arial" panose="020B0604020202020204" pitchFamily="34" charset="0"/>
+              </a:defRPr>
+            </a:lvl5pPr>
+            <a:lvl6pPr marL="2514600" indent="-228600" eaLnBrk="0" fontAlgn="base" hangingPunct="0">
+              <a:spcBef>
+                <a:spcPct val="0"/>
+              </a:spcBef>
+              <a:spcAft>
+                <a:spcPct val="0"/>
+              </a:spcAft>
+              <a:defRPr>
+                <a:solidFill>
+                  <a:schemeClr val="tx1"/>
+                </a:solidFill>
+                <a:latin typeface="Arial" panose="020B0604020202020204" pitchFamily="34" charset="0"/>
+                <a:cs typeface="Arial" panose="020B0604020202020204" pitchFamily="34" charset="0"/>
+              </a:defRPr>
+            </a:lvl6pPr>
+            <a:lvl7pPr marL="2971800" indent="-228600" eaLnBrk="0" fontAlgn="base" hangingPunct="0">
+              <a:spcBef>
+                <a:spcPct val="0"/>
+              </a:spcBef>
+              <a:spcAft>
+                <a:spcPct val="0"/>
+              </a:spcAft>
+              <a:defRPr>
+                <a:solidFill>
+                  <a:schemeClr val="tx1"/>
+                </a:solidFill>
+                <a:latin typeface="Arial" panose="020B0604020202020204" pitchFamily="34" charset="0"/>
+                <a:cs typeface="Arial" panose="020B0604020202020204" pitchFamily="34" charset="0"/>
+              </a:defRPr>
+            </a:lvl7pPr>
+            <a:lvl8pPr marL="3429000" indent="-228600" eaLnBrk="0" fontAlgn="base" hangingPunct="0">
+              <a:spcBef>
+                <a:spcPct val="0"/>
+              </a:spcBef>
+              <a:spcAft>
+                <a:spcPct val="0"/>
+              </a:spcAft>
+              <a:defRPr>
+                <a:solidFill>
+                  <a:schemeClr val="tx1"/>
+                </a:solidFill>
+                <a:latin typeface="Arial" panose="020B0604020202020204" pitchFamily="34" charset="0"/>
+                <a:cs typeface="Arial" panose="020B0604020202020204" pitchFamily="34" charset="0"/>
+              </a:defRPr>
+            </a:lvl8pPr>
+            <a:lvl9pPr marL="3886200" indent="-228600" eaLnBrk="0" fontAlgn="base" hangingPunct="0">
+              <a:spcBef>
+                <a:spcPct val="0"/>
+              </a:spcBef>
+              <a:spcAft>
+                <a:spcPct val="0"/>
+              </a:spcAft>
+              <a:defRPr>
+                <a:solidFill>
+                  <a:schemeClr val="tx1"/>
+                </a:solidFill>
+                <a:latin typeface="Arial" panose="020B0604020202020204" pitchFamily="34" charset="0"/>
+                <a:cs typeface="Arial" panose="020B0604020202020204" pitchFamily="34" charset="0"/>
+              </a:defRPr>
+            </a:lvl9pPr>
+          </a:lstStyle>
+          <a:p>
+            <a:pPr eaLnBrk="1" hangingPunct="1"/>
+            <a:r>
+              <a:rPr lang="ru-RU" sz="2400" dirty="0" smtClean="0">
+                <a:latin typeface="Calibri" panose="020F0502020204030204" pitchFamily="34" charset="0"/>
+              </a:rPr>
+              <a:t>Кнопка записи теста</a:t>
+            </a:r>
+            <a:endParaRPr lang="en-US" sz="2400" dirty="0">
+              <a:latin typeface="Calibri" panose="020F0502020204030204" pitchFamily="34" charset="0"/>
+            </a:endParaRPr>
+          </a:p>
+        </p:txBody>
+      </p:sp>
+      <p:sp>
+        <p:nvSpPr>
+          <p:cNvPr id="14" name="TextBox 7"/>
+          <p:cNvSpPr txBox="1">
+            <a:spLocks noChangeArrowheads="1"/>
+          </p:cNvSpPr>
+          <p:nvPr/>
+        </p:nvSpPr>
+        <p:spPr bwMode="auto">
+          <a:xfrm>
+            <a:off x="9749604" y="4373124"/>
+            <a:ext cx="1641796" cy="830997"/>
+          </a:xfrm>
+          <a:prstGeom prst="rect">
+            <a:avLst/>
+          </a:prstGeom>
+          <a:noFill/>
+          <a:ln>
+            <a:noFill/>
+          </a:ln>
+          <a:extLst>
+            <a:ext uri="{909E8E84-426E-40DD-AFC4-6F175D3DCCD1}">
+              <a14:hiddenFill xmlns:a14="http://schemas.microsoft.com/office/drawing/2010/main">
+                <a:solidFill>
+                  <a:srgbClr val="FFFFFF"/>
+                </a:solidFill>
+              </a14:hiddenFill>
+            </a:ext>
+            <a:ext uri="{91240B29-F687-4F45-9708-019B960494DF}">
+              <a14:hiddenLine xmlns:a14="http://schemas.microsoft.com/office/drawing/2010/main" w="9525">
+                <a:solidFill>
+                  <a:srgbClr val="000000"/>
+                </a:solidFill>
+                <a:miter lim="800000"/>
+                <a:headEnd/>
+                <a:tailEnd/>
+              </a14:hiddenLine>
+            </a:ext>
+          </a:extLst>
+        </p:spPr>
+        <p:txBody>
+          <a:bodyPr wrap="none">
+            <a:spAutoFit/>
+          </a:bodyPr>
+          <a:lstStyle>
+            <a:lvl1pPr eaLnBrk="0" hangingPunct="0">
+              <a:defRPr>
+                <a:solidFill>
+                  <a:schemeClr val="tx1"/>
+                </a:solidFill>
+                <a:latin typeface="Arial" panose="020B0604020202020204" pitchFamily="34" charset="0"/>
+                <a:cs typeface="Arial" panose="020B0604020202020204" pitchFamily="34" charset="0"/>
+              </a:defRPr>
+            </a:lvl1pPr>
+            <a:lvl2pPr marL="742950" indent="-285750" eaLnBrk="0" hangingPunct="0">
+              <a:defRPr>
+                <a:solidFill>
+                  <a:schemeClr val="tx1"/>
+                </a:solidFill>
+                <a:latin typeface="Arial" panose="020B0604020202020204" pitchFamily="34" charset="0"/>
+                <a:cs typeface="Arial" panose="020B0604020202020204" pitchFamily="34" charset="0"/>
+              </a:defRPr>
+            </a:lvl2pPr>
+            <a:lvl3pPr marL="1143000" indent="-228600" eaLnBrk="0" hangingPunct="0">
+              <a:defRPr>
+                <a:solidFill>
+                  <a:schemeClr val="tx1"/>
+                </a:solidFill>
+                <a:latin typeface="Arial" panose="020B0604020202020204" pitchFamily="34" charset="0"/>
+                <a:cs typeface="Arial" panose="020B0604020202020204" pitchFamily="34" charset="0"/>
+              </a:defRPr>
+            </a:lvl3pPr>
+            <a:lvl4pPr marL="1600200" indent="-228600" eaLnBrk="0" hangingPunct="0">
+              <a:defRPr>
+                <a:solidFill>
+                  <a:schemeClr val="tx1"/>
+                </a:solidFill>
+                <a:latin typeface="Arial" panose="020B0604020202020204" pitchFamily="34" charset="0"/>
+                <a:cs typeface="Arial" panose="020B0604020202020204" pitchFamily="34" charset="0"/>
+              </a:defRPr>
+            </a:lvl4pPr>
+            <a:lvl5pPr marL="2057400" indent="-228600" eaLnBrk="0" hangingPunct="0">
+              <a:defRPr>
+                <a:solidFill>
+                  <a:schemeClr val="tx1"/>
+                </a:solidFill>
+                <a:latin typeface="Arial" panose="020B0604020202020204" pitchFamily="34" charset="0"/>
+                <a:cs typeface="Arial" panose="020B0604020202020204" pitchFamily="34" charset="0"/>
+              </a:defRPr>
+            </a:lvl5pPr>
+            <a:lvl6pPr marL="2514600" indent="-228600" eaLnBrk="0" fontAlgn="base" hangingPunct="0">
+              <a:spcBef>
+                <a:spcPct val="0"/>
+              </a:spcBef>
+              <a:spcAft>
+                <a:spcPct val="0"/>
+              </a:spcAft>
+              <a:defRPr>
+                <a:solidFill>
+                  <a:schemeClr val="tx1"/>
+                </a:solidFill>
+                <a:latin typeface="Arial" panose="020B0604020202020204" pitchFamily="34" charset="0"/>
+                <a:cs typeface="Arial" panose="020B0604020202020204" pitchFamily="34" charset="0"/>
+              </a:defRPr>
+            </a:lvl6pPr>
+            <a:lvl7pPr marL="2971800" indent="-228600" eaLnBrk="0" fontAlgn="base" hangingPunct="0">
+              <a:spcBef>
+                <a:spcPct val="0"/>
+              </a:spcBef>
+              <a:spcAft>
+                <a:spcPct val="0"/>
+              </a:spcAft>
+              <a:defRPr>
+                <a:solidFill>
+                  <a:schemeClr val="tx1"/>
+                </a:solidFill>
+                <a:latin typeface="Arial" panose="020B0604020202020204" pitchFamily="34" charset="0"/>
+                <a:cs typeface="Arial" panose="020B0604020202020204" pitchFamily="34" charset="0"/>
+              </a:defRPr>
+            </a:lvl7pPr>
+            <a:lvl8pPr marL="3429000" indent="-228600" eaLnBrk="0" fontAlgn="base" hangingPunct="0">
+              <a:spcBef>
+                <a:spcPct val="0"/>
+              </a:spcBef>
+              <a:spcAft>
+                <a:spcPct val="0"/>
+              </a:spcAft>
+              <a:defRPr>
+                <a:solidFill>
+                  <a:schemeClr val="tx1"/>
+                </a:solidFill>
+                <a:latin typeface="Arial" panose="020B0604020202020204" pitchFamily="34" charset="0"/>
+                <a:cs typeface="Arial" panose="020B0604020202020204" pitchFamily="34" charset="0"/>
+              </a:defRPr>
+            </a:lvl8pPr>
+            <a:lvl9pPr marL="3886200" indent="-228600" eaLnBrk="0" fontAlgn="base" hangingPunct="0">
+              <a:spcBef>
+                <a:spcPct val="0"/>
+              </a:spcBef>
+              <a:spcAft>
+                <a:spcPct val="0"/>
+              </a:spcAft>
+              <a:defRPr>
+                <a:solidFill>
+                  <a:schemeClr val="tx1"/>
+                </a:solidFill>
+                <a:latin typeface="Arial" panose="020B0604020202020204" pitchFamily="34" charset="0"/>
+                <a:cs typeface="Arial" panose="020B0604020202020204" pitchFamily="34" charset="0"/>
+              </a:defRPr>
+            </a:lvl9pPr>
+          </a:lstStyle>
+          <a:p>
+            <a:pPr eaLnBrk="1" hangingPunct="1"/>
+            <a:r>
+              <a:rPr lang="ru-RU" sz="2400" dirty="0" smtClean="0">
+                <a:latin typeface="Calibri" panose="020F0502020204030204" pitchFamily="34" charset="0"/>
+              </a:rPr>
+              <a:t>Настройки </a:t>
+            </a:r>
+          </a:p>
+          <a:p>
+            <a:pPr eaLnBrk="1" hangingPunct="1"/>
+            <a:r>
+              <a:rPr lang="ru-RU" sz="2400" dirty="0" smtClean="0">
+                <a:latin typeface="Calibri" panose="020F0502020204030204" pitchFamily="34" charset="0"/>
+              </a:rPr>
+              <a:t>действий</a:t>
+            </a:r>
+            <a:endParaRPr lang="en-US" sz="2400" dirty="0">
+              <a:latin typeface="Calibri" panose="020F0502020204030204" pitchFamily="34" charset="0"/>
+            </a:endParaRPr>
+          </a:p>
+        </p:txBody>
+      </p:sp>
+      <p:sp>
+        <p:nvSpPr>
+          <p:cNvPr id="15" name="TextBox 8"/>
+          <p:cNvSpPr txBox="1">
+            <a:spLocks noChangeArrowheads="1"/>
+          </p:cNvSpPr>
+          <p:nvPr/>
+        </p:nvSpPr>
+        <p:spPr bwMode="auto">
+          <a:xfrm>
+            <a:off x="144723" y="5104427"/>
+            <a:ext cx="1910365" cy="1200329"/>
+          </a:xfrm>
+          <a:prstGeom prst="rect">
+            <a:avLst/>
+          </a:prstGeom>
+          <a:noFill/>
+          <a:ln>
+            <a:noFill/>
+          </a:ln>
+          <a:extLst>
+            <a:ext uri="{909E8E84-426E-40DD-AFC4-6F175D3DCCD1}">
+              <a14:hiddenFill xmlns:a14="http://schemas.microsoft.com/office/drawing/2010/main">
+                <a:solidFill>
+                  <a:srgbClr val="FFFFFF"/>
+                </a:solidFill>
+              </a14:hiddenFill>
+            </a:ext>
+            <a:ext uri="{91240B29-F687-4F45-9708-019B960494DF}">
+              <a14:hiddenLine xmlns:a14="http://schemas.microsoft.com/office/drawing/2010/main" w="9525">
+                <a:solidFill>
+                  <a:srgbClr val="000000"/>
+                </a:solidFill>
+                <a:miter lim="800000"/>
+                <a:headEnd/>
+                <a:tailEnd/>
+              </a14:hiddenLine>
+            </a:ext>
+          </a:extLst>
+        </p:spPr>
+        <p:txBody>
+          <a:bodyPr wrap="square">
+            <a:spAutoFit/>
+          </a:bodyPr>
+          <a:lstStyle>
+            <a:lvl1pPr eaLnBrk="0" hangingPunct="0">
+              <a:defRPr>
+                <a:solidFill>
+                  <a:schemeClr val="tx1"/>
+                </a:solidFill>
+                <a:latin typeface="Arial" panose="020B0604020202020204" pitchFamily="34" charset="0"/>
+                <a:cs typeface="Arial" panose="020B0604020202020204" pitchFamily="34" charset="0"/>
+              </a:defRPr>
+            </a:lvl1pPr>
+            <a:lvl2pPr marL="742950" indent="-285750" eaLnBrk="0" hangingPunct="0">
+              <a:defRPr>
+                <a:solidFill>
+                  <a:schemeClr val="tx1"/>
+                </a:solidFill>
+                <a:latin typeface="Arial" panose="020B0604020202020204" pitchFamily="34" charset="0"/>
+                <a:cs typeface="Arial" panose="020B0604020202020204" pitchFamily="34" charset="0"/>
+              </a:defRPr>
+            </a:lvl2pPr>
+            <a:lvl3pPr marL="1143000" indent="-228600" eaLnBrk="0" hangingPunct="0">
+              <a:defRPr>
+                <a:solidFill>
+                  <a:schemeClr val="tx1"/>
+                </a:solidFill>
+                <a:latin typeface="Arial" panose="020B0604020202020204" pitchFamily="34" charset="0"/>
+                <a:cs typeface="Arial" panose="020B0604020202020204" pitchFamily="34" charset="0"/>
+              </a:defRPr>
+            </a:lvl3pPr>
+            <a:lvl4pPr marL="1600200" indent="-228600" eaLnBrk="0" hangingPunct="0">
+              <a:defRPr>
+                <a:solidFill>
+                  <a:schemeClr val="tx1"/>
+                </a:solidFill>
+                <a:latin typeface="Arial" panose="020B0604020202020204" pitchFamily="34" charset="0"/>
+                <a:cs typeface="Arial" panose="020B0604020202020204" pitchFamily="34" charset="0"/>
+              </a:defRPr>
+            </a:lvl4pPr>
+            <a:lvl5pPr marL="2057400" indent="-228600" eaLnBrk="0" hangingPunct="0">
+              <a:defRPr>
+                <a:solidFill>
+                  <a:schemeClr val="tx1"/>
+                </a:solidFill>
+                <a:latin typeface="Arial" panose="020B0604020202020204" pitchFamily="34" charset="0"/>
+                <a:cs typeface="Arial" panose="020B0604020202020204" pitchFamily="34" charset="0"/>
+              </a:defRPr>
+            </a:lvl5pPr>
+            <a:lvl6pPr marL="2514600" indent="-228600" eaLnBrk="0" fontAlgn="base" hangingPunct="0">
+              <a:spcBef>
+                <a:spcPct val="0"/>
+              </a:spcBef>
+              <a:spcAft>
+                <a:spcPct val="0"/>
+              </a:spcAft>
+              <a:defRPr>
+                <a:solidFill>
+                  <a:schemeClr val="tx1"/>
+                </a:solidFill>
+                <a:latin typeface="Arial" panose="020B0604020202020204" pitchFamily="34" charset="0"/>
+                <a:cs typeface="Arial" panose="020B0604020202020204" pitchFamily="34" charset="0"/>
+              </a:defRPr>
+            </a:lvl6pPr>
+            <a:lvl7pPr marL="2971800" indent="-228600" eaLnBrk="0" fontAlgn="base" hangingPunct="0">
+              <a:spcBef>
+                <a:spcPct val="0"/>
+              </a:spcBef>
+              <a:spcAft>
+                <a:spcPct val="0"/>
+              </a:spcAft>
+              <a:defRPr>
+                <a:solidFill>
+                  <a:schemeClr val="tx1"/>
+                </a:solidFill>
+                <a:latin typeface="Arial" panose="020B0604020202020204" pitchFamily="34" charset="0"/>
+                <a:cs typeface="Arial" panose="020B0604020202020204" pitchFamily="34" charset="0"/>
+              </a:defRPr>
+            </a:lvl7pPr>
+            <a:lvl8pPr marL="3429000" indent="-228600" eaLnBrk="0" fontAlgn="base" hangingPunct="0">
+              <a:spcBef>
+                <a:spcPct val="0"/>
+              </a:spcBef>
+              <a:spcAft>
+                <a:spcPct val="0"/>
+              </a:spcAft>
+              <a:defRPr>
+                <a:solidFill>
+                  <a:schemeClr val="tx1"/>
+                </a:solidFill>
+                <a:latin typeface="Arial" panose="020B0604020202020204" pitchFamily="34" charset="0"/>
+                <a:cs typeface="Arial" panose="020B0604020202020204" pitchFamily="34" charset="0"/>
+              </a:defRPr>
+            </a:lvl8pPr>
+            <a:lvl9pPr marL="3886200" indent="-228600" eaLnBrk="0" fontAlgn="base" hangingPunct="0">
+              <a:spcBef>
+                <a:spcPct val="0"/>
+              </a:spcBef>
+              <a:spcAft>
+                <a:spcPct val="0"/>
+              </a:spcAft>
+              <a:defRPr>
+                <a:solidFill>
+                  <a:schemeClr val="tx1"/>
+                </a:solidFill>
+                <a:latin typeface="Arial" panose="020B0604020202020204" pitchFamily="34" charset="0"/>
+                <a:cs typeface="Arial" panose="020B0604020202020204" pitchFamily="34" charset="0"/>
+              </a:defRPr>
+            </a:lvl9pPr>
+          </a:lstStyle>
+          <a:p>
+            <a:pPr algn="r" eaLnBrk="1" hangingPunct="1"/>
+            <a:r>
+              <a:rPr lang="ru-RU" sz="2400" dirty="0" smtClean="0">
+                <a:latin typeface="Calibri" panose="020F0502020204030204" pitchFamily="34" charset="0"/>
+              </a:rPr>
+              <a:t>Справка о текущей команде</a:t>
+            </a:r>
+            <a:endParaRPr lang="en-US" sz="2400" dirty="0">
+              <a:latin typeface="Calibri" panose="020F0502020204030204" pitchFamily="34" charset="0"/>
+            </a:endParaRPr>
+          </a:p>
+        </p:txBody>
+      </p:sp>
+      <p:cxnSp>
+        <p:nvCxnSpPr>
+          <p:cNvPr id="16" name="Straight Arrow Connector 10"/>
+          <p:cNvCxnSpPr/>
+          <p:nvPr/>
+        </p:nvCxnSpPr>
+        <p:spPr>
+          <a:xfrm>
+            <a:off x="2055088" y="1459225"/>
+            <a:ext cx="892439" cy="273532"/>
+          </a:xfrm>
+          <a:prstGeom prst="straightConnector1">
+            <a:avLst/>
+          </a:prstGeom>
+          <a:ln>
+            <a:solidFill>
+              <a:srgbClr val="FF0000"/>
+            </a:solidFill>
+            <a:tailEnd type="arrow"/>
+          </a:ln>
+        </p:spPr>
+        <p:style>
+          <a:lnRef idx="2">
+            <a:schemeClr val="dk1"/>
+          </a:lnRef>
+          <a:fillRef idx="0">
+            <a:schemeClr val="dk1"/>
+          </a:fillRef>
+          <a:effectRef idx="1">
+            <a:schemeClr val="dk1"/>
+          </a:effectRef>
+          <a:fontRef idx="minor">
+            <a:schemeClr val="tx1"/>
+          </a:fontRef>
+        </p:style>
+      </p:cxnSp>
+      <p:cxnSp>
+        <p:nvCxnSpPr>
+          <p:cNvPr id="17" name="Straight Arrow Connector 12"/>
+          <p:cNvCxnSpPr/>
+          <p:nvPr/>
+        </p:nvCxnSpPr>
+        <p:spPr>
+          <a:xfrm flipH="1">
+            <a:off x="8334834" y="1376722"/>
+            <a:ext cx="809166" cy="356035"/>
+          </a:xfrm>
+          <a:prstGeom prst="straightConnector1">
+            <a:avLst/>
+          </a:prstGeom>
+          <a:ln>
+            <a:solidFill>
+              <a:srgbClr val="FF0000"/>
+            </a:solidFill>
+            <a:tailEnd type="arrow"/>
+          </a:ln>
+        </p:spPr>
+        <p:style>
+          <a:lnRef idx="2">
+            <a:schemeClr val="dk1"/>
+          </a:lnRef>
+          <a:fillRef idx="0">
+            <a:schemeClr val="dk1"/>
+          </a:fillRef>
+          <a:effectRef idx="1">
+            <a:schemeClr val="dk1"/>
+          </a:effectRef>
+          <a:fontRef idx="minor">
+            <a:schemeClr val="tx1"/>
+          </a:fontRef>
+        </p:style>
+      </p:cxnSp>
+      <p:sp>
+        <p:nvSpPr>
+          <p:cNvPr id="21" name="Oval 21"/>
+          <p:cNvSpPr/>
+          <p:nvPr/>
+        </p:nvSpPr>
+        <p:spPr>
+          <a:xfrm>
+            <a:off x="2912686" y="1596366"/>
+            <a:ext cx="2133600" cy="392907"/>
+          </a:xfrm>
+          <a:prstGeom prst="ellipse">
+            <a:avLst/>
+          </a:prstGeom>
+          <a:noFill/>
+          <a:ln>
+            <a:solidFill>
+              <a:srgbClr val="FF0000"/>
+            </a:solidFill>
+          </a:ln>
+        </p:spPr>
+        <p:style>
+          <a:lnRef idx="2">
+            <a:schemeClr val="accent1">
+              <a:shade val="50000"/>
+            </a:schemeClr>
+          </a:lnRef>
+          <a:fillRef idx="1">
+            <a:schemeClr val="accent1"/>
+          </a:fillRef>
+          <a:effectRef idx="0">
+            <a:schemeClr val="accent1"/>
+          </a:effectRef>
+          <a:fontRef idx="minor">
+            <a:schemeClr val="lt1"/>
+          </a:fontRef>
+        </p:style>
+        <p:txBody>
+          <a:bodyPr anchor="ctr"/>
+          <a:lstStyle/>
+          <a:p>
+            <a:pPr algn="ctr">
+              <a:defRPr/>
+            </a:pPr>
+            <a:endParaRPr lang="en-US"/>
+          </a:p>
+        </p:txBody>
+      </p:sp>
+      <p:sp>
+        <p:nvSpPr>
+          <p:cNvPr id="22" name="Oval 22"/>
+          <p:cNvSpPr/>
+          <p:nvPr/>
+        </p:nvSpPr>
+        <p:spPr>
+          <a:xfrm>
+            <a:off x="4825430" y="3960949"/>
+            <a:ext cx="3763766" cy="738747"/>
+          </a:xfrm>
+          <a:prstGeom prst="ellipse">
+            <a:avLst/>
+          </a:prstGeom>
+          <a:noFill/>
+          <a:ln>
+            <a:solidFill>
+              <a:srgbClr val="FF0000"/>
+            </a:solidFill>
+          </a:ln>
+        </p:spPr>
+        <p:style>
+          <a:lnRef idx="2">
+            <a:schemeClr val="accent1">
+              <a:shade val="50000"/>
+            </a:schemeClr>
+          </a:lnRef>
+          <a:fillRef idx="1">
+            <a:schemeClr val="accent1"/>
+          </a:fillRef>
+          <a:effectRef idx="0">
+            <a:schemeClr val="accent1"/>
+          </a:effectRef>
+          <a:fontRef idx="minor">
+            <a:schemeClr val="lt1"/>
+          </a:fontRef>
+        </p:style>
+        <p:txBody>
+          <a:bodyPr anchor="ctr"/>
+          <a:lstStyle/>
+          <a:p>
+            <a:pPr algn="ctr">
+              <a:defRPr/>
+            </a:pPr>
+            <a:endParaRPr lang="en-US"/>
+          </a:p>
+        </p:txBody>
+      </p:sp>
+      <p:sp>
+        <p:nvSpPr>
+          <p:cNvPr id="23" name="Oval 23"/>
+          <p:cNvSpPr/>
+          <p:nvPr/>
+        </p:nvSpPr>
+        <p:spPr>
+          <a:xfrm>
+            <a:off x="2947527" y="4953849"/>
+            <a:ext cx="6268392" cy="1350907"/>
+          </a:xfrm>
+          <a:prstGeom prst="ellipse">
+            <a:avLst/>
+          </a:prstGeom>
+          <a:noFill/>
+          <a:ln>
+            <a:solidFill>
+              <a:srgbClr val="FF0000"/>
+            </a:solidFill>
+          </a:ln>
+        </p:spPr>
+        <p:style>
+          <a:lnRef idx="2">
+            <a:schemeClr val="accent1">
+              <a:shade val="50000"/>
+            </a:schemeClr>
+          </a:lnRef>
+          <a:fillRef idx="1">
+            <a:schemeClr val="accent1"/>
+          </a:fillRef>
+          <a:effectRef idx="0">
+            <a:schemeClr val="accent1"/>
+          </a:effectRef>
+          <a:fontRef idx="minor">
+            <a:schemeClr val="lt1"/>
+          </a:fontRef>
+        </p:style>
+        <p:txBody>
+          <a:bodyPr anchor="ctr"/>
+          <a:lstStyle/>
+          <a:p>
+            <a:pPr algn="ctr">
+              <a:defRPr/>
+            </a:pPr>
+            <a:endParaRPr lang="en-US"/>
+          </a:p>
+        </p:txBody>
+      </p:sp>
+      <p:cxnSp>
+        <p:nvCxnSpPr>
+          <p:cNvPr id="24" name="Straight Arrow Connector 25"/>
+          <p:cNvCxnSpPr/>
+          <p:nvPr/>
+        </p:nvCxnSpPr>
+        <p:spPr>
+          <a:xfrm flipH="1" flipV="1">
+            <a:off x="8539697" y="4373124"/>
+            <a:ext cx="1129851" cy="388225"/>
+          </a:xfrm>
+          <a:prstGeom prst="straightConnector1">
+            <a:avLst/>
+          </a:prstGeom>
+          <a:ln>
+            <a:solidFill>
+              <a:srgbClr val="FF0000"/>
+            </a:solidFill>
+            <a:tailEnd type="arrow"/>
+          </a:ln>
+        </p:spPr>
+        <p:style>
+          <a:lnRef idx="2">
+            <a:schemeClr val="accent3"/>
+          </a:lnRef>
+          <a:fillRef idx="0">
+            <a:schemeClr val="accent3"/>
+          </a:fillRef>
+          <a:effectRef idx="1">
+            <a:schemeClr val="accent3"/>
+          </a:effectRef>
+          <a:fontRef idx="minor">
+            <a:schemeClr val="tx1"/>
+          </a:fontRef>
+        </p:style>
+      </p:cxnSp>
+      <p:cxnSp>
+        <p:nvCxnSpPr>
+          <p:cNvPr id="25" name="Straight Arrow Connector 27"/>
+          <p:cNvCxnSpPr>
+            <a:stCxn id="15" idx="3"/>
+          </p:cNvCxnSpPr>
+          <p:nvPr/>
+        </p:nvCxnSpPr>
+        <p:spPr>
+          <a:xfrm>
+            <a:off x="2055088" y="5704592"/>
+            <a:ext cx="1024540" cy="142155"/>
+          </a:xfrm>
+          <a:prstGeom prst="straightConnector1">
+            <a:avLst/>
+          </a:prstGeom>
+          <a:ln>
+            <a:solidFill>
+              <a:srgbClr val="FF0000"/>
+            </a:solidFill>
+            <a:tailEnd type="arrow"/>
+          </a:ln>
+        </p:spPr>
+        <p:style>
+          <a:lnRef idx="2">
+            <a:schemeClr val="accent3"/>
+          </a:lnRef>
+          <a:fillRef idx="0">
+            <a:schemeClr val="accent3"/>
+          </a:fillRef>
+          <a:effectRef idx="1">
+            <a:schemeClr val="accent3"/>
+          </a:effectRef>
+          <a:fontRef idx="minor">
+            <a:schemeClr val="tx1"/>
+          </a:fontRef>
+        </p:style>
+      </p:cxnSp>
+    </p:spTree>
+    <p:extLst>
+      <p:ext uri="{BB962C8B-B14F-4D97-AF65-F5344CB8AC3E}">
+        <p14:creationId xmlns:p14="http://schemas.microsoft.com/office/powerpoint/2010/main" val="1544139571"/>
+      </p:ext>
+    </p:extLst>
+  </p:cSld>
+  <p:clrMapOvr>
+    <a:masterClrMapping/>
+  </p:clrMapOvr>
+  <p:timing>
+    <p:tnLst>
+      <p:par>
+        <p:cTn id="1" dur="indefinite" restart="never" nodeType="tmRoot"/>
+      </p:par>
+    </p:tnLst>
+  </p:timing>
+</p:sld>
+</file>
+
+<file path=ppt/slides/slide18.xml><?xml version="1.0" encoding="utf-8"?>
+<p:sld xmlns:a="http://schemas.openxmlformats.org/drawingml/2006/main" xmlns:r="http://schemas.openxmlformats.org/officeDocument/2006/relationships" xmlns:p="http://schemas.openxmlformats.org/presentationml/2006/main">
+  <p:cSld>
+    <p:spTree>
+      <p:nvGrpSpPr>
+        <p:cNvPr id="1" name=""/>
+        <p:cNvGrpSpPr/>
+        <p:nvPr/>
+      </p:nvGrpSpPr>
+      <p:grpSpPr>
+        <a:xfrm>
+          <a:off x="0" y="0"/>
+          <a:ext cx="0" cy="0"/>
+          <a:chOff x="0" y="0"/>
+          <a:chExt cx="0" cy="0"/>
+        </a:xfrm>
+      </p:grpSpPr>
+      <p:sp>
+        <p:nvSpPr>
+          <p:cNvPr id="2" name="Заголовок 1"/>
+          <p:cNvSpPr>
+            <a:spLocks noGrp="1"/>
+          </p:cNvSpPr>
+          <p:nvPr>
+            <p:ph type="title"/>
+          </p:nvPr>
+        </p:nvSpPr>
+        <p:spPr/>
+        <p:txBody>
+          <a:bodyPr/>
+          <a:lstStyle/>
+          <a:p>
+            <a:r>
+              <a:rPr lang="ru-RU" dirty="0" smtClean="0"/>
+              <a:t>Практика</a:t>
+            </a:r>
+            <a:endParaRPr lang="ru-RU" dirty="0"/>
+          </a:p>
+        </p:txBody>
+      </p:sp>
+      <p:sp>
+        <p:nvSpPr>
+          <p:cNvPr id="3" name="Объект 2"/>
+          <p:cNvSpPr>
+            <a:spLocks noGrp="1"/>
+          </p:cNvSpPr>
+          <p:nvPr>
+            <p:ph sz="quarter" idx="10"/>
+          </p:nvPr>
+        </p:nvSpPr>
+        <p:spPr/>
+        <p:txBody>
+          <a:bodyPr/>
+          <a:lstStyle/>
+          <a:p>
+            <a:pPr marL="0" indent="0">
+              <a:buNone/>
+            </a:pPr>
+            <a:r>
+              <a:rPr lang="ru-RU" dirty="0" smtClean="0"/>
+              <a:t>Тестирование калькулятор</a:t>
+            </a:r>
+          </a:p>
+          <a:p>
+            <a:pPr marL="514350" indent="-514350">
+              <a:buFont typeface="+mj-lt"/>
+              <a:buAutoNum type="arabicPeriod"/>
+            </a:pPr>
+            <a:r>
+              <a:rPr lang="ru-RU" dirty="0" smtClean="0"/>
+              <a:t>Открыть </a:t>
+            </a:r>
+            <a:r>
+              <a:rPr lang="en-US" dirty="0" smtClean="0"/>
+              <a:t>Firefox</a:t>
+            </a:r>
+          </a:p>
+          <a:p>
+            <a:pPr marL="514350" indent="-514350">
+              <a:buFont typeface="+mj-lt"/>
+              <a:buAutoNum type="arabicPeriod"/>
+            </a:pPr>
+            <a:r>
+              <a:rPr lang="ru-RU" dirty="0" smtClean="0"/>
+              <a:t>В адресной строке указать </a:t>
+            </a:r>
+            <a:r>
+              <a:rPr lang="en-US" dirty="0" smtClean="0">
+                <a:hlinkClick r:id="rId2"/>
+              </a:rPr>
+              <a:t>http://comp16-01</a:t>
+            </a:r>
+            <a:endParaRPr lang="en-US" dirty="0" smtClean="0"/>
+          </a:p>
+          <a:p>
+            <a:pPr marL="514350" indent="-514350">
+              <a:buFont typeface="+mj-lt"/>
+              <a:buAutoNum type="arabicPeriod"/>
+            </a:pPr>
+            <a:r>
+              <a:rPr lang="ru-RU" dirty="0" smtClean="0"/>
+              <a:t>Выполнить тестирование в соответствии с инструкциями</a:t>
+            </a:r>
+            <a:endParaRPr lang="en-US" dirty="0" smtClean="0"/>
+          </a:p>
+          <a:p>
+            <a:pPr marL="514350" indent="-514350">
+              <a:buFont typeface="+mj-lt"/>
+              <a:buAutoNum type="arabicPeriod"/>
+            </a:pPr>
+            <a:endParaRPr lang="ru-RU" dirty="0"/>
+          </a:p>
+        </p:txBody>
+      </p:sp>
+    </p:spTree>
+    <p:extLst>
+      <p:ext uri="{BB962C8B-B14F-4D97-AF65-F5344CB8AC3E}">
+        <p14:creationId xmlns:p14="http://schemas.microsoft.com/office/powerpoint/2010/main" val="350599608"/>
+      </p:ext>
+    </p:extLst>
+  </p:cSld>
+  <p:clrMapOvr>
+    <a:masterClrMapping/>
+  </p:clrMapOvr>
+  <p:timing>
+    <p:tnLst>
+      <p:par>
+        <p:cTn id="1" dur="indefinite" restart="never" nodeType="tmRoot"/>
+      </p:par>
+    </p:tnLst>
+  </p:timing>
+</p:sld>
+</file>
+
+<file path=ppt/slides/slide19.xml><?xml version="1.0" encoding="utf-8"?>
 <p:sld xmlns:a="http://schemas.openxmlformats.org/drawingml/2006/main" xmlns:r="http://schemas.openxmlformats.org/officeDocument/2006/relationships" xmlns:p="http://schemas.openxmlformats.org/presentationml/2006/main">
   <p:cSld>
     <p:spTree>
@@ -5884,7 +9875,439 @@
 </p:sld>
 </file>
 
-<file path=ppt/slides/slide11.xml><?xml version="1.0" encoding="utf-8"?>
+<file path=ppt/slides/slide2.xml><?xml version="1.0" encoding="utf-8"?>
+<p:sld xmlns:a="http://schemas.openxmlformats.org/drawingml/2006/main" xmlns:r="http://schemas.openxmlformats.org/officeDocument/2006/relationships" xmlns:p="http://schemas.openxmlformats.org/presentationml/2006/main">
+  <p:cSld>
+    <p:spTree>
+      <p:nvGrpSpPr>
+        <p:cNvPr id="1" name=""/>
+        <p:cNvGrpSpPr/>
+        <p:nvPr/>
+      </p:nvGrpSpPr>
+      <p:grpSpPr>
+        <a:xfrm>
+          <a:off x="0" y="0"/>
+          <a:ext cx="0" cy="0"/>
+          <a:chOff x="0" y="0"/>
+          <a:chExt cx="0" cy="0"/>
+        </a:xfrm>
+      </p:grpSpPr>
+      <p:sp>
+        <p:nvSpPr>
+          <p:cNvPr id="12" name="Заголовок 11"/>
+          <p:cNvSpPr>
+            <a:spLocks noGrp="1"/>
+          </p:cNvSpPr>
+          <p:nvPr>
+            <p:ph type="title"/>
+          </p:nvPr>
+        </p:nvSpPr>
+        <p:spPr/>
+        <p:txBody>
+          <a:bodyPr/>
+          <a:lstStyle/>
+          <a:p>
+            <a:r>
+              <a:rPr lang="ru-RU" dirty="0" smtClean="0"/>
+              <a:t>Определение тестирования</a:t>
+            </a:r>
+            <a:endParaRPr lang="ru-RU" dirty="0"/>
+          </a:p>
+        </p:txBody>
+      </p:sp>
+      <p:sp>
+        <p:nvSpPr>
+          <p:cNvPr id="4" name="Прямоугольник 3"/>
+          <p:cNvSpPr/>
+          <p:nvPr/>
+        </p:nvSpPr>
+        <p:spPr>
+          <a:xfrm>
+            <a:off x="2039257" y="1988841"/>
+            <a:ext cx="8136904" cy="1833835"/>
+          </a:xfrm>
+          <a:prstGeom prst="rect">
+            <a:avLst/>
+          </a:prstGeom>
+        </p:spPr>
+        <p:txBody>
+          <a:bodyPr wrap="square">
+            <a:spAutoFit/>
+          </a:bodyPr>
+          <a:lstStyle/>
+          <a:p>
+            <a:pPr>
+              <a:tabLst>
+                <a:tab pos="446088" algn="l"/>
+                <a:tab pos="895350" algn="l"/>
+                <a:tab pos="1344613" algn="l"/>
+                <a:tab pos="1793875" algn="l"/>
+                <a:tab pos="2243138" algn="l"/>
+                <a:tab pos="2692400" algn="l"/>
+                <a:tab pos="3141663" algn="l"/>
+                <a:tab pos="3590925" algn="l"/>
+                <a:tab pos="4040188" algn="l"/>
+                <a:tab pos="4489450" algn="l"/>
+                <a:tab pos="4938713" algn="l"/>
+                <a:tab pos="5387975" algn="l"/>
+                <a:tab pos="5837238" algn="l"/>
+                <a:tab pos="6286500" algn="l"/>
+                <a:tab pos="6735763" algn="l"/>
+                <a:tab pos="7185025" algn="l"/>
+                <a:tab pos="7634288" algn="l"/>
+                <a:tab pos="8083550" algn="l"/>
+                <a:tab pos="8532813" algn="l"/>
+                <a:tab pos="8982075" algn="l"/>
+              </a:tabLst>
+            </a:pPr>
+            <a:endParaRPr lang="ru-RU" altLang="ru-RU" dirty="0">
+              <a:latin typeface="Verdana" pitchFamily="34" charset="0"/>
+            </a:endParaRPr>
+          </a:p>
+          <a:p>
+            <a:pPr>
+              <a:tabLst>
+                <a:tab pos="446088" algn="l"/>
+                <a:tab pos="895350" algn="l"/>
+                <a:tab pos="1344613" algn="l"/>
+                <a:tab pos="1793875" algn="l"/>
+                <a:tab pos="2243138" algn="l"/>
+                <a:tab pos="2692400" algn="l"/>
+                <a:tab pos="3141663" algn="l"/>
+                <a:tab pos="3590925" algn="l"/>
+                <a:tab pos="4040188" algn="l"/>
+                <a:tab pos="4489450" algn="l"/>
+                <a:tab pos="4938713" algn="l"/>
+                <a:tab pos="5387975" algn="l"/>
+                <a:tab pos="5837238" algn="l"/>
+                <a:tab pos="6286500" algn="l"/>
+                <a:tab pos="6735763" algn="l"/>
+                <a:tab pos="7185025" algn="l"/>
+                <a:tab pos="7634288" algn="l"/>
+                <a:tab pos="8083550" algn="l"/>
+                <a:tab pos="8532813" algn="l"/>
+                <a:tab pos="8982075" algn="l"/>
+              </a:tabLst>
+            </a:pPr>
+            <a:endParaRPr lang="ru-RU" sz="2400" b="1" dirty="0">
+              <a:solidFill>
+                <a:srgbClr val="92D050"/>
+              </a:solidFill>
+            </a:endParaRPr>
+          </a:p>
+          <a:p>
+            <a:pPr>
+              <a:tabLst>
+                <a:tab pos="446088" algn="l"/>
+                <a:tab pos="895350" algn="l"/>
+                <a:tab pos="1344613" algn="l"/>
+                <a:tab pos="1793875" algn="l"/>
+                <a:tab pos="2243138" algn="l"/>
+                <a:tab pos="2692400" algn="l"/>
+                <a:tab pos="3141663" algn="l"/>
+                <a:tab pos="3590925" algn="l"/>
+                <a:tab pos="4040188" algn="l"/>
+                <a:tab pos="4489450" algn="l"/>
+                <a:tab pos="4938713" algn="l"/>
+                <a:tab pos="5387975" algn="l"/>
+                <a:tab pos="5837238" algn="l"/>
+                <a:tab pos="6286500" algn="l"/>
+                <a:tab pos="6735763" algn="l"/>
+                <a:tab pos="7185025" algn="l"/>
+                <a:tab pos="7634288" algn="l"/>
+                <a:tab pos="8083550" algn="l"/>
+                <a:tab pos="8532813" algn="l"/>
+                <a:tab pos="8982075" algn="l"/>
+              </a:tabLst>
+            </a:pPr>
+            <a:endParaRPr lang="ru-RU" altLang="ru-RU" sz="2400" dirty="0">
+              <a:solidFill>
+                <a:srgbClr val="92D050"/>
+              </a:solidFill>
+              <a:latin typeface="Verdana" pitchFamily="34" charset="0"/>
+            </a:endParaRPr>
+          </a:p>
+          <a:p>
+            <a:pPr marL="342900" indent="-342900">
+              <a:spcBef>
+                <a:spcPts val="475"/>
+              </a:spcBef>
+              <a:buFont typeface="Arial" panose="020B0604020202020204" pitchFamily="34" charset="0"/>
+              <a:buChar char="•"/>
+              <a:tabLst>
+                <a:tab pos="446088" algn="l"/>
+                <a:tab pos="895350" algn="l"/>
+                <a:tab pos="1344613" algn="l"/>
+                <a:tab pos="1793875" algn="l"/>
+                <a:tab pos="2243138" algn="l"/>
+                <a:tab pos="2692400" algn="l"/>
+                <a:tab pos="3141663" algn="l"/>
+                <a:tab pos="3590925" algn="l"/>
+                <a:tab pos="4040188" algn="l"/>
+                <a:tab pos="4489450" algn="l"/>
+                <a:tab pos="4938713" algn="l"/>
+                <a:tab pos="5387975" algn="l"/>
+                <a:tab pos="5837238" algn="l"/>
+                <a:tab pos="6286500" algn="l"/>
+                <a:tab pos="6735763" algn="l"/>
+                <a:tab pos="7185025" algn="l"/>
+                <a:tab pos="7634288" algn="l"/>
+                <a:tab pos="8083550" algn="l"/>
+                <a:tab pos="8532813" algn="l"/>
+                <a:tab pos="8982075" algn="l"/>
+              </a:tabLst>
+            </a:pPr>
+            <a:endParaRPr lang="en-GB" altLang="ru-RU" sz="1900" dirty="0">
+              <a:latin typeface="Verdana" pitchFamily="34" charset="0"/>
+            </a:endParaRPr>
+          </a:p>
+          <a:p>
+            <a:endParaRPr lang="ru-RU" sz="2400" dirty="0"/>
+          </a:p>
+        </p:txBody>
+      </p:sp>
+      <p:sp>
+        <p:nvSpPr>
+          <p:cNvPr id="5" name="Прямоугольник 4"/>
+          <p:cNvSpPr/>
+          <p:nvPr/>
+        </p:nvSpPr>
+        <p:spPr>
+          <a:xfrm>
+            <a:off x="10454467" y="0"/>
+            <a:ext cx="1620243" cy="657654"/>
+          </a:xfrm>
+          <a:prstGeom prst="rect">
+            <a:avLst/>
+          </a:prstGeom>
+          <a:solidFill>
+            <a:schemeClr val="bg1"/>
+          </a:solidFill>
+          <a:ln>
+            <a:noFill/>
+          </a:ln>
+        </p:spPr>
+        <p:style>
+          <a:lnRef idx="0">
+            <a:scrgbClr r="0" g="0" b="0"/>
+          </a:lnRef>
+          <a:fillRef idx="0">
+            <a:scrgbClr r="0" g="0" b="0"/>
+          </a:fillRef>
+          <a:effectRef idx="0">
+            <a:scrgbClr r="0" g="0" b="0"/>
+          </a:effectRef>
+          <a:fontRef idx="minor">
+            <a:schemeClr val="dk1"/>
+          </a:fontRef>
+        </p:style>
+        <p:txBody>
+          <a:bodyPr rtlCol="0" anchor="ctr"/>
+          <a:lstStyle/>
+          <a:p>
+            <a:pPr algn="ctr"/>
+            <a:endParaRPr lang="ru-RU"/>
+          </a:p>
+        </p:txBody>
+      </p:sp>
+      <p:sp>
+        <p:nvSpPr>
+          <p:cNvPr id="13" name="Прямоугольник 12"/>
+          <p:cNvSpPr/>
+          <p:nvPr/>
+        </p:nvSpPr>
+        <p:spPr>
+          <a:xfrm>
+            <a:off x="606175" y="2551837"/>
+            <a:ext cx="10623479" cy="2677656"/>
+          </a:xfrm>
+          <a:prstGeom prst="rect">
+            <a:avLst/>
+          </a:prstGeom>
+        </p:spPr>
+        <p:txBody>
+          <a:bodyPr wrap="square">
+            <a:spAutoFit/>
+          </a:bodyPr>
+          <a:lstStyle/>
+          <a:p>
+            <a:pPr algn="just">
+              <a:tabLst>
+                <a:tab pos="446088" algn="l"/>
+                <a:tab pos="895350" algn="l"/>
+                <a:tab pos="1344613" algn="l"/>
+                <a:tab pos="1793875" algn="l"/>
+                <a:tab pos="2243138" algn="l"/>
+                <a:tab pos="2692400" algn="l"/>
+                <a:tab pos="3141663" algn="l"/>
+                <a:tab pos="3590925" algn="l"/>
+                <a:tab pos="4040188" algn="l"/>
+                <a:tab pos="4489450" algn="l"/>
+                <a:tab pos="4938713" algn="l"/>
+                <a:tab pos="5387975" algn="l"/>
+                <a:tab pos="5837238" algn="l"/>
+                <a:tab pos="6286500" algn="l"/>
+                <a:tab pos="6735763" algn="l"/>
+                <a:tab pos="7185025" algn="l"/>
+                <a:tab pos="7634288" algn="l"/>
+                <a:tab pos="8083550" algn="l"/>
+                <a:tab pos="8532813" algn="l"/>
+                <a:tab pos="8982075" algn="l"/>
+              </a:tabLst>
+            </a:pPr>
+            <a:r>
+              <a:rPr lang="ru-RU" sz="2800" b="1" dirty="0"/>
+              <a:t>Проверка соответствия между реальным и ожидаемым поведением программы, осуществляемая на конечном наборе тестов, выбранном определенным образом</a:t>
+            </a:r>
+            <a:r>
+              <a:rPr lang="en-GB" altLang="ru-RU" sz="2800" b="1" dirty="0">
+                <a:latin typeface="Verdana" pitchFamily="34" charset="0"/>
+              </a:rPr>
+              <a:t>	</a:t>
+            </a:r>
+            <a:endParaRPr lang="ru-RU" altLang="ru-RU" sz="2800" b="1" dirty="0">
+              <a:latin typeface="Verdana" pitchFamily="34" charset="0"/>
+            </a:endParaRPr>
+          </a:p>
+          <a:p>
+            <a:pPr algn="just">
+              <a:tabLst>
+                <a:tab pos="446088" algn="l"/>
+                <a:tab pos="895350" algn="l"/>
+                <a:tab pos="1344613" algn="l"/>
+                <a:tab pos="1793875" algn="l"/>
+                <a:tab pos="2243138" algn="l"/>
+                <a:tab pos="2692400" algn="l"/>
+                <a:tab pos="3141663" algn="l"/>
+                <a:tab pos="3590925" algn="l"/>
+                <a:tab pos="4040188" algn="l"/>
+                <a:tab pos="4489450" algn="l"/>
+                <a:tab pos="4938713" algn="l"/>
+                <a:tab pos="5387975" algn="l"/>
+                <a:tab pos="5837238" algn="l"/>
+                <a:tab pos="6286500" algn="l"/>
+                <a:tab pos="6735763" algn="l"/>
+                <a:tab pos="7185025" algn="l"/>
+                <a:tab pos="7634288" algn="l"/>
+                <a:tab pos="8083550" algn="l"/>
+                <a:tab pos="8532813" algn="l"/>
+                <a:tab pos="8982075" algn="l"/>
+              </a:tabLst>
+            </a:pPr>
+            <a:endParaRPr lang="ru-RU" altLang="ru-RU" sz="2800" b="1" dirty="0">
+              <a:latin typeface="Verdana" pitchFamily="34" charset="0"/>
+            </a:endParaRPr>
+          </a:p>
+          <a:p>
+            <a:pPr algn="just">
+              <a:tabLst>
+                <a:tab pos="446088" algn="l"/>
+                <a:tab pos="895350" algn="l"/>
+                <a:tab pos="1344613" algn="l"/>
+                <a:tab pos="1793875" algn="l"/>
+                <a:tab pos="2243138" algn="l"/>
+                <a:tab pos="2692400" algn="l"/>
+                <a:tab pos="3141663" algn="l"/>
+                <a:tab pos="3590925" algn="l"/>
+                <a:tab pos="4040188" algn="l"/>
+                <a:tab pos="4489450" algn="l"/>
+                <a:tab pos="4938713" algn="l"/>
+                <a:tab pos="5387975" algn="l"/>
+                <a:tab pos="5837238" algn="l"/>
+                <a:tab pos="6286500" algn="l"/>
+                <a:tab pos="6735763" algn="l"/>
+                <a:tab pos="7185025" algn="l"/>
+                <a:tab pos="7634288" algn="l"/>
+                <a:tab pos="8083550" algn="l"/>
+                <a:tab pos="8532813" algn="l"/>
+                <a:tab pos="8982075" algn="l"/>
+              </a:tabLst>
+            </a:pPr>
+            <a:r>
+              <a:rPr lang="ru-RU" sz="2800" i="1" dirty="0"/>
+              <a:t>[IEEE </a:t>
+            </a:r>
+            <a:r>
+              <a:rPr lang="ru-RU" sz="2800" i="1" dirty="0" err="1"/>
+              <a:t>Guide</a:t>
+            </a:r>
+            <a:r>
+              <a:rPr lang="ru-RU" sz="2800" i="1" dirty="0"/>
+              <a:t> </a:t>
+            </a:r>
+            <a:r>
+              <a:rPr lang="ru-RU" sz="2800" i="1" dirty="0" err="1"/>
+              <a:t>to</a:t>
+            </a:r>
+            <a:r>
+              <a:rPr lang="ru-RU" sz="2800" i="1" dirty="0"/>
+              <a:t> </a:t>
+            </a:r>
+            <a:r>
+              <a:rPr lang="ru-RU" sz="2800" i="1" dirty="0" err="1"/>
+              <a:t>Software</a:t>
+            </a:r>
+            <a:r>
+              <a:rPr lang="ru-RU" sz="2800" i="1" dirty="0"/>
+              <a:t> </a:t>
+            </a:r>
+            <a:r>
+              <a:rPr lang="ru-RU" sz="2800" i="1" dirty="0" err="1"/>
+              <a:t>Engineering</a:t>
+            </a:r>
+            <a:r>
+              <a:rPr lang="ru-RU" sz="2800" i="1" dirty="0"/>
+              <a:t> </a:t>
+            </a:r>
+            <a:r>
+              <a:rPr lang="ru-RU" sz="2800" i="1" dirty="0" err="1"/>
+              <a:t>Body</a:t>
+            </a:r>
+            <a:r>
+              <a:rPr lang="ru-RU" sz="2800" i="1" dirty="0"/>
+              <a:t> </a:t>
+            </a:r>
+            <a:r>
+              <a:rPr lang="ru-RU" sz="2800" i="1" dirty="0" err="1"/>
+              <a:t>of</a:t>
+            </a:r>
+            <a:r>
+              <a:rPr lang="ru-RU" sz="2800" i="1" dirty="0"/>
+              <a:t> </a:t>
+            </a:r>
+            <a:r>
+              <a:rPr lang="ru-RU" sz="2800" i="1" dirty="0" err="1"/>
+              <a:t>Knowledge</a:t>
+            </a:r>
+            <a:r>
+              <a:rPr lang="ru-RU" sz="2800" i="1" dirty="0"/>
+              <a:t>, SWEBOK, 2004]</a:t>
+            </a:r>
+            <a:endParaRPr lang="ru-RU" sz="2800" i="1" dirty="0"/>
+          </a:p>
+        </p:txBody>
+      </p:sp>
+    </p:spTree>
+    <p:extLst>
+      <p:ext uri="{BB962C8B-B14F-4D97-AF65-F5344CB8AC3E}">
+        <p14:creationId xmlns:p14="http://schemas.microsoft.com/office/powerpoint/2010/main" val="3442880744"/>
+      </p:ext>
+    </p:extLst>
+  </p:cSld>
+  <p:clrMapOvr>
+    <a:masterClrMapping/>
+  </p:clrMapOvr>
+  <p:timing>
+    <p:tnLst>
+      <p:par>
+        <p:cTn id="1" dur="indefinite" restart="never" nodeType="tmRoot"/>
+      </p:par>
+    </p:tnLst>
+  </p:timing>
+</p:sld>
+</file>
+
+<file path=ppt/slides/slide20.xml><?xml version="1.0" encoding="utf-8"?>
 <p:sld xmlns:a="http://schemas.openxmlformats.org/drawingml/2006/main" xmlns:r="http://schemas.openxmlformats.org/officeDocument/2006/relationships" xmlns:p="http://schemas.openxmlformats.org/presentationml/2006/main">
   <p:cSld>
     <p:spTree>
@@ -6051,7 +10474,7 @@
 </p:sld>
 </file>
 
-<file path=ppt/slides/slide12.xml><?xml version="1.0" encoding="utf-8"?>
+<file path=ppt/slides/slide21.xml><?xml version="1.0" encoding="utf-8"?>
 <p:sld xmlns:a="http://schemas.openxmlformats.org/drawingml/2006/main" xmlns:r="http://schemas.openxmlformats.org/officeDocument/2006/relationships" xmlns:p="http://schemas.openxmlformats.org/presentationml/2006/main">
   <p:cSld>
     <p:spTree>
@@ -6204,7 +10627,7 @@
 </p:sld>
 </file>
 
-<file path=ppt/slides/slide13.xml><?xml version="1.0" encoding="utf-8"?>
+<file path=ppt/slides/slide22.xml><?xml version="1.0" encoding="utf-8"?>
 <p:sld xmlns:a="http://schemas.openxmlformats.org/drawingml/2006/main" xmlns:r="http://schemas.openxmlformats.org/officeDocument/2006/relationships" xmlns:p="http://schemas.openxmlformats.org/presentationml/2006/main">
   <p:cSld>
     <p:spTree>
@@ -6357,7 +10780,7 @@
 </p:sld>
 </file>
 
-<file path=ppt/slides/slide14.xml><?xml version="1.0" encoding="utf-8"?>
+<file path=ppt/slides/slide23.xml><?xml version="1.0" encoding="utf-8"?>
 <p:sld xmlns:a="http://schemas.openxmlformats.org/drawingml/2006/main" xmlns:r="http://schemas.openxmlformats.org/officeDocument/2006/relationships" xmlns:p="http://schemas.openxmlformats.org/presentationml/2006/main">
   <p:cSld>
     <p:spTree>
@@ -6628,7 +11051,3084 @@
 </p:sld>
 </file>
 
-<file path=ppt/slides/slide2.xml><?xml version="1.0" encoding="utf-8"?>
+<file path=ppt/slides/slide3.xml><?xml version="1.0" encoding="utf-8"?>
+<p:sld xmlns:a="http://schemas.openxmlformats.org/drawingml/2006/main" xmlns:r="http://schemas.openxmlformats.org/officeDocument/2006/relationships" xmlns:p="http://schemas.openxmlformats.org/presentationml/2006/main">
+  <p:cSld>
+    <p:spTree>
+      <p:nvGrpSpPr>
+        <p:cNvPr id="1" name=""/>
+        <p:cNvGrpSpPr/>
+        <p:nvPr/>
+      </p:nvGrpSpPr>
+      <p:grpSpPr>
+        <a:xfrm>
+          <a:off x="0" y="0"/>
+          <a:ext cx="0" cy="0"/>
+          <a:chOff x="0" y="0"/>
+          <a:chExt cx="0" cy="0"/>
+        </a:xfrm>
+      </p:grpSpPr>
+      <p:sp>
+        <p:nvSpPr>
+          <p:cNvPr id="2" name="Заголовок 1"/>
+          <p:cNvSpPr>
+            <a:spLocks noGrp="1"/>
+          </p:cNvSpPr>
+          <p:nvPr>
+            <p:ph type="title"/>
+          </p:nvPr>
+        </p:nvSpPr>
+        <p:spPr>
+          <a:xfrm>
+            <a:off x="513006" y="44780"/>
+            <a:ext cx="8463314" cy="1439850"/>
+          </a:xfrm>
+        </p:spPr>
+        <p:txBody>
+          <a:bodyPr/>
+          <a:lstStyle/>
+          <a:p>
+            <a:r>
+              <a:rPr lang="ru-RU" dirty="0" smtClean="0">
+                <a:solidFill>
+                  <a:schemeClr val="tx1"/>
+                </a:solidFill>
+              </a:rPr>
+              <a:t>Общая схема тестирования:</a:t>
+            </a:r>
+            <a:endParaRPr lang="ru-RU" dirty="0">
+              <a:solidFill>
+                <a:schemeClr val="tx1"/>
+              </a:solidFill>
+            </a:endParaRPr>
+          </a:p>
+        </p:txBody>
+      </p:sp>
+      <p:sp>
+        <p:nvSpPr>
+          <p:cNvPr id="3" name="Номер слайда 2"/>
+          <p:cNvSpPr>
+            <a:spLocks noGrp="1"/>
+          </p:cNvSpPr>
+          <p:nvPr>
+            <p:ph type="sldNum" sz="quarter" idx="10"/>
+          </p:nvPr>
+        </p:nvSpPr>
+        <p:spPr/>
+        <p:txBody>
+          <a:bodyPr/>
+          <a:lstStyle/>
+          <a:p>
+            <a:fld id="{70B1D065-145A-42F8-98FF-D61AC7950D71}" type="slidenum">
+              <a:rPr lang="ru-RU" smtClean="0"/>
+              <a:pPr/>
+              <a:t>3</a:t>
+            </a:fld>
+            <a:endParaRPr lang="ru-RU" dirty="0"/>
+          </a:p>
+        </p:txBody>
+      </p:sp>
+      <p:sp>
+        <p:nvSpPr>
+          <p:cNvPr id="4" name="Прямоугольник 3"/>
+          <p:cNvSpPr/>
+          <p:nvPr/>
+        </p:nvSpPr>
+        <p:spPr>
+          <a:xfrm>
+            <a:off x="2063552" y="1767007"/>
+            <a:ext cx="8136904" cy="754053"/>
+          </a:xfrm>
+          <a:prstGeom prst="rect">
+            <a:avLst/>
+          </a:prstGeom>
+        </p:spPr>
+        <p:txBody>
+          <a:bodyPr wrap="square">
+            <a:spAutoFit/>
+          </a:bodyPr>
+          <a:lstStyle/>
+          <a:p>
+            <a:pPr marL="342900" indent="-342900">
+              <a:spcBef>
+                <a:spcPts val="475"/>
+              </a:spcBef>
+              <a:buFont typeface="Arial" panose="020B0604020202020204" pitchFamily="34" charset="0"/>
+              <a:buChar char="•"/>
+              <a:tabLst>
+                <a:tab pos="446088" algn="l"/>
+                <a:tab pos="895350" algn="l"/>
+                <a:tab pos="1344613" algn="l"/>
+                <a:tab pos="1793875" algn="l"/>
+                <a:tab pos="2243138" algn="l"/>
+                <a:tab pos="2692400" algn="l"/>
+                <a:tab pos="3141663" algn="l"/>
+                <a:tab pos="3590925" algn="l"/>
+                <a:tab pos="4040188" algn="l"/>
+                <a:tab pos="4489450" algn="l"/>
+                <a:tab pos="4938713" algn="l"/>
+                <a:tab pos="5387975" algn="l"/>
+                <a:tab pos="5837238" algn="l"/>
+                <a:tab pos="6286500" algn="l"/>
+                <a:tab pos="6735763" algn="l"/>
+                <a:tab pos="7185025" algn="l"/>
+                <a:tab pos="7634288" algn="l"/>
+                <a:tab pos="8083550" algn="l"/>
+                <a:tab pos="8532813" algn="l"/>
+                <a:tab pos="8982075" algn="l"/>
+              </a:tabLst>
+            </a:pPr>
+            <a:endParaRPr lang="en-GB" altLang="ru-RU" sz="1900" dirty="0">
+              <a:latin typeface="Verdana" pitchFamily="34" charset="0"/>
+            </a:endParaRPr>
+          </a:p>
+          <a:p>
+            <a:endParaRPr lang="ru-RU" sz="2400" dirty="0"/>
+          </a:p>
+        </p:txBody>
+      </p:sp>
+      <p:sp>
+        <p:nvSpPr>
+          <p:cNvPr id="6" name="Прямоугольник 5"/>
+          <p:cNvSpPr/>
+          <p:nvPr/>
+        </p:nvSpPr>
+        <p:spPr>
+          <a:xfrm>
+            <a:off x="2207568" y="1767006"/>
+            <a:ext cx="7560840" cy="369332"/>
+          </a:xfrm>
+          <a:prstGeom prst="rect">
+            <a:avLst/>
+          </a:prstGeom>
+        </p:spPr>
+        <p:txBody>
+          <a:bodyPr wrap="square">
+            <a:spAutoFit/>
+          </a:bodyPr>
+          <a:lstStyle/>
+          <a:p>
+            <a:endParaRPr lang="ru-RU" dirty="0"/>
+          </a:p>
+        </p:txBody>
+      </p:sp>
+      <p:pic>
+        <p:nvPicPr>
+          <p:cNvPr id="1031" name="Picture 7" descr="C:\Users\оксана\Downloads\barancev_basic_about_testing_004.jpg"/>
+          <p:cNvPicPr>
+            <a:picLocks noChangeAspect="1" noChangeArrowheads="1"/>
+          </p:cNvPicPr>
+          <p:nvPr/>
+        </p:nvPicPr>
+        <p:blipFill>
+          <a:blip r:embed="rId3">
+            <a:extLst>
+              <a:ext uri="{28A0092B-C50C-407E-A947-70E740481C1C}">
+                <a14:useLocalDpi xmlns:a14="http://schemas.microsoft.com/office/drawing/2010/main" val="0"/>
+              </a:ext>
+            </a:extLst>
+          </a:blip>
+          <a:srcRect/>
+          <a:stretch>
+            <a:fillRect/>
+          </a:stretch>
+        </p:blipFill>
+        <p:spPr bwMode="auto">
+          <a:xfrm>
+            <a:off x="2629798" y="1951672"/>
+            <a:ext cx="6531446" cy="3818933"/>
+          </a:xfrm>
+          <a:prstGeom prst="rect">
+            <a:avLst/>
+          </a:prstGeom>
+          <a:noFill/>
+          <a:extLst>
+            <a:ext uri="{909E8E84-426E-40DD-AFC4-6F175D3DCCD1}">
+              <a14:hiddenFill xmlns:a14="http://schemas.microsoft.com/office/drawing/2010/main">
+                <a:solidFill>
+                  <a:srgbClr val="FFFFFF"/>
+                </a:solidFill>
+              </a14:hiddenFill>
+            </a:ext>
+          </a:extLst>
+        </p:spPr>
+      </p:pic>
+      <p:sp>
+        <p:nvSpPr>
+          <p:cNvPr id="7" name="Прямоугольник 6"/>
+          <p:cNvSpPr/>
+          <p:nvPr/>
+        </p:nvSpPr>
+        <p:spPr>
+          <a:xfrm>
+            <a:off x="8976320" y="107051"/>
+            <a:ext cx="1620243" cy="657654"/>
+          </a:xfrm>
+          <a:prstGeom prst="rect">
+            <a:avLst/>
+          </a:prstGeom>
+          <a:solidFill>
+            <a:schemeClr val="bg1"/>
+          </a:solidFill>
+          <a:ln>
+            <a:noFill/>
+          </a:ln>
+        </p:spPr>
+        <p:style>
+          <a:lnRef idx="0">
+            <a:scrgbClr r="0" g="0" b="0"/>
+          </a:lnRef>
+          <a:fillRef idx="0">
+            <a:scrgbClr r="0" g="0" b="0"/>
+          </a:fillRef>
+          <a:effectRef idx="0">
+            <a:scrgbClr r="0" g="0" b="0"/>
+          </a:effectRef>
+          <a:fontRef idx="minor">
+            <a:schemeClr val="dk1"/>
+          </a:fontRef>
+        </p:style>
+        <p:txBody>
+          <a:bodyPr rtlCol="0" anchor="ctr"/>
+          <a:lstStyle/>
+          <a:p>
+            <a:pPr algn="ctr"/>
+            <a:endParaRPr lang="ru-RU"/>
+          </a:p>
+        </p:txBody>
+      </p:sp>
+      <p:sp>
+        <p:nvSpPr>
+          <p:cNvPr id="8" name="Прямоугольник 7"/>
+          <p:cNvSpPr/>
+          <p:nvPr/>
+        </p:nvSpPr>
+        <p:spPr>
+          <a:xfrm>
+            <a:off x="10447773" y="0"/>
+            <a:ext cx="1620243" cy="657654"/>
+          </a:xfrm>
+          <a:prstGeom prst="rect">
+            <a:avLst/>
+          </a:prstGeom>
+          <a:solidFill>
+            <a:schemeClr val="bg1"/>
+          </a:solidFill>
+          <a:ln>
+            <a:noFill/>
+          </a:ln>
+        </p:spPr>
+        <p:style>
+          <a:lnRef idx="0">
+            <a:scrgbClr r="0" g="0" b="0"/>
+          </a:lnRef>
+          <a:fillRef idx="0">
+            <a:scrgbClr r="0" g="0" b="0"/>
+          </a:fillRef>
+          <a:effectRef idx="0">
+            <a:scrgbClr r="0" g="0" b="0"/>
+          </a:effectRef>
+          <a:fontRef idx="minor">
+            <a:schemeClr val="dk1"/>
+          </a:fontRef>
+        </p:style>
+        <p:txBody>
+          <a:bodyPr rtlCol="0" anchor="ctr"/>
+          <a:lstStyle/>
+          <a:p>
+            <a:pPr algn="ctr"/>
+            <a:endParaRPr lang="ru-RU"/>
+          </a:p>
+        </p:txBody>
+      </p:sp>
+    </p:spTree>
+    <p:extLst>
+      <p:ext uri="{BB962C8B-B14F-4D97-AF65-F5344CB8AC3E}">
+        <p14:creationId xmlns:p14="http://schemas.microsoft.com/office/powerpoint/2010/main" val="498927177"/>
+      </p:ext>
+    </p:extLst>
+  </p:cSld>
+  <p:clrMapOvr>
+    <a:masterClrMapping/>
+  </p:clrMapOvr>
+  <p:timing>
+    <p:tnLst>
+      <p:par>
+        <p:cTn id="1" dur="indefinite" restart="never" nodeType="tmRoot"/>
+      </p:par>
+    </p:tnLst>
+  </p:timing>
+</p:sld>
+</file>
+
+<file path=ppt/slides/slide4.xml><?xml version="1.0" encoding="utf-8"?>
+<p:sld xmlns:a="http://schemas.openxmlformats.org/drawingml/2006/main" xmlns:r="http://schemas.openxmlformats.org/officeDocument/2006/relationships" xmlns:p="http://schemas.openxmlformats.org/presentationml/2006/main">
+  <p:cSld>
+    <p:spTree>
+      <p:nvGrpSpPr>
+        <p:cNvPr id="1" name=""/>
+        <p:cNvGrpSpPr/>
+        <p:nvPr/>
+      </p:nvGrpSpPr>
+      <p:grpSpPr>
+        <a:xfrm>
+          <a:off x="0" y="0"/>
+          <a:ext cx="0" cy="0"/>
+          <a:chOff x="0" y="0"/>
+          <a:chExt cx="0" cy="0"/>
+        </a:xfrm>
+      </p:grpSpPr>
+      <p:sp>
+        <p:nvSpPr>
+          <p:cNvPr id="4" name="Текст 3"/>
+          <p:cNvSpPr>
+            <a:spLocks noGrp="1"/>
+          </p:cNvSpPr>
+          <p:nvPr>
+            <p:ph type="body" idx="1"/>
+          </p:nvPr>
+        </p:nvSpPr>
+        <p:spPr/>
+        <p:txBody>
+          <a:bodyPr/>
+          <a:lstStyle/>
+          <a:p>
+            <a:r>
+              <a:rPr lang="ru-RU" dirty="0" smtClean="0"/>
+              <a:t>Ручное (мануальное)</a:t>
+            </a:r>
+            <a:endParaRPr lang="ru-RU" dirty="0"/>
+          </a:p>
+        </p:txBody>
+      </p:sp>
+      <p:sp>
+        <p:nvSpPr>
+          <p:cNvPr id="5" name="Объект 4"/>
+          <p:cNvSpPr>
+            <a:spLocks noGrp="1"/>
+          </p:cNvSpPr>
+          <p:nvPr>
+            <p:ph sz="half" idx="2"/>
+          </p:nvPr>
+        </p:nvSpPr>
+        <p:spPr/>
+        <p:txBody>
+          <a:bodyPr/>
+          <a:lstStyle/>
+          <a:p>
+            <a:r>
+              <a:rPr lang="ru-RU" dirty="0"/>
+              <a:t>производится </a:t>
+            </a:r>
+            <a:r>
+              <a:rPr lang="ru-RU" dirty="0" err="1"/>
+              <a:t>тестировщиком</a:t>
+            </a:r>
+            <a:r>
+              <a:rPr lang="ru-RU" dirty="0"/>
+              <a:t> без использования программных средств, для проверки программы или сайта путём моделирования действий пользователя. </a:t>
+            </a:r>
+          </a:p>
+        </p:txBody>
+      </p:sp>
+      <p:sp>
+        <p:nvSpPr>
+          <p:cNvPr id="6" name="Текст 5"/>
+          <p:cNvSpPr>
+            <a:spLocks noGrp="1"/>
+          </p:cNvSpPr>
+          <p:nvPr>
+            <p:ph type="body" sz="quarter" idx="3"/>
+          </p:nvPr>
+        </p:nvSpPr>
+        <p:spPr/>
+        <p:txBody>
+          <a:bodyPr/>
+          <a:lstStyle/>
+          <a:p>
+            <a:r>
+              <a:rPr lang="ru-RU" dirty="0" smtClean="0"/>
+              <a:t>Автоматизированное</a:t>
+            </a:r>
+            <a:endParaRPr lang="ru-RU" dirty="0"/>
+          </a:p>
+        </p:txBody>
+      </p:sp>
+      <p:sp>
+        <p:nvSpPr>
+          <p:cNvPr id="7" name="Объект 6"/>
+          <p:cNvSpPr>
+            <a:spLocks noGrp="1"/>
+          </p:cNvSpPr>
+          <p:nvPr>
+            <p:ph sz="quarter" idx="4"/>
+          </p:nvPr>
+        </p:nvSpPr>
+        <p:spPr/>
+        <p:txBody>
+          <a:bodyPr/>
+          <a:lstStyle/>
+          <a:p>
+            <a:r>
+              <a:rPr lang="ru-RU" dirty="0"/>
+              <a:t>это </a:t>
+            </a:r>
+            <a:r>
+              <a:rPr lang="ru-RU" dirty="0" smtClean="0"/>
+              <a:t>скрипт или программа, </a:t>
+            </a:r>
+            <a:r>
+              <a:rPr lang="ru-RU" dirty="0"/>
+              <a:t>имитирующий взаимодействия пользователя с приложением, цель которого – локализация ошибок в работе программного обеспечения.</a:t>
+            </a:r>
+          </a:p>
+        </p:txBody>
+      </p:sp>
+      <p:sp>
+        <p:nvSpPr>
+          <p:cNvPr id="3" name="Заголовок 2"/>
+          <p:cNvSpPr>
+            <a:spLocks noGrp="1"/>
+          </p:cNvSpPr>
+          <p:nvPr>
+            <p:ph type="title"/>
+          </p:nvPr>
+        </p:nvSpPr>
+        <p:spPr/>
+        <p:txBody>
+          <a:bodyPr/>
+          <a:lstStyle/>
+          <a:p>
+            <a:r>
+              <a:rPr lang="ru-RU" dirty="0" smtClean="0"/>
+              <a:t>Виды тестирования</a:t>
+            </a:r>
+            <a:endParaRPr lang="ru-RU" dirty="0"/>
+          </a:p>
+        </p:txBody>
+      </p:sp>
+    </p:spTree>
+    <p:extLst>
+      <p:ext uri="{BB962C8B-B14F-4D97-AF65-F5344CB8AC3E}">
+        <p14:creationId xmlns:p14="http://schemas.microsoft.com/office/powerpoint/2010/main" val="2288863296"/>
+      </p:ext>
+    </p:extLst>
+  </p:cSld>
+  <p:clrMapOvr>
+    <a:masterClrMapping/>
+  </p:clrMapOvr>
+  <p:timing>
+    <p:tnLst>
+      <p:par>
+        <p:cTn id="1" dur="indefinite" restart="never" nodeType="tmRoot">
+          <p:childTnLst>
+            <p:seq concurrent="1" nextAc="seek">
+              <p:cTn id="2" dur="indefinite" nodeType="mainSeq">
+                <p:childTnLst>
+                  <p:par>
+                    <p:cTn id="3" fill="hold">
+                      <p:stCondLst>
+                        <p:cond delay="indefinite"/>
+                      </p:stCondLst>
+                      <p:childTnLst>
+                        <p:par>
+                          <p:cTn id="4" fill="hold">
+                            <p:stCondLst>
+                              <p:cond delay="0"/>
+                            </p:stCondLst>
+                            <p:childTnLst>
+                              <p:par>
+                                <p:cTn id="5" presetID="1" presetClass="entr" presetSubtype="0" fill="hold" grpId="0" nodeType="clickEffect">
+                                  <p:stCondLst>
+                                    <p:cond delay="0"/>
+                                  </p:stCondLst>
+                                  <p:childTnLst>
+                                    <p:set>
+                                      <p:cBhvr>
+                                        <p:cTn id="6" dur="1" fill="hold">
+                                          <p:stCondLst>
+                                            <p:cond delay="0"/>
+                                          </p:stCondLst>
+                                        </p:cTn>
+                                        <p:tgtEl>
+                                          <p:spTgt spid="4">
+                                            <p:bg/>
+                                          </p:spTgt>
+                                        </p:tgtEl>
+                                        <p:attrNameLst>
+                                          <p:attrName>style.visibility</p:attrName>
+                                        </p:attrNameLst>
+                                      </p:cBhvr>
+                                      <p:to>
+                                        <p:strVal val="visible"/>
+                                      </p:to>
+                                    </p:set>
+                                  </p:childTnLst>
+                                </p:cTn>
+                              </p:par>
+                            </p:childTnLst>
+                          </p:cTn>
+                        </p:par>
+                      </p:childTnLst>
+                    </p:cTn>
+                  </p:par>
+                  <p:par>
+                    <p:cTn id="7" fill="hold">
+                      <p:stCondLst>
+                        <p:cond delay="indefinite"/>
+                      </p:stCondLst>
+                      <p:childTnLst>
+                        <p:par>
+                          <p:cTn id="8" fill="hold">
+                            <p:stCondLst>
+                              <p:cond delay="0"/>
+                            </p:stCondLst>
+                            <p:childTnLst>
+                              <p:par>
+                                <p:cTn id="9" presetID="1" presetClass="entr" presetSubtype="0" fill="hold" grpId="0" nodeType="clickEffect">
+                                  <p:stCondLst>
+                                    <p:cond delay="0"/>
+                                  </p:stCondLst>
+                                  <p:childTnLst>
+                                    <p:set>
+                                      <p:cBhvr>
+                                        <p:cTn id="10" dur="1" fill="hold">
+                                          <p:stCondLst>
+                                            <p:cond delay="0"/>
+                                          </p:stCondLst>
+                                        </p:cTn>
+                                        <p:tgtEl>
+                                          <p:spTgt spid="4">
+                                            <p:txEl>
+                                              <p:pRg st="0" end="0"/>
+                                            </p:txEl>
+                                          </p:spTgt>
+                                        </p:tgtEl>
+                                        <p:attrNameLst>
+                                          <p:attrName>style.visibility</p:attrName>
+                                        </p:attrNameLst>
+                                      </p:cBhvr>
+                                      <p:to>
+                                        <p:strVal val="visible"/>
+                                      </p:to>
+                                    </p:set>
+                                  </p:childTnLst>
+                                </p:cTn>
+                              </p:par>
+                              <p:par>
+                                <p:cTn id="11" presetID="1" presetClass="entr" presetSubtype="0" fill="hold" grpId="0" nodeType="withEffect">
+                                  <p:stCondLst>
+                                    <p:cond delay="0"/>
+                                  </p:stCondLst>
+                                  <p:childTnLst>
+                                    <p:set>
+                                      <p:cBhvr>
+                                        <p:cTn id="12" dur="1" fill="hold">
+                                          <p:stCondLst>
+                                            <p:cond delay="0"/>
+                                          </p:stCondLst>
+                                        </p:cTn>
+                                        <p:tgtEl>
+                                          <p:spTgt spid="5">
+                                            <p:txEl>
+                                              <p:pRg st="0" end="0"/>
+                                            </p:txEl>
+                                          </p:spTgt>
+                                        </p:tgtEl>
+                                        <p:attrNameLst>
+                                          <p:attrName>style.visibility</p:attrName>
+                                        </p:attrNameLst>
+                                      </p:cBhvr>
+                                      <p:to>
+                                        <p:strVal val="visible"/>
+                                      </p:to>
+                                    </p:set>
+                                  </p:childTnLst>
+                                </p:cTn>
+                              </p:par>
+                            </p:childTnLst>
+                          </p:cTn>
+                        </p:par>
+                      </p:childTnLst>
+                    </p:cTn>
+                  </p:par>
+                  <p:par>
+                    <p:cTn id="13" fill="hold">
+                      <p:stCondLst>
+                        <p:cond delay="indefinite"/>
+                      </p:stCondLst>
+                      <p:childTnLst>
+                        <p:par>
+                          <p:cTn id="14" fill="hold">
+                            <p:stCondLst>
+                              <p:cond delay="0"/>
+                            </p:stCondLst>
+                            <p:childTnLst>
+                              <p:par>
+                                <p:cTn id="15" presetID="2" presetClass="entr" presetSubtype="4" fill="hold" grpId="0" nodeType="clickEffect">
+                                  <p:stCondLst>
+                                    <p:cond delay="0"/>
+                                  </p:stCondLst>
+                                  <p:childTnLst>
+                                    <p:set>
+                                      <p:cBhvr>
+                                        <p:cTn id="16" dur="1" fill="hold">
+                                          <p:stCondLst>
+                                            <p:cond delay="0"/>
+                                          </p:stCondLst>
+                                        </p:cTn>
+                                        <p:tgtEl>
+                                          <p:spTgt spid="6">
+                                            <p:bg/>
+                                          </p:spTgt>
+                                        </p:tgtEl>
+                                        <p:attrNameLst>
+                                          <p:attrName>style.visibility</p:attrName>
+                                        </p:attrNameLst>
+                                      </p:cBhvr>
+                                      <p:to>
+                                        <p:strVal val="visible"/>
+                                      </p:to>
+                                    </p:set>
+                                    <p:anim calcmode="lin" valueType="num">
+                                      <p:cBhvr additive="base">
+                                        <p:cTn id="17" dur="500" fill="hold"/>
+                                        <p:tgtEl>
+                                          <p:spTgt spid="6">
+                                            <p:bg/>
+                                          </p:spTgt>
+                                        </p:tgtEl>
+                                        <p:attrNameLst>
+                                          <p:attrName>ppt_x</p:attrName>
+                                        </p:attrNameLst>
+                                      </p:cBhvr>
+                                      <p:tavLst>
+                                        <p:tav tm="0">
+                                          <p:val>
+                                            <p:strVal val="#ppt_x"/>
+                                          </p:val>
+                                        </p:tav>
+                                        <p:tav tm="100000">
+                                          <p:val>
+                                            <p:strVal val="#ppt_x"/>
+                                          </p:val>
+                                        </p:tav>
+                                      </p:tavLst>
+                                    </p:anim>
+                                    <p:anim calcmode="lin" valueType="num">
+                                      <p:cBhvr additive="base">
+                                        <p:cTn id="18" dur="500" fill="hold"/>
+                                        <p:tgtEl>
+                                          <p:spTgt spid="6">
+                                            <p:bg/>
+                                          </p:spTgt>
+                                        </p:tgtEl>
+                                        <p:attrNameLst>
+                                          <p:attrName>ppt_y</p:attrName>
+                                        </p:attrNameLst>
+                                      </p:cBhvr>
+                                      <p:tavLst>
+                                        <p:tav tm="0">
+                                          <p:val>
+                                            <p:strVal val="1+#ppt_h/2"/>
+                                          </p:val>
+                                        </p:tav>
+                                        <p:tav tm="100000">
+                                          <p:val>
+                                            <p:strVal val="#ppt_y"/>
+                                          </p:val>
+                                        </p:tav>
+                                      </p:tavLst>
+                                    </p:anim>
+                                  </p:childTnLst>
+                                </p:cTn>
+                              </p:par>
+                            </p:childTnLst>
+                          </p:cTn>
+                        </p:par>
+                      </p:childTnLst>
+                    </p:cTn>
+                  </p:par>
+                  <p:par>
+                    <p:cTn id="19" fill="hold">
+                      <p:stCondLst>
+                        <p:cond delay="indefinite"/>
+                      </p:stCondLst>
+                      <p:childTnLst>
+                        <p:par>
+                          <p:cTn id="20" fill="hold">
+                            <p:stCondLst>
+                              <p:cond delay="0"/>
+                            </p:stCondLst>
+                            <p:childTnLst>
+                              <p:par>
+                                <p:cTn id="21" presetID="2" presetClass="entr" presetSubtype="4" fill="hold" grpId="0" nodeType="clickEffect">
+                                  <p:stCondLst>
+                                    <p:cond delay="0"/>
+                                  </p:stCondLst>
+                                  <p:childTnLst>
+                                    <p:set>
+                                      <p:cBhvr>
+                                        <p:cTn id="22" dur="1" fill="hold">
+                                          <p:stCondLst>
+                                            <p:cond delay="0"/>
+                                          </p:stCondLst>
+                                        </p:cTn>
+                                        <p:tgtEl>
+                                          <p:spTgt spid="6">
+                                            <p:txEl>
+                                              <p:pRg st="0" end="0"/>
+                                            </p:txEl>
+                                          </p:spTgt>
+                                        </p:tgtEl>
+                                        <p:attrNameLst>
+                                          <p:attrName>style.visibility</p:attrName>
+                                        </p:attrNameLst>
+                                      </p:cBhvr>
+                                      <p:to>
+                                        <p:strVal val="visible"/>
+                                      </p:to>
+                                    </p:set>
+                                    <p:anim calcmode="lin" valueType="num">
+                                      <p:cBhvr additive="base">
+                                        <p:cTn id="23" dur="500" fill="hold"/>
+                                        <p:tgtEl>
+                                          <p:spTgt spid="6">
+                                            <p:txEl>
+                                              <p:pRg st="0" end="0"/>
+                                            </p:txEl>
+                                          </p:spTgt>
+                                        </p:tgtEl>
+                                        <p:attrNameLst>
+                                          <p:attrName>ppt_x</p:attrName>
+                                        </p:attrNameLst>
+                                      </p:cBhvr>
+                                      <p:tavLst>
+                                        <p:tav tm="0">
+                                          <p:val>
+                                            <p:strVal val="#ppt_x"/>
+                                          </p:val>
+                                        </p:tav>
+                                        <p:tav tm="100000">
+                                          <p:val>
+                                            <p:strVal val="#ppt_x"/>
+                                          </p:val>
+                                        </p:tav>
+                                      </p:tavLst>
+                                    </p:anim>
+                                    <p:anim calcmode="lin" valueType="num">
+                                      <p:cBhvr additive="base">
+                                        <p:cTn id="24" dur="500" fill="hold"/>
+                                        <p:tgtEl>
+                                          <p:spTgt spid="6">
+                                            <p:txEl>
+                                              <p:pRg st="0" end="0"/>
+                                            </p:txEl>
+                                          </p:spTgt>
+                                        </p:tgtEl>
+                                        <p:attrNameLst>
+                                          <p:attrName>ppt_y</p:attrName>
+                                        </p:attrNameLst>
+                                      </p:cBhvr>
+                                      <p:tavLst>
+                                        <p:tav tm="0">
+                                          <p:val>
+                                            <p:strVal val="1+#ppt_h/2"/>
+                                          </p:val>
+                                        </p:tav>
+                                        <p:tav tm="100000">
+                                          <p:val>
+                                            <p:strVal val="#ppt_y"/>
+                                          </p:val>
+                                        </p:tav>
+                                      </p:tavLst>
+                                    </p:anim>
+                                  </p:childTnLst>
+                                </p:cTn>
+                              </p:par>
+                              <p:par>
+                                <p:cTn id="25" presetID="2" presetClass="entr" presetSubtype="4" fill="hold" grpId="0" nodeType="withEffect">
+                                  <p:stCondLst>
+                                    <p:cond delay="0"/>
+                                  </p:stCondLst>
+                                  <p:childTnLst>
+                                    <p:set>
+                                      <p:cBhvr>
+                                        <p:cTn id="26" dur="1" fill="hold">
+                                          <p:stCondLst>
+                                            <p:cond delay="0"/>
+                                          </p:stCondLst>
+                                        </p:cTn>
+                                        <p:tgtEl>
+                                          <p:spTgt spid="7">
+                                            <p:txEl>
+                                              <p:pRg st="0" end="0"/>
+                                            </p:txEl>
+                                          </p:spTgt>
+                                        </p:tgtEl>
+                                        <p:attrNameLst>
+                                          <p:attrName>style.visibility</p:attrName>
+                                        </p:attrNameLst>
+                                      </p:cBhvr>
+                                      <p:to>
+                                        <p:strVal val="visible"/>
+                                      </p:to>
+                                    </p:set>
+                                    <p:anim calcmode="lin" valueType="num">
+                                      <p:cBhvr additive="base">
+                                        <p:cTn id="27" dur="500" fill="hold"/>
+                                        <p:tgtEl>
+                                          <p:spTgt spid="7">
+                                            <p:txEl>
+                                              <p:pRg st="0" end="0"/>
+                                            </p:txEl>
+                                          </p:spTgt>
+                                        </p:tgtEl>
+                                        <p:attrNameLst>
+                                          <p:attrName>ppt_x</p:attrName>
+                                        </p:attrNameLst>
+                                      </p:cBhvr>
+                                      <p:tavLst>
+                                        <p:tav tm="0">
+                                          <p:val>
+                                            <p:strVal val="#ppt_x"/>
+                                          </p:val>
+                                        </p:tav>
+                                        <p:tav tm="100000">
+                                          <p:val>
+                                            <p:strVal val="#ppt_x"/>
+                                          </p:val>
+                                        </p:tav>
+                                      </p:tavLst>
+                                    </p:anim>
+                                    <p:anim calcmode="lin" valueType="num">
+                                      <p:cBhvr additive="base">
+                                        <p:cTn id="28" dur="500" fill="hold"/>
+                                        <p:tgtEl>
+                                          <p:spTgt spid="7">
+                                            <p:txEl>
+                                              <p:pRg st="0" end="0"/>
+                                            </p:txEl>
+                                          </p:spTgt>
+                                        </p:tgtEl>
+                                        <p:attrNameLst>
+                                          <p:attrName>ppt_y</p:attrName>
+                                        </p:attrNameLst>
+                                      </p:cBhvr>
+                                      <p:tavLst>
+                                        <p:tav tm="0">
+                                          <p:val>
+                                            <p:strVal val="1+#ppt_h/2"/>
+                                          </p:val>
+                                        </p:tav>
+                                        <p:tav tm="100000">
+                                          <p:val>
+                                            <p:strVal val="#ppt_y"/>
+                                          </p:val>
+                                        </p:tav>
+                                      </p:tavLst>
+                                    </p:anim>
+                                  </p:childTnLst>
+                                </p:cTn>
+                              </p:par>
+                            </p:childTnLst>
+                          </p:cTn>
+                        </p:par>
+                      </p:childTnLst>
+                    </p:cTn>
+                  </p:par>
+                </p:childTnLst>
+              </p:cTn>
+              <p:prevCondLst>
+                <p:cond evt="onPrev" delay="0">
+                  <p:tgtEl>
+                    <p:sldTgt/>
+                  </p:tgtEl>
+                </p:cond>
+              </p:prevCondLst>
+              <p:nextCondLst>
+                <p:cond evt="onNext" delay="0">
+                  <p:tgtEl>
+                    <p:sldTgt/>
+                  </p:tgtEl>
+                </p:cond>
+              </p:nextCondLst>
+            </p:seq>
+          </p:childTnLst>
+        </p:cTn>
+      </p:par>
+    </p:tnLst>
+    <p:bldLst>
+      <p:bldP spid="4" grpId="0" build="p" animBg="1"/>
+      <p:bldP spid="5" grpId="0" build="p"/>
+      <p:bldP spid="6" grpId="0" build="p" animBg="1"/>
+      <p:bldP spid="7" grpId="0" build="p"/>
+    </p:bldLst>
+  </p:timing>
+</p:sld>
+</file>
+
+<file path=ppt/slides/slide5.xml><?xml version="1.0" encoding="utf-8"?>
+<p:sld xmlns:a="http://schemas.openxmlformats.org/drawingml/2006/main" xmlns:r="http://schemas.openxmlformats.org/officeDocument/2006/relationships" xmlns:p="http://schemas.openxmlformats.org/presentationml/2006/main">
+  <p:cSld>
+    <p:spTree>
+      <p:nvGrpSpPr>
+        <p:cNvPr id="1" name=""/>
+        <p:cNvGrpSpPr/>
+        <p:nvPr/>
+      </p:nvGrpSpPr>
+      <p:grpSpPr>
+        <a:xfrm>
+          <a:off x="0" y="0"/>
+          <a:ext cx="0" cy="0"/>
+          <a:chOff x="0" y="0"/>
+          <a:chExt cx="0" cy="0"/>
+        </a:xfrm>
+      </p:grpSpPr>
+      <p:sp>
+        <p:nvSpPr>
+          <p:cNvPr id="2" name="Текст 1"/>
+          <p:cNvSpPr>
+            <a:spLocks noGrp="1"/>
+          </p:cNvSpPr>
+          <p:nvPr>
+            <p:ph type="body" idx="1"/>
+          </p:nvPr>
+        </p:nvSpPr>
+        <p:spPr/>
+        <p:txBody>
+          <a:bodyPr/>
+          <a:lstStyle/>
+          <a:p>
+            <a:r>
+              <a:rPr lang="ru-RU" dirty="0" smtClean="0"/>
+              <a:t>Плюсы</a:t>
+            </a:r>
+            <a:endParaRPr lang="ru-RU" dirty="0"/>
+          </a:p>
+        </p:txBody>
+      </p:sp>
+      <p:sp>
+        <p:nvSpPr>
+          <p:cNvPr id="3" name="Объект 2"/>
+          <p:cNvSpPr>
+            <a:spLocks noGrp="1"/>
+          </p:cNvSpPr>
+          <p:nvPr>
+            <p:ph sz="half" idx="2"/>
+          </p:nvPr>
+        </p:nvSpPr>
+        <p:spPr/>
+        <p:txBody>
+          <a:bodyPr/>
+          <a:lstStyle/>
+          <a:p>
+            <a:r>
+              <a:rPr lang="ru-RU" dirty="0"/>
+              <a:t>Пользовательский </a:t>
+            </a:r>
+            <a:r>
+              <a:rPr lang="ru-RU" dirty="0" err="1" smtClean="0"/>
+              <a:t>фидбек</a:t>
+            </a:r>
+            <a:r>
+              <a:rPr lang="ru-RU" dirty="0" smtClean="0"/>
+              <a:t>. </a:t>
+            </a:r>
+          </a:p>
+          <a:p>
+            <a:r>
+              <a:rPr lang="en-US" dirty="0"/>
+              <a:t>UI-</a:t>
+            </a:r>
+            <a:r>
+              <a:rPr lang="ru-RU" dirty="0" err="1"/>
+              <a:t>фидбек</a:t>
+            </a:r>
+            <a:r>
+              <a:rPr lang="ru-RU" dirty="0"/>
+              <a:t>. </a:t>
+            </a:r>
+            <a:endParaRPr lang="ru-RU" dirty="0" smtClean="0"/>
+          </a:p>
+          <a:p>
+            <a:r>
+              <a:rPr lang="ru-RU" dirty="0" smtClean="0"/>
+              <a:t>Дешевизна</a:t>
+            </a:r>
+          </a:p>
+          <a:p>
+            <a:r>
+              <a:rPr lang="ru-RU" dirty="0"/>
+              <a:t>Тестирование в реальном времени. </a:t>
+            </a:r>
+            <a:endParaRPr lang="ru-RU" dirty="0" smtClean="0"/>
+          </a:p>
+          <a:p>
+            <a:r>
+              <a:rPr lang="ru-RU" dirty="0"/>
+              <a:t>Возможность исследовательского тестирования.</a:t>
+            </a:r>
+          </a:p>
+        </p:txBody>
+      </p:sp>
+      <p:sp>
+        <p:nvSpPr>
+          <p:cNvPr id="4" name="Текст 3"/>
+          <p:cNvSpPr>
+            <a:spLocks noGrp="1"/>
+          </p:cNvSpPr>
+          <p:nvPr>
+            <p:ph type="body" sz="quarter" idx="3"/>
+          </p:nvPr>
+        </p:nvSpPr>
+        <p:spPr/>
+        <p:txBody>
+          <a:bodyPr/>
+          <a:lstStyle/>
+          <a:p>
+            <a:r>
+              <a:rPr lang="ru-RU" dirty="0" smtClean="0"/>
+              <a:t>Минусы</a:t>
+            </a:r>
+            <a:endParaRPr lang="ru-RU" dirty="0"/>
+          </a:p>
+        </p:txBody>
+      </p:sp>
+      <p:sp>
+        <p:nvSpPr>
+          <p:cNvPr id="5" name="Объект 4"/>
+          <p:cNvSpPr>
+            <a:spLocks noGrp="1"/>
+          </p:cNvSpPr>
+          <p:nvPr>
+            <p:ph sz="quarter" idx="4"/>
+          </p:nvPr>
+        </p:nvSpPr>
+        <p:spPr/>
+        <p:txBody>
+          <a:bodyPr/>
+          <a:lstStyle/>
+          <a:p>
+            <a:r>
+              <a:rPr lang="ru-RU" dirty="0"/>
+              <a:t>Человеческий фактор</a:t>
+            </a:r>
+            <a:r>
+              <a:rPr lang="ru-RU" dirty="0" smtClean="0"/>
+              <a:t>.</a:t>
+            </a:r>
+          </a:p>
+          <a:p>
+            <a:r>
+              <a:rPr lang="ru-RU" dirty="0"/>
+              <a:t>Трудоемкость повторного использование</a:t>
+            </a:r>
+            <a:r>
+              <a:rPr lang="ru-RU" dirty="0" smtClean="0"/>
+              <a:t>.</a:t>
+            </a:r>
+          </a:p>
+          <a:p>
+            <a:r>
+              <a:rPr lang="ru-RU" dirty="0"/>
+              <a:t>Невозможность нагрузочного тестирования.</a:t>
+            </a:r>
+          </a:p>
+        </p:txBody>
+      </p:sp>
+      <p:sp>
+        <p:nvSpPr>
+          <p:cNvPr id="6" name="Заголовок 5"/>
+          <p:cNvSpPr>
+            <a:spLocks noGrp="1"/>
+          </p:cNvSpPr>
+          <p:nvPr>
+            <p:ph type="title"/>
+          </p:nvPr>
+        </p:nvSpPr>
+        <p:spPr/>
+        <p:txBody>
+          <a:bodyPr/>
+          <a:lstStyle/>
+          <a:p>
+            <a:r>
+              <a:rPr lang="ru-RU" dirty="0" smtClean="0"/>
+              <a:t>Ручное тестирование</a:t>
+            </a:r>
+            <a:endParaRPr lang="ru-RU" dirty="0"/>
+          </a:p>
+        </p:txBody>
+      </p:sp>
+    </p:spTree>
+    <p:extLst>
+      <p:ext uri="{BB962C8B-B14F-4D97-AF65-F5344CB8AC3E}">
+        <p14:creationId xmlns:p14="http://schemas.microsoft.com/office/powerpoint/2010/main" val="1962305359"/>
+      </p:ext>
+    </p:extLst>
+  </p:cSld>
+  <p:clrMapOvr>
+    <a:masterClrMapping/>
+  </p:clrMapOvr>
+  <p:timing>
+    <p:tnLst>
+      <p:par>
+        <p:cTn id="1" dur="indefinite" restart="never" nodeType="tmRoot">
+          <p:childTnLst>
+            <p:seq concurrent="1" nextAc="seek">
+              <p:cTn id="2" dur="indefinite" nodeType="mainSeq">
+                <p:childTnLst>
+                  <p:par>
+                    <p:cTn id="3" fill="hold">
+                      <p:stCondLst>
+                        <p:cond delay="indefinite"/>
+                      </p:stCondLst>
+                      <p:childTnLst>
+                        <p:par>
+                          <p:cTn id="4" fill="hold">
+                            <p:stCondLst>
+                              <p:cond delay="0"/>
+                            </p:stCondLst>
+                            <p:childTnLst>
+                              <p:par>
+                                <p:cTn id="5" presetID="1" presetClass="entr" presetSubtype="0" fill="hold" grpId="0" nodeType="clickEffect">
+                                  <p:stCondLst>
+                                    <p:cond delay="0"/>
+                                  </p:stCondLst>
+                                  <p:childTnLst>
+                                    <p:set>
+                                      <p:cBhvr>
+                                        <p:cTn id="6" dur="1" fill="hold">
+                                          <p:stCondLst>
+                                            <p:cond delay="0"/>
+                                          </p:stCondLst>
+                                        </p:cTn>
+                                        <p:tgtEl>
+                                          <p:spTgt spid="2">
+                                            <p:bg/>
+                                          </p:spTgt>
+                                        </p:tgtEl>
+                                        <p:attrNameLst>
+                                          <p:attrName>style.visibility</p:attrName>
+                                        </p:attrNameLst>
+                                      </p:cBhvr>
+                                      <p:to>
+                                        <p:strVal val="visible"/>
+                                      </p:to>
+                                    </p:set>
+                                  </p:childTnLst>
+                                </p:cTn>
+                              </p:par>
+                            </p:childTnLst>
+                          </p:cTn>
+                        </p:par>
+                      </p:childTnLst>
+                    </p:cTn>
+                  </p:par>
+                  <p:par>
+                    <p:cTn id="7" fill="hold">
+                      <p:stCondLst>
+                        <p:cond delay="indefinite"/>
+                      </p:stCondLst>
+                      <p:childTnLst>
+                        <p:par>
+                          <p:cTn id="8" fill="hold">
+                            <p:stCondLst>
+                              <p:cond delay="0"/>
+                            </p:stCondLst>
+                            <p:childTnLst>
+                              <p:par>
+                                <p:cTn id="9" presetID="1" presetClass="entr" presetSubtype="0" fill="hold" grpId="0" nodeType="clickEffect">
+                                  <p:stCondLst>
+                                    <p:cond delay="0"/>
+                                  </p:stCondLst>
+                                  <p:childTnLst>
+                                    <p:set>
+                                      <p:cBhvr>
+                                        <p:cTn id="10" dur="1" fill="hold">
+                                          <p:stCondLst>
+                                            <p:cond delay="0"/>
+                                          </p:stCondLst>
+                                        </p:cTn>
+                                        <p:tgtEl>
+                                          <p:spTgt spid="2">
+                                            <p:txEl>
+                                              <p:pRg st="0" end="0"/>
+                                            </p:txEl>
+                                          </p:spTgt>
+                                        </p:tgtEl>
+                                        <p:attrNameLst>
+                                          <p:attrName>style.visibility</p:attrName>
+                                        </p:attrNameLst>
+                                      </p:cBhvr>
+                                      <p:to>
+                                        <p:strVal val="visible"/>
+                                      </p:to>
+                                    </p:set>
+                                  </p:childTnLst>
+                                </p:cTn>
+                              </p:par>
+                              <p:par>
+                                <p:cTn id="11" presetID="1" presetClass="entr" presetSubtype="0" fill="hold" grpId="0" nodeType="withEffect">
+                                  <p:stCondLst>
+                                    <p:cond delay="0"/>
+                                  </p:stCondLst>
+                                  <p:childTnLst>
+                                    <p:set>
+                                      <p:cBhvr>
+                                        <p:cTn id="12" dur="1" fill="hold">
+                                          <p:stCondLst>
+                                            <p:cond delay="0"/>
+                                          </p:stCondLst>
+                                        </p:cTn>
+                                        <p:tgtEl>
+                                          <p:spTgt spid="3">
+                                            <p:txEl>
+                                              <p:pRg st="0" end="0"/>
+                                            </p:txEl>
+                                          </p:spTgt>
+                                        </p:tgtEl>
+                                        <p:attrNameLst>
+                                          <p:attrName>style.visibility</p:attrName>
+                                        </p:attrNameLst>
+                                      </p:cBhvr>
+                                      <p:to>
+                                        <p:strVal val="visible"/>
+                                      </p:to>
+                                    </p:set>
+                                  </p:childTnLst>
+                                </p:cTn>
+                              </p:par>
+                            </p:childTnLst>
+                          </p:cTn>
+                        </p:par>
+                      </p:childTnLst>
+                    </p:cTn>
+                  </p:par>
+                  <p:par>
+                    <p:cTn id="13" fill="hold">
+                      <p:stCondLst>
+                        <p:cond delay="indefinite"/>
+                      </p:stCondLst>
+                      <p:childTnLst>
+                        <p:par>
+                          <p:cTn id="14" fill="hold">
+                            <p:stCondLst>
+                              <p:cond delay="0"/>
+                            </p:stCondLst>
+                            <p:childTnLst>
+                              <p:par>
+                                <p:cTn id="15" presetID="1" presetClass="entr" presetSubtype="0" fill="hold" grpId="0" nodeType="clickEffect">
+                                  <p:stCondLst>
+                                    <p:cond delay="0"/>
+                                  </p:stCondLst>
+                                  <p:childTnLst>
+                                    <p:set>
+                                      <p:cBhvr>
+                                        <p:cTn id="16" dur="1" fill="hold">
+                                          <p:stCondLst>
+                                            <p:cond delay="0"/>
+                                          </p:stCondLst>
+                                        </p:cTn>
+                                        <p:tgtEl>
+                                          <p:spTgt spid="3">
+                                            <p:txEl>
+                                              <p:pRg st="1" end="1"/>
+                                            </p:txEl>
+                                          </p:spTgt>
+                                        </p:tgtEl>
+                                        <p:attrNameLst>
+                                          <p:attrName>style.visibility</p:attrName>
+                                        </p:attrNameLst>
+                                      </p:cBhvr>
+                                      <p:to>
+                                        <p:strVal val="visible"/>
+                                      </p:to>
+                                    </p:set>
+                                  </p:childTnLst>
+                                </p:cTn>
+                              </p:par>
+                            </p:childTnLst>
+                          </p:cTn>
+                        </p:par>
+                      </p:childTnLst>
+                    </p:cTn>
+                  </p:par>
+                  <p:par>
+                    <p:cTn id="17" fill="hold">
+                      <p:stCondLst>
+                        <p:cond delay="indefinite"/>
+                      </p:stCondLst>
+                      <p:childTnLst>
+                        <p:par>
+                          <p:cTn id="18" fill="hold">
+                            <p:stCondLst>
+                              <p:cond delay="0"/>
+                            </p:stCondLst>
+                            <p:childTnLst>
+                              <p:par>
+                                <p:cTn id="19" presetID="1" presetClass="entr" presetSubtype="0" fill="hold" grpId="0" nodeType="clickEffect">
+                                  <p:stCondLst>
+                                    <p:cond delay="0"/>
+                                  </p:stCondLst>
+                                  <p:childTnLst>
+                                    <p:set>
+                                      <p:cBhvr>
+                                        <p:cTn id="20" dur="1" fill="hold">
+                                          <p:stCondLst>
+                                            <p:cond delay="0"/>
+                                          </p:stCondLst>
+                                        </p:cTn>
+                                        <p:tgtEl>
+                                          <p:spTgt spid="3">
+                                            <p:txEl>
+                                              <p:pRg st="2" end="2"/>
+                                            </p:txEl>
+                                          </p:spTgt>
+                                        </p:tgtEl>
+                                        <p:attrNameLst>
+                                          <p:attrName>style.visibility</p:attrName>
+                                        </p:attrNameLst>
+                                      </p:cBhvr>
+                                      <p:to>
+                                        <p:strVal val="visible"/>
+                                      </p:to>
+                                    </p:set>
+                                  </p:childTnLst>
+                                </p:cTn>
+                              </p:par>
+                            </p:childTnLst>
+                          </p:cTn>
+                        </p:par>
+                      </p:childTnLst>
+                    </p:cTn>
+                  </p:par>
+                  <p:par>
+                    <p:cTn id="21" fill="hold">
+                      <p:stCondLst>
+                        <p:cond delay="indefinite"/>
+                      </p:stCondLst>
+                      <p:childTnLst>
+                        <p:par>
+                          <p:cTn id="22" fill="hold">
+                            <p:stCondLst>
+                              <p:cond delay="0"/>
+                            </p:stCondLst>
+                            <p:childTnLst>
+                              <p:par>
+                                <p:cTn id="23" presetID="1" presetClass="entr" presetSubtype="0" fill="hold" grpId="0" nodeType="clickEffect">
+                                  <p:stCondLst>
+                                    <p:cond delay="0"/>
+                                  </p:stCondLst>
+                                  <p:childTnLst>
+                                    <p:set>
+                                      <p:cBhvr>
+                                        <p:cTn id="24" dur="1" fill="hold">
+                                          <p:stCondLst>
+                                            <p:cond delay="0"/>
+                                          </p:stCondLst>
+                                        </p:cTn>
+                                        <p:tgtEl>
+                                          <p:spTgt spid="3">
+                                            <p:txEl>
+                                              <p:pRg st="3" end="3"/>
+                                            </p:txEl>
+                                          </p:spTgt>
+                                        </p:tgtEl>
+                                        <p:attrNameLst>
+                                          <p:attrName>style.visibility</p:attrName>
+                                        </p:attrNameLst>
+                                      </p:cBhvr>
+                                      <p:to>
+                                        <p:strVal val="visible"/>
+                                      </p:to>
+                                    </p:set>
+                                  </p:childTnLst>
+                                </p:cTn>
+                              </p:par>
+                            </p:childTnLst>
+                          </p:cTn>
+                        </p:par>
+                      </p:childTnLst>
+                    </p:cTn>
+                  </p:par>
+                  <p:par>
+                    <p:cTn id="25" fill="hold">
+                      <p:stCondLst>
+                        <p:cond delay="indefinite"/>
+                      </p:stCondLst>
+                      <p:childTnLst>
+                        <p:par>
+                          <p:cTn id="26" fill="hold">
+                            <p:stCondLst>
+                              <p:cond delay="0"/>
+                            </p:stCondLst>
+                            <p:childTnLst>
+                              <p:par>
+                                <p:cTn id="27" presetID="1" presetClass="entr" presetSubtype="0" fill="hold" grpId="0" nodeType="clickEffect">
+                                  <p:stCondLst>
+                                    <p:cond delay="0"/>
+                                  </p:stCondLst>
+                                  <p:childTnLst>
+                                    <p:set>
+                                      <p:cBhvr>
+                                        <p:cTn id="28" dur="1" fill="hold">
+                                          <p:stCondLst>
+                                            <p:cond delay="0"/>
+                                          </p:stCondLst>
+                                        </p:cTn>
+                                        <p:tgtEl>
+                                          <p:spTgt spid="3">
+                                            <p:txEl>
+                                              <p:pRg st="4" end="4"/>
+                                            </p:txEl>
+                                          </p:spTgt>
+                                        </p:tgtEl>
+                                        <p:attrNameLst>
+                                          <p:attrName>style.visibility</p:attrName>
+                                        </p:attrNameLst>
+                                      </p:cBhvr>
+                                      <p:to>
+                                        <p:strVal val="visible"/>
+                                      </p:to>
+                                    </p:set>
+                                  </p:childTnLst>
+                                </p:cTn>
+                              </p:par>
+                            </p:childTnLst>
+                          </p:cTn>
+                        </p:par>
+                      </p:childTnLst>
+                    </p:cTn>
+                  </p:par>
+                  <p:par>
+                    <p:cTn id="29" fill="hold">
+                      <p:stCondLst>
+                        <p:cond delay="indefinite"/>
+                      </p:stCondLst>
+                      <p:childTnLst>
+                        <p:par>
+                          <p:cTn id="30" fill="hold">
+                            <p:stCondLst>
+                              <p:cond delay="0"/>
+                            </p:stCondLst>
+                            <p:childTnLst>
+                              <p:par>
+                                <p:cTn id="31" presetID="2" presetClass="entr" presetSubtype="4" fill="hold" grpId="0" nodeType="clickEffect">
+                                  <p:stCondLst>
+                                    <p:cond delay="0"/>
+                                  </p:stCondLst>
+                                  <p:childTnLst>
+                                    <p:set>
+                                      <p:cBhvr>
+                                        <p:cTn id="32" dur="1" fill="hold">
+                                          <p:stCondLst>
+                                            <p:cond delay="0"/>
+                                          </p:stCondLst>
+                                        </p:cTn>
+                                        <p:tgtEl>
+                                          <p:spTgt spid="4">
+                                            <p:bg/>
+                                          </p:spTgt>
+                                        </p:tgtEl>
+                                        <p:attrNameLst>
+                                          <p:attrName>style.visibility</p:attrName>
+                                        </p:attrNameLst>
+                                      </p:cBhvr>
+                                      <p:to>
+                                        <p:strVal val="visible"/>
+                                      </p:to>
+                                    </p:set>
+                                    <p:anim calcmode="lin" valueType="num">
+                                      <p:cBhvr additive="base">
+                                        <p:cTn id="33" dur="500" fill="hold"/>
+                                        <p:tgtEl>
+                                          <p:spTgt spid="4">
+                                            <p:bg/>
+                                          </p:spTgt>
+                                        </p:tgtEl>
+                                        <p:attrNameLst>
+                                          <p:attrName>ppt_x</p:attrName>
+                                        </p:attrNameLst>
+                                      </p:cBhvr>
+                                      <p:tavLst>
+                                        <p:tav tm="0">
+                                          <p:val>
+                                            <p:strVal val="#ppt_x"/>
+                                          </p:val>
+                                        </p:tav>
+                                        <p:tav tm="100000">
+                                          <p:val>
+                                            <p:strVal val="#ppt_x"/>
+                                          </p:val>
+                                        </p:tav>
+                                      </p:tavLst>
+                                    </p:anim>
+                                    <p:anim calcmode="lin" valueType="num">
+                                      <p:cBhvr additive="base">
+                                        <p:cTn id="34" dur="500" fill="hold"/>
+                                        <p:tgtEl>
+                                          <p:spTgt spid="4">
+                                            <p:bg/>
+                                          </p:spTgt>
+                                        </p:tgtEl>
+                                        <p:attrNameLst>
+                                          <p:attrName>ppt_y</p:attrName>
+                                        </p:attrNameLst>
+                                      </p:cBhvr>
+                                      <p:tavLst>
+                                        <p:tav tm="0">
+                                          <p:val>
+                                            <p:strVal val="1+#ppt_h/2"/>
+                                          </p:val>
+                                        </p:tav>
+                                        <p:tav tm="100000">
+                                          <p:val>
+                                            <p:strVal val="#ppt_y"/>
+                                          </p:val>
+                                        </p:tav>
+                                      </p:tavLst>
+                                    </p:anim>
+                                  </p:childTnLst>
+                                </p:cTn>
+                              </p:par>
+                            </p:childTnLst>
+                          </p:cTn>
+                        </p:par>
+                      </p:childTnLst>
+                    </p:cTn>
+                  </p:par>
+                  <p:par>
+                    <p:cTn id="35" fill="hold">
+                      <p:stCondLst>
+                        <p:cond delay="indefinite"/>
+                      </p:stCondLst>
+                      <p:childTnLst>
+                        <p:par>
+                          <p:cTn id="36" fill="hold">
+                            <p:stCondLst>
+                              <p:cond delay="0"/>
+                            </p:stCondLst>
+                            <p:childTnLst>
+                              <p:par>
+                                <p:cTn id="37" presetID="2" presetClass="entr" presetSubtype="4" fill="hold" grpId="0" nodeType="clickEffect">
+                                  <p:stCondLst>
+                                    <p:cond delay="0"/>
+                                  </p:stCondLst>
+                                  <p:childTnLst>
+                                    <p:set>
+                                      <p:cBhvr>
+                                        <p:cTn id="38" dur="1" fill="hold">
+                                          <p:stCondLst>
+                                            <p:cond delay="0"/>
+                                          </p:stCondLst>
+                                        </p:cTn>
+                                        <p:tgtEl>
+                                          <p:spTgt spid="4">
+                                            <p:txEl>
+                                              <p:pRg st="0" end="0"/>
+                                            </p:txEl>
+                                          </p:spTgt>
+                                        </p:tgtEl>
+                                        <p:attrNameLst>
+                                          <p:attrName>style.visibility</p:attrName>
+                                        </p:attrNameLst>
+                                      </p:cBhvr>
+                                      <p:to>
+                                        <p:strVal val="visible"/>
+                                      </p:to>
+                                    </p:set>
+                                    <p:anim calcmode="lin" valueType="num">
+                                      <p:cBhvr additive="base">
+                                        <p:cTn id="39" dur="500" fill="hold"/>
+                                        <p:tgtEl>
+                                          <p:spTgt spid="4">
+                                            <p:txEl>
+                                              <p:pRg st="0" end="0"/>
+                                            </p:txEl>
+                                          </p:spTgt>
+                                        </p:tgtEl>
+                                        <p:attrNameLst>
+                                          <p:attrName>ppt_x</p:attrName>
+                                        </p:attrNameLst>
+                                      </p:cBhvr>
+                                      <p:tavLst>
+                                        <p:tav tm="0">
+                                          <p:val>
+                                            <p:strVal val="#ppt_x"/>
+                                          </p:val>
+                                        </p:tav>
+                                        <p:tav tm="100000">
+                                          <p:val>
+                                            <p:strVal val="#ppt_x"/>
+                                          </p:val>
+                                        </p:tav>
+                                      </p:tavLst>
+                                    </p:anim>
+                                    <p:anim calcmode="lin" valueType="num">
+                                      <p:cBhvr additive="base">
+                                        <p:cTn id="40" dur="500" fill="hold"/>
+                                        <p:tgtEl>
+                                          <p:spTgt spid="4">
+                                            <p:txEl>
+                                              <p:pRg st="0" end="0"/>
+                                            </p:txEl>
+                                          </p:spTgt>
+                                        </p:tgtEl>
+                                        <p:attrNameLst>
+                                          <p:attrName>ppt_y</p:attrName>
+                                        </p:attrNameLst>
+                                      </p:cBhvr>
+                                      <p:tavLst>
+                                        <p:tav tm="0">
+                                          <p:val>
+                                            <p:strVal val="1+#ppt_h/2"/>
+                                          </p:val>
+                                        </p:tav>
+                                        <p:tav tm="100000">
+                                          <p:val>
+                                            <p:strVal val="#ppt_y"/>
+                                          </p:val>
+                                        </p:tav>
+                                      </p:tavLst>
+                                    </p:anim>
+                                  </p:childTnLst>
+                                </p:cTn>
+                              </p:par>
+                              <p:par>
+                                <p:cTn id="41" presetID="2" presetClass="entr" presetSubtype="4" fill="hold" grpId="0" nodeType="withEffect">
+                                  <p:stCondLst>
+                                    <p:cond delay="0"/>
+                                  </p:stCondLst>
+                                  <p:childTnLst>
+                                    <p:set>
+                                      <p:cBhvr>
+                                        <p:cTn id="42" dur="1" fill="hold">
+                                          <p:stCondLst>
+                                            <p:cond delay="0"/>
+                                          </p:stCondLst>
+                                        </p:cTn>
+                                        <p:tgtEl>
+                                          <p:spTgt spid="5">
+                                            <p:txEl>
+                                              <p:pRg st="0" end="0"/>
+                                            </p:txEl>
+                                          </p:spTgt>
+                                        </p:tgtEl>
+                                        <p:attrNameLst>
+                                          <p:attrName>style.visibility</p:attrName>
+                                        </p:attrNameLst>
+                                      </p:cBhvr>
+                                      <p:to>
+                                        <p:strVal val="visible"/>
+                                      </p:to>
+                                    </p:set>
+                                    <p:anim calcmode="lin" valueType="num">
+                                      <p:cBhvr additive="base">
+                                        <p:cTn id="43" dur="500" fill="hold"/>
+                                        <p:tgtEl>
+                                          <p:spTgt spid="5">
+                                            <p:txEl>
+                                              <p:pRg st="0" end="0"/>
+                                            </p:txEl>
+                                          </p:spTgt>
+                                        </p:tgtEl>
+                                        <p:attrNameLst>
+                                          <p:attrName>ppt_x</p:attrName>
+                                        </p:attrNameLst>
+                                      </p:cBhvr>
+                                      <p:tavLst>
+                                        <p:tav tm="0">
+                                          <p:val>
+                                            <p:strVal val="#ppt_x"/>
+                                          </p:val>
+                                        </p:tav>
+                                        <p:tav tm="100000">
+                                          <p:val>
+                                            <p:strVal val="#ppt_x"/>
+                                          </p:val>
+                                        </p:tav>
+                                      </p:tavLst>
+                                    </p:anim>
+                                    <p:anim calcmode="lin" valueType="num">
+                                      <p:cBhvr additive="base">
+                                        <p:cTn id="44" dur="500" fill="hold"/>
+                                        <p:tgtEl>
+                                          <p:spTgt spid="5">
+                                            <p:txEl>
+                                              <p:pRg st="0" end="0"/>
+                                            </p:txEl>
+                                          </p:spTgt>
+                                        </p:tgtEl>
+                                        <p:attrNameLst>
+                                          <p:attrName>ppt_y</p:attrName>
+                                        </p:attrNameLst>
+                                      </p:cBhvr>
+                                      <p:tavLst>
+                                        <p:tav tm="0">
+                                          <p:val>
+                                            <p:strVal val="1+#ppt_h/2"/>
+                                          </p:val>
+                                        </p:tav>
+                                        <p:tav tm="100000">
+                                          <p:val>
+                                            <p:strVal val="#ppt_y"/>
+                                          </p:val>
+                                        </p:tav>
+                                      </p:tavLst>
+                                    </p:anim>
+                                  </p:childTnLst>
+                                </p:cTn>
+                              </p:par>
+                            </p:childTnLst>
+                          </p:cTn>
+                        </p:par>
+                      </p:childTnLst>
+                    </p:cTn>
+                  </p:par>
+                  <p:par>
+                    <p:cTn id="45" fill="hold">
+                      <p:stCondLst>
+                        <p:cond delay="indefinite"/>
+                      </p:stCondLst>
+                      <p:childTnLst>
+                        <p:par>
+                          <p:cTn id="46" fill="hold">
+                            <p:stCondLst>
+                              <p:cond delay="0"/>
+                            </p:stCondLst>
+                            <p:childTnLst>
+                              <p:par>
+                                <p:cTn id="47" presetID="2" presetClass="entr" presetSubtype="4" fill="hold" grpId="0" nodeType="clickEffect">
+                                  <p:stCondLst>
+                                    <p:cond delay="0"/>
+                                  </p:stCondLst>
+                                  <p:childTnLst>
+                                    <p:set>
+                                      <p:cBhvr>
+                                        <p:cTn id="48" dur="1" fill="hold">
+                                          <p:stCondLst>
+                                            <p:cond delay="0"/>
+                                          </p:stCondLst>
+                                        </p:cTn>
+                                        <p:tgtEl>
+                                          <p:spTgt spid="5">
+                                            <p:txEl>
+                                              <p:pRg st="1" end="1"/>
+                                            </p:txEl>
+                                          </p:spTgt>
+                                        </p:tgtEl>
+                                        <p:attrNameLst>
+                                          <p:attrName>style.visibility</p:attrName>
+                                        </p:attrNameLst>
+                                      </p:cBhvr>
+                                      <p:to>
+                                        <p:strVal val="visible"/>
+                                      </p:to>
+                                    </p:set>
+                                    <p:anim calcmode="lin" valueType="num">
+                                      <p:cBhvr additive="base">
+                                        <p:cTn id="49" dur="500" fill="hold"/>
+                                        <p:tgtEl>
+                                          <p:spTgt spid="5">
+                                            <p:txEl>
+                                              <p:pRg st="1" end="1"/>
+                                            </p:txEl>
+                                          </p:spTgt>
+                                        </p:tgtEl>
+                                        <p:attrNameLst>
+                                          <p:attrName>ppt_x</p:attrName>
+                                        </p:attrNameLst>
+                                      </p:cBhvr>
+                                      <p:tavLst>
+                                        <p:tav tm="0">
+                                          <p:val>
+                                            <p:strVal val="#ppt_x"/>
+                                          </p:val>
+                                        </p:tav>
+                                        <p:tav tm="100000">
+                                          <p:val>
+                                            <p:strVal val="#ppt_x"/>
+                                          </p:val>
+                                        </p:tav>
+                                      </p:tavLst>
+                                    </p:anim>
+                                    <p:anim calcmode="lin" valueType="num">
+                                      <p:cBhvr additive="base">
+                                        <p:cTn id="50" dur="500" fill="hold"/>
+                                        <p:tgtEl>
+                                          <p:spTgt spid="5">
+                                            <p:txEl>
+                                              <p:pRg st="1" end="1"/>
+                                            </p:txEl>
+                                          </p:spTgt>
+                                        </p:tgtEl>
+                                        <p:attrNameLst>
+                                          <p:attrName>ppt_y</p:attrName>
+                                        </p:attrNameLst>
+                                      </p:cBhvr>
+                                      <p:tavLst>
+                                        <p:tav tm="0">
+                                          <p:val>
+                                            <p:strVal val="1+#ppt_h/2"/>
+                                          </p:val>
+                                        </p:tav>
+                                        <p:tav tm="100000">
+                                          <p:val>
+                                            <p:strVal val="#ppt_y"/>
+                                          </p:val>
+                                        </p:tav>
+                                      </p:tavLst>
+                                    </p:anim>
+                                  </p:childTnLst>
+                                </p:cTn>
+                              </p:par>
+                            </p:childTnLst>
+                          </p:cTn>
+                        </p:par>
+                      </p:childTnLst>
+                    </p:cTn>
+                  </p:par>
+                  <p:par>
+                    <p:cTn id="51" fill="hold">
+                      <p:stCondLst>
+                        <p:cond delay="indefinite"/>
+                      </p:stCondLst>
+                      <p:childTnLst>
+                        <p:par>
+                          <p:cTn id="52" fill="hold">
+                            <p:stCondLst>
+                              <p:cond delay="0"/>
+                            </p:stCondLst>
+                            <p:childTnLst>
+                              <p:par>
+                                <p:cTn id="53" presetID="2" presetClass="entr" presetSubtype="4" fill="hold" grpId="0" nodeType="clickEffect">
+                                  <p:stCondLst>
+                                    <p:cond delay="0"/>
+                                  </p:stCondLst>
+                                  <p:childTnLst>
+                                    <p:set>
+                                      <p:cBhvr>
+                                        <p:cTn id="54" dur="1" fill="hold">
+                                          <p:stCondLst>
+                                            <p:cond delay="0"/>
+                                          </p:stCondLst>
+                                        </p:cTn>
+                                        <p:tgtEl>
+                                          <p:spTgt spid="5">
+                                            <p:txEl>
+                                              <p:pRg st="2" end="2"/>
+                                            </p:txEl>
+                                          </p:spTgt>
+                                        </p:tgtEl>
+                                        <p:attrNameLst>
+                                          <p:attrName>style.visibility</p:attrName>
+                                        </p:attrNameLst>
+                                      </p:cBhvr>
+                                      <p:to>
+                                        <p:strVal val="visible"/>
+                                      </p:to>
+                                    </p:set>
+                                    <p:anim calcmode="lin" valueType="num">
+                                      <p:cBhvr additive="base">
+                                        <p:cTn id="55" dur="500" fill="hold"/>
+                                        <p:tgtEl>
+                                          <p:spTgt spid="5">
+                                            <p:txEl>
+                                              <p:pRg st="2" end="2"/>
+                                            </p:txEl>
+                                          </p:spTgt>
+                                        </p:tgtEl>
+                                        <p:attrNameLst>
+                                          <p:attrName>ppt_x</p:attrName>
+                                        </p:attrNameLst>
+                                      </p:cBhvr>
+                                      <p:tavLst>
+                                        <p:tav tm="0">
+                                          <p:val>
+                                            <p:strVal val="#ppt_x"/>
+                                          </p:val>
+                                        </p:tav>
+                                        <p:tav tm="100000">
+                                          <p:val>
+                                            <p:strVal val="#ppt_x"/>
+                                          </p:val>
+                                        </p:tav>
+                                      </p:tavLst>
+                                    </p:anim>
+                                    <p:anim calcmode="lin" valueType="num">
+                                      <p:cBhvr additive="base">
+                                        <p:cTn id="56" dur="500" fill="hold"/>
+                                        <p:tgtEl>
+                                          <p:spTgt spid="5">
+                                            <p:txEl>
+                                              <p:pRg st="2" end="2"/>
+                                            </p:txEl>
+                                          </p:spTgt>
+                                        </p:tgtEl>
+                                        <p:attrNameLst>
+                                          <p:attrName>ppt_y</p:attrName>
+                                        </p:attrNameLst>
+                                      </p:cBhvr>
+                                      <p:tavLst>
+                                        <p:tav tm="0">
+                                          <p:val>
+                                            <p:strVal val="1+#ppt_h/2"/>
+                                          </p:val>
+                                        </p:tav>
+                                        <p:tav tm="100000">
+                                          <p:val>
+                                            <p:strVal val="#ppt_y"/>
+                                          </p:val>
+                                        </p:tav>
+                                      </p:tavLst>
+                                    </p:anim>
+                                  </p:childTnLst>
+                                </p:cTn>
+                              </p:par>
+                            </p:childTnLst>
+                          </p:cTn>
+                        </p:par>
+                      </p:childTnLst>
+                    </p:cTn>
+                  </p:par>
+                </p:childTnLst>
+              </p:cTn>
+              <p:prevCondLst>
+                <p:cond evt="onPrev" delay="0">
+                  <p:tgtEl>
+                    <p:sldTgt/>
+                  </p:tgtEl>
+                </p:cond>
+              </p:prevCondLst>
+              <p:nextCondLst>
+                <p:cond evt="onNext" delay="0">
+                  <p:tgtEl>
+                    <p:sldTgt/>
+                  </p:tgtEl>
+                </p:cond>
+              </p:nextCondLst>
+            </p:seq>
+          </p:childTnLst>
+        </p:cTn>
+      </p:par>
+    </p:tnLst>
+    <p:bldLst>
+      <p:bldP spid="2" grpId="0" build="p" animBg="1"/>
+      <p:bldP spid="3" grpId="0" build="p"/>
+      <p:bldP spid="4" grpId="0" build="p" animBg="1"/>
+      <p:bldP spid="5" grpId="0" build="p"/>
+    </p:bldLst>
+  </p:timing>
+</p:sld>
+</file>
+
+<file path=ppt/slides/slide6.xml><?xml version="1.0" encoding="utf-8"?>
+<p:sld xmlns:a="http://schemas.openxmlformats.org/drawingml/2006/main" xmlns:r="http://schemas.openxmlformats.org/officeDocument/2006/relationships" xmlns:p="http://schemas.openxmlformats.org/presentationml/2006/main">
+  <p:cSld>
+    <p:spTree>
+      <p:nvGrpSpPr>
+        <p:cNvPr id="1" name=""/>
+        <p:cNvGrpSpPr/>
+        <p:nvPr/>
+      </p:nvGrpSpPr>
+      <p:grpSpPr>
+        <a:xfrm>
+          <a:off x="0" y="0"/>
+          <a:ext cx="0" cy="0"/>
+          <a:chOff x="0" y="0"/>
+          <a:chExt cx="0" cy="0"/>
+        </a:xfrm>
+      </p:grpSpPr>
+      <p:sp>
+        <p:nvSpPr>
+          <p:cNvPr id="2" name="Текст 1"/>
+          <p:cNvSpPr>
+            <a:spLocks noGrp="1"/>
+          </p:cNvSpPr>
+          <p:nvPr>
+            <p:ph type="body" idx="1"/>
+          </p:nvPr>
+        </p:nvSpPr>
+        <p:spPr/>
+        <p:txBody>
+          <a:bodyPr/>
+          <a:lstStyle/>
+          <a:p>
+            <a:r>
+              <a:rPr lang="ru-RU" dirty="0" smtClean="0"/>
+              <a:t>Плюсы</a:t>
+            </a:r>
+            <a:endParaRPr lang="ru-RU" dirty="0"/>
+          </a:p>
+        </p:txBody>
+      </p:sp>
+      <p:sp>
+        <p:nvSpPr>
+          <p:cNvPr id="3" name="Объект 2"/>
+          <p:cNvSpPr>
+            <a:spLocks noGrp="1"/>
+          </p:cNvSpPr>
+          <p:nvPr>
+            <p:ph sz="half" idx="2"/>
+          </p:nvPr>
+        </p:nvSpPr>
+        <p:spPr/>
+        <p:txBody>
+          <a:bodyPr/>
+          <a:lstStyle/>
+          <a:p>
+            <a:r>
+              <a:rPr lang="ru-RU" dirty="0"/>
+              <a:t>Возможность нагрузочного тестирования. </a:t>
+            </a:r>
+            <a:endParaRPr lang="ru-RU" dirty="0" smtClean="0"/>
+          </a:p>
+          <a:p>
+            <a:r>
+              <a:rPr lang="ru-RU" dirty="0"/>
+              <a:t>Экономия времени</a:t>
+            </a:r>
+            <a:r>
+              <a:rPr lang="ru-RU" dirty="0" smtClean="0"/>
+              <a:t>.</a:t>
+            </a:r>
+          </a:p>
+          <a:p>
+            <a:r>
+              <a:rPr lang="ru-RU" dirty="0"/>
+              <a:t>Возможность повторного использования. </a:t>
+            </a:r>
+          </a:p>
+        </p:txBody>
+      </p:sp>
+      <p:sp>
+        <p:nvSpPr>
+          <p:cNvPr id="4" name="Текст 3"/>
+          <p:cNvSpPr>
+            <a:spLocks noGrp="1"/>
+          </p:cNvSpPr>
+          <p:nvPr>
+            <p:ph type="body" sz="quarter" idx="3"/>
+          </p:nvPr>
+        </p:nvSpPr>
+        <p:spPr/>
+        <p:txBody>
+          <a:bodyPr/>
+          <a:lstStyle/>
+          <a:p>
+            <a:r>
+              <a:rPr lang="ru-RU" dirty="0" smtClean="0"/>
+              <a:t>Минусы</a:t>
+            </a:r>
+            <a:endParaRPr lang="ru-RU" dirty="0"/>
+          </a:p>
+        </p:txBody>
+      </p:sp>
+      <p:sp>
+        <p:nvSpPr>
+          <p:cNvPr id="5" name="Объект 4"/>
+          <p:cNvSpPr>
+            <a:spLocks noGrp="1"/>
+          </p:cNvSpPr>
+          <p:nvPr>
+            <p:ph sz="quarter" idx="4"/>
+          </p:nvPr>
+        </p:nvSpPr>
+        <p:spPr/>
+        <p:txBody>
+          <a:bodyPr/>
+          <a:lstStyle/>
+          <a:p>
+            <a:r>
+              <a:rPr lang="en-US" dirty="0"/>
+              <a:t>UI-</a:t>
+            </a:r>
+            <a:r>
+              <a:rPr lang="ru-RU" dirty="0"/>
+              <a:t>тестирование. </a:t>
+            </a:r>
+            <a:endParaRPr lang="ru-RU" dirty="0" smtClean="0"/>
+          </a:p>
+          <a:p>
+            <a:r>
+              <a:rPr lang="ru-RU" dirty="0"/>
+              <a:t>Отсутствие «человеческого взгляда».</a:t>
+            </a:r>
+          </a:p>
+        </p:txBody>
+      </p:sp>
+      <p:sp>
+        <p:nvSpPr>
+          <p:cNvPr id="6" name="Заголовок 5"/>
+          <p:cNvSpPr>
+            <a:spLocks noGrp="1"/>
+          </p:cNvSpPr>
+          <p:nvPr>
+            <p:ph type="title"/>
+          </p:nvPr>
+        </p:nvSpPr>
+        <p:spPr/>
+        <p:txBody>
+          <a:bodyPr/>
+          <a:lstStyle/>
+          <a:p>
+            <a:r>
+              <a:rPr lang="ru-RU" dirty="0" smtClean="0"/>
+              <a:t>Автоматизированное тестирование</a:t>
+            </a:r>
+            <a:endParaRPr lang="ru-RU" dirty="0"/>
+          </a:p>
+        </p:txBody>
+      </p:sp>
+    </p:spTree>
+    <p:extLst>
+      <p:ext uri="{BB962C8B-B14F-4D97-AF65-F5344CB8AC3E}">
+        <p14:creationId xmlns:p14="http://schemas.microsoft.com/office/powerpoint/2010/main" val="1984124368"/>
+      </p:ext>
+    </p:extLst>
+  </p:cSld>
+  <p:clrMapOvr>
+    <a:masterClrMapping/>
+  </p:clrMapOvr>
+  <p:timing>
+    <p:tnLst>
+      <p:par>
+        <p:cTn id="1" dur="indefinite" restart="never" nodeType="tmRoot">
+          <p:childTnLst>
+            <p:seq concurrent="1" nextAc="seek">
+              <p:cTn id="2" dur="indefinite" nodeType="mainSeq">
+                <p:childTnLst>
+                  <p:par>
+                    <p:cTn id="3" fill="hold">
+                      <p:stCondLst>
+                        <p:cond delay="indefinite"/>
+                      </p:stCondLst>
+                      <p:childTnLst>
+                        <p:par>
+                          <p:cTn id="4" fill="hold">
+                            <p:stCondLst>
+                              <p:cond delay="0"/>
+                            </p:stCondLst>
+                            <p:childTnLst>
+                              <p:par>
+                                <p:cTn id="5" presetID="1" presetClass="entr" presetSubtype="0" fill="hold" grpId="0" nodeType="clickEffect">
+                                  <p:stCondLst>
+                                    <p:cond delay="0"/>
+                                  </p:stCondLst>
+                                  <p:childTnLst>
+                                    <p:set>
+                                      <p:cBhvr>
+                                        <p:cTn id="6" dur="1" fill="hold">
+                                          <p:stCondLst>
+                                            <p:cond delay="0"/>
+                                          </p:stCondLst>
+                                        </p:cTn>
+                                        <p:tgtEl>
+                                          <p:spTgt spid="2">
+                                            <p:bg/>
+                                          </p:spTgt>
+                                        </p:tgtEl>
+                                        <p:attrNameLst>
+                                          <p:attrName>style.visibility</p:attrName>
+                                        </p:attrNameLst>
+                                      </p:cBhvr>
+                                      <p:to>
+                                        <p:strVal val="visible"/>
+                                      </p:to>
+                                    </p:set>
+                                  </p:childTnLst>
+                                </p:cTn>
+                              </p:par>
+                            </p:childTnLst>
+                          </p:cTn>
+                        </p:par>
+                      </p:childTnLst>
+                    </p:cTn>
+                  </p:par>
+                  <p:par>
+                    <p:cTn id="7" fill="hold">
+                      <p:stCondLst>
+                        <p:cond delay="indefinite"/>
+                      </p:stCondLst>
+                      <p:childTnLst>
+                        <p:par>
+                          <p:cTn id="8" fill="hold">
+                            <p:stCondLst>
+                              <p:cond delay="0"/>
+                            </p:stCondLst>
+                            <p:childTnLst>
+                              <p:par>
+                                <p:cTn id="9" presetID="1" presetClass="entr" presetSubtype="0" fill="hold" grpId="0" nodeType="clickEffect">
+                                  <p:stCondLst>
+                                    <p:cond delay="0"/>
+                                  </p:stCondLst>
+                                  <p:childTnLst>
+                                    <p:set>
+                                      <p:cBhvr>
+                                        <p:cTn id="10" dur="1" fill="hold">
+                                          <p:stCondLst>
+                                            <p:cond delay="0"/>
+                                          </p:stCondLst>
+                                        </p:cTn>
+                                        <p:tgtEl>
+                                          <p:spTgt spid="2">
+                                            <p:txEl>
+                                              <p:pRg st="0" end="0"/>
+                                            </p:txEl>
+                                          </p:spTgt>
+                                        </p:tgtEl>
+                                        <p:attrNameLst>
+                                          <p:attrName>style.visibility</p:attrName>
+                                        </p:attrNameLst>
+                                      </p:cBhvr>
+                                      <p:to>
+                                        <p:strVal val="visible"/>
+                                      </p:to>
+                                    </p:set>
+                                  </p:childTnLst>
+                                </p:cTn>
+                              </p:par>
+                              <p:par>
+                                <p:cTn id="11" presetID="1" presetClass="entr" presetSubtype="0" fill="hold" grpId="0" nodeType="withEffect">
+                                  <p:stCondLst>
+                                    <p:cond delay="0"/>
+                                  </p:stCondLst>
+                                  <p:childTnLst>
+                                    <p:set>
+                                      <p:cBhvr>
+                                        <p:cTn id="12" dur="1" fill="hold">
+                                          <p:stCondLst>
+                                            <p:cond delay="0"/>
+                                          </p:stCondLst>
+                                        </p:cTn>
+                                        <p:tgtEl>
+                                          <p:spTgt spid="3">
+                                            <p:txEl>
+                                              <p:pRg st="0" end="0"/>
+                                            </p:txEl>
+                                          </p:spTgt>
+                                        </p:tgtEl>
+                                        <p:attrNameLst>
+                                          <p:attrName>style.visibility</p:attrName>
+                                        </p:attrNameLst>
+                                      </p:cBhvr>
+                                      <p:to>
+                                        <p:strVal val="visible"/>
+                                      </p:to>
+                                    </p:set>
+                                  </p:childTnLst>
+                                </p:cTn>
+                              </p:par>
+                            </p:childTnLst>
+                          </p:cTn>
+                        </p:par>
+                      </p:childTnLst>
+                    </p:cTn>
+                  </p:par>
+                  <p:par>
+                    <p:cTn id="13" fill="hold">
+                      <p:stCondLst>
+                        <p:cond delay="indefinite"/>
+                      </p:stCondLst>
+                      <p:childTnLst>
+                        <p:par>
+                          <p:cTn id="14" fill="hold">
+                            <p:stCondLst>
+                              <p:cond delay="0"/>
+                            </p:stCondLst>
+                            <p:childTnLst>
+                              <p:par>
+                                <p:cTn id="15" presetID="1" presetClass="entr" presetSubtype="0" fill="hold" grpId="0" nodeType="clickEffect">
+                                  <p:stCondLst>
+                                    <p:cond delay="0"/>
+                                  </p:stCondLst>
+                                  <p:childTnLst>
+                                    <p:set>
+                                      <p:cBhvr>
+                                        <p:cTn id="16" dur="1" fill="hold">
+                                          <p:stCondLst>
+                                            <p:cond delay="0"/>
+                                          </p:stCondLst>
+                                        </p:cTn>
+                                        <p:tgtEl>
+                                          <p:spTgt spid="3">
+                                            <p:txEl>
+                                              <p:pRg st="1" end="1"/>
+                                            </p:txEl>
+                                          </p:spTgt>
+                                        </p:tgtEl>
+                                        <p:attrNameLst>
+                                          <p:attrName>style.visibility</p:attrName>
+                                        </p:attrNameLst>
+                                      </p:cBhvr>
+                                      <p:to>
+                                        <p:strVal val="visible"/>
+                                      </p:to>
+                                    </p:set>
+                                  </p:childTnLst>
+                                </p:cTn>
+                              </p:par>
+                            </p:childTnLst>
+                          </p:cTn>
+                        </p:par>
+                      </p:childTnLst>
+                    </p:cTn>
+                  </p:par>
+                  <p:par>
+                    <p:cTn id="17" fill="hold">
+                      <p:stCondLst>
+                        <p:cond delay="indefinite"/>
+                      </p:stCondLst>
+                      <p:childTnLst>
+                        <p:par>
+                          <p:cTn id="18" fill="hold">
+                            <p:stCondLst>
+                              <p:cond delay="0"/>
+                            </p:stCondLst>
+                            <p:childTnLst>
+                              <p:par>
+                                <p:cTn id="19" presetID="1" presetClass="entr" presetSubtype="0" fill="hold" grpId="0" nodeType="clickEffect">
+                                  <p:stCondLst>
+                                    <p:cond delay="0"/>
+                                  </p:stCondLst>
+                                  <p:childTnLst>
+                                    <p:set>
+                                      <p:cBhvr>
+                                        <p:cTn id="20" dur="1" fill="hold">
+                                          <p:stCondLst>
+                                            <p:cond delay="0"/>
+                                          </p:stCondLst>
+                                        </p:cTn>
+                                        <p:tgtEl>
+                                          <p:spTgt spid="3">
+                                            <p:txEl>
+                                              <p:pRg st="2" end="2"/>
+                                            </p:txEl>
+                                          </p:spTgt>
+                                        </p:tgtEl>
+                                        <p:attrNameLst>
+                                          <p:attrName>style.visibility</p:attrName>
+                                        </p:attrNameLst>
+                                      </p:cBhvr>
+                                      <p:to>
+                                        <p:strVal val="visible"/>
+                                      </p:to>
+                                    </p:set>
+                                  </p:childTnLst>
+                                </p:cTn>
+                              </p:par>
+                            </p:childTnLst>
+                          </p:cTn>
+                        </p:par>
+                      </p:childTnLst>
+                    </p:cTn>
+                  </p:par>
+                  <p:par>
+                    <p:cTn id="21" fill="hold">
+                      <p:stCondLst>
+                        <p:cond delay="indefinite"/>
+                      </p:stCondLst>
+                      <p:childTnLst>
+                        <p:par>
+                          <p:cTn id="22" fill="hold">
+                            <p:stCondLst>
+                              <p:cond delay="0"/>
+                            </p:stCondLst>
+                            <p:childTnLst>
+                              <p:par>
+                                <p:cTn id="23" presetID="2" presetClass="entr" presetSubtype="4" fill="hold" grpId="0" nodeType="clickEffect">
+                                  <p:stCondLst>
+                                    <p:cond delay="0"/>
+                                  </p:stCondLst>
+                                  <p:childTnLst>
+                                    <p:set>
+                                      <p:cBhvr>
+                                        <p:cTn id="24" dur="1" fill="hold">
+                                          <p:stCondLst>
+                                            <p:cond delay="0"/>
+                                          </p:stCondLst>
+                                        </p:cTn>
+                                        <p:tgtEl>
+                                          <p:spTgt spid="4">
+                                            <p:bg/>
+                                          </p:spTgt>
+                                        </p:tgtEl>
+                                        <p:attrNameLst>
+                                          <p:attrName>style.visibility</p:attrName>
+                                        </p:attrNameLst>
+                                      </p:cBhvr>
+                                      <p:to>
+                                        <p:strVal val="visible"/>
+                                      </p:to>
+                                    </p:set>
+                                    <p:anim calcmode="lin" valueType="num">
+                                      <p:cBhvr additive="base">
+                                        <p:cTn id="25" dur="500" fill="hold"/>
+                                        <p:tgtEl>
+                                          <p:spTgt spid="4">
+                                            <p:bg/>
+                                          </p:spTgt>
+                                        </p:tgtEl>
+                                        <p:attrNameLst>
+                                          <p:attrName>ppt_x</p:attrName>
+                                        </p:attrNameLst>
+                                      </p:cBhvr>
+                                      <p:tavLst>
+                                        <p:tav tm="0">
+                                          <p:val>
+                                            <p:strVal val="#ppt_x"/>
+                                          </p:val>
+                                        </p:tav>
+                                        <p:tav tm="100000">
+                                          <p:val>
+                                            <p:strVal val="#ppt_x"/>
+                                          </p:val>
+                                        </p:tav>
+                                      </p:tavLst>
+                                    </p:anim>
+                                    <p:anim calcmode="lin" valueType="num">
+                                      <p:cBhvr additive="base">
+                                        <p:cTn id="26" dur="500" fill="hold"/>
+                                        <p:tgtEl>
+                                          <p:spTgt spid="4">
+                                            <p:bg/>
+                                          </p:spTgt>
+                                        </p:tgtEl>
+                                        <p:attrNameLst>
+                                          <p:attrName>ppt_y</p:attrName>
+                                        </p:attrNameLst>
+                                      </p:cBhvr>
+                                      <p:tavLst>
+                                        <p:tav tm="0">
+                                          <p:val>
+                                            <p:strVal val="1+#ppt_h/2"/>
+                                          </p:val>
+                                        </p:tav>
+                                        <p:tav tm="100000">
+                                          <p:val>
+                                            <p:strVal val="#ppt_y"/>
+                                          </p:val>
+                                        </p:tav>
+                                      </p:tavLst>
+                                    </p:anim>
+                                  </p:childTnLst>
+                                </p:cTn>
+                              </p:par>
+                            </p:childTnLst>
+                          </p:cTn>
+                        </p:par>
+                      </p:childTnLst>
+                    </p:cTn>
+                  </p:par>
+                  <p:par>
+                    <p:cTn id="27" fill="hold">
+                      <p:stCondLst>
+                        <p:cond delay="indefinite"/>
+                      </p:stCondLst>
+                      <p:childTnLst>
+                        <p:par>
+                          <p:cTn id="28" fill="hold">
+                            <p:stCondLst>
+                              <p:cond delay="0"/>
+                            </p:stCondLst>
+                            <p:childTnLst>
+                              <p:par>
+                                <p:cTn id="29" presetID="2" presetClass="entr" presetSubtype="4" fill="hold" grpId="0" nodeType="clickEffect">
+                                  <p:stCondLst>
+                                    <p:cond delay="0"/>
+                                  </p:stCondLst>
+                                  <p:childTnLst>
+                                    <p:set>
+                                      <p:cBhvr>
+                                        <p:cTn id="30" dur="1" fill="hold">
+                                          <p:stCondLst>
+                                            <p:cond delay="0"/>
+                                          </p:stCondLst>
+                                        </p:cTn>
+                                        <p:tgtEl>
+                                          <p:spTgt spid="4">
+                                            <p:txEl>
+                                              <p:pRg st="0" end="0"/>
+                                            </p:txEl>
+                                          </p:spTgt>
+                                        </p:tgtEl>
+                                        <p:attrNameLst>
+                                          <p:attrName>style.visibility</p:attrName>
+                                        </p:attrNameLst>
+                                      </p:cBhvr>
+                                      <p:to>
+                                        <p:strVal val="visible"/>
+                                      </p:to>
+                                    </p:set>
+                                    <p:anim calcmode="lin" valueType="num">
+                                      <p:cBhvr additive="base">
+                                        <p:cTn id="31" dur="500" fill="hold"/>
+                                        <p:tgtEl>
+                                          <p:spTgt spid="4">
+                                            <p:txEl>
+                                              <p:pRg st="0" end="0"/>
+                                            </p:txEl>
+                                          </p:spTgt>
+                                        </p:tgtEl>
+                                        <p:attrNameLst>
+                                          <p:attrName>ppt_x</p:attrName>
+                                        </p:attrNameLst>
+                                      </p:cBhvr>
+                                      <p:tavLst>
+                                        <p:tav tm="0">
+                                          <p:val>
+                                            <p:strVal val="#ppt_x"/>
+                                          </p:val>
+                                        </p:tav>
+                                        <p:tav tm="100000">
+                                          <p:val>
+                                            <p:strVal val="#ppt_x"/>
+                                          </p:val>
+                                        </p:tav>
+                                      </p:tavLst>
+                                    </p:anim>
+                                    <p:anim calcmode="lin" valueType="num">
+                                      <p:cBhvr additive="base">
+                                        <p:cTn id="32" dur="500" fill="hold"/>
+                                        <p:tgtEl>
+                                          <p:spTgt spid="4">
+                                            <p:txEl>
+                                              <p:pRg st="0" end="0"/>
+                                            </p:txEl>
+                                          </p:spTgt>
+                                        </p:tgtEl>
+                                        <p:attrNameLst>
+                                          <p:attrName>ppt_y</p:attrName>
+                                        </p:attrNameLst>
+                                      </p:cBhvr>
+                                      <p:tavLst>
+                                        <p:tav tm="0">
+                                          <p:val>
+                                            <p:strVal val="1+#ppt_h/2"/>
+                                          </p:val>
+                                        </p:tav>
+                                        <p:tav tm="100000">
+                                          <p:val>
+                                            <p:strVal val="#ppt_y"/>
+                                          </p:val>
+                                        </p:tav>
+                                      </p:tavLst>
+                                    </p:anim>
+                                  </p:childTnLst>
+                                </p:cTn>
+                              </p:par>
+                              <p:par>
+                                <p:cTn id="33" presetID="2" presetClass="entr" presetSubtype="4" fill="hold" grpId="0" nodeType="withEffect">
+                                  <p:stCondLst>
+                                    <p:cond delay="0"/>
+                                  </p:stCondLst>
+                                  <p:childTnLst>
+                                    <p:set>
+                                      <p:cBhvr>
+                                        <p:cTn id="34" dur="1" fill="hold">
+                                          <p:stCondLst>
+                                            <p:cond delay="0"/>
+                                          </p:stCondLst>
+                                        </p:cTn>
+                                        <p:tgtEl>
+                                          <p:spTgt spid="5">
+                                            <p:txEl>
+                                              <p:pRg st="0" end="0"/>
+                                            </p:txEl>
+                                          </p:spTgt>
+                                        </p:tgtEl>
+                                        <p:attrNameLst>
+                                          <p:attrName>style.visibility</p:attrName>
+                                        </p:attrNameLst>
+                                      </p:cBhvr>
+                                      <p:to>
+                                        <p:strVal val="visible"/>
+                                      </p:to>
+                                    </p:set>
+                                    <p:anim calcmode="lin" valueType="num">
+                                      <p:cBhvr additive="base">
+                                        <p:cTn id="35" dur="500" fill="hold"/>
+                                        <p:tgtEl>
+                                          <p:spTgt spid="5">
+                                            <p:txEl>
+                                              <p:pRg st="0" end="0"/>
+                                            </p:txEl>
+                                          </p:spTgt>
+                                        </p:tgtEl>
+                                        <p:attrNameLst>
+                                          <p:attrName>ppt_x</p:attrName>
+                                        </p:attrNameLst>
+                                      </p:cBhvr>
+                                      <p:tavLst>
+                                        <p:tav tm="0">
+                                          <p:val>
+                                            <p:strVal val="#ppt_x"/>
+                                          </p:val>
+                                        </p:tav>
+                                        <p:tav tm="100000">
+                                          <p:val>
+                                            <p:strVal val="#ppt_x"/>
+                                          </p:val>
+                                        </p:tav>
+                                      </p:tavLst>
+                                    </p:anim>
+                                    <p:anim calcmode="lin" valueType="num">
+                                      <p:cBhvr additive="base">
+                                        <p:cTn id="36" dur="500" fill="hold"/>
+                                        <p:tgtEl>
+                                          <p:spTgt spid="5">
+                                            <p:txEl>
+                                              <p:pRg st="0" end="0"/>
+                                            </p:txEl>
+                                          </p:spTgt>
+                                        </p:tgtEl>
+                                        <p:attrNameLst>
+                                          <p:attrName>ppt_y</p:attrName>
+                                        </p:attrNameLst>
+                                      </p:cBhvr>
+                                      <p:tavLst>
+                                        <p:tav tm="0">
+                                          <p:val>
+                                            <p:strVal val="1+#ppt_h/2"/>
+                                          </p:val>
+                                        </p:tav>
+                                        <p:tav tm="100000">
+                                          <p:val>
+                                            <p:strVal val="#ppt_y"/>
+                                          </p:val>
+                                        </p:tav>
+                                      </p:tavLst>
+                                    </p:anim>
+                                  </p:childTnLst>
+                                </p:cTn>
+                              </p:par>
+                            </p:childTnLst>
+                          </p:cTn>
+                        </p:par>
+                      </p:childTnLst>
+                    </p:cTn>
+                  </p:par>
+                  <p:par>
+                    <p:cTn id="37" fill="hold">
+                      <p:stCondLst>
+                        <p:cond delay="indefinite"/>
+                      </p:stCondLst>
+                      <p:childTnLst>
+                        <p:par>
+                          <p:cTn id="38" fill="hold">
+                            <p:stCondLst>
+                              <p:cond delay="0"/>
+                            </p:stCondLst>
+                            <p:childTnLst>
+                              <p:par>
+                                <p:cTn id="39" presetID="2" presetClass="entr" presetSubtype="4" fill="hold" grpId="0" nodeType="clickEffect">
+                                  <p:stCondLst>
+                                    <p:cond delay="0"/>
+                                  </p:stCondLst>
+                                  <p:childTnLst>
+                                    <p:set>
+                                      <p:cBhvr>
+                                        <p:cTn id="40" dur="1" fill="hold">
+                                          <p:stCondLst>
+                                            <p:cond delay="0"/>
+                                          </p:stCondLst>
+                                        </p:cTn>
+                                        <p:tgtEl>
+                                          <p:spTgt spid="5">
+                                            <p:txEl>
+                                              <p:pRg st="1" end="1"/>
+                                            </p:txEl>
+                                          </p:spTgt>
+                                        </p:tgtEl>
+                                        <p:attrNameLst>
+                                          <p:attrName>style.visibility</p:attrName>
+                                        </p:attrNameLst>
+                                      </p:cBhvr>
+                                      <p:to>
+                                        <p:strVal val="visible"/>
+                                      </p:to>
+                                    </p:set>
+                                    <p:anim calcmode="lin" valueType="num">
+                                      <p:cBhvr additive="base">
+                                        <p:cTn id="41" dur="500" fill="hold"/>
+                                        <p:tgtEl>
+                                          <p:spTgt spid="5">
+                                            <p:txEl>
+                                              <p:pRg st="1" end="1"/>
+                                            </p:txEl>
+                                          </p:spTgt>
+                                        </p:tgtEl>
+                                        <p:attrNameLst>
+                                          <p:attrName>ppt_x</p:attrName>
+                                        </p:attrNameLst>
+                                      </p:cBhvr>
+                                      <p:tavLst>
+                                        <p:tav tm="0">
+                                          <p:val>
+                                            <p:strVal val="#ppt_x"/>
+                                          </p:val>
+                                        </p:tav>
+                                        <p:tav tm="100000">
+                                          <p:val>
+                                            <p:strVal val="#ppt_x"/>
+                                          </p:val>
+                                        </p:tav>
+                                      </p:tavLst>
+                                    </p:anim>
+                                    <p:anim calcmode="lin" valueType="num">
+                                      <p:cBhvr additive="base">
+                                        <p:cTn id="42" dur="500" fill="hold"/>
+                                        <p:tgtEl>
+                                          <p:spTgt spid="5">
+                                            <p:txEl>
+                                              <p:pRg st="1" end="1"/>
+                                            </p:txEl>
+                                          </p:spTgt>
+                                        </p:tgtEl>
+                                        <p:attrNameLst>
+                                          <p:attrName>ppt_y</p:attrName>
+                                        </p:attrNameLst>
+                                      </p:cBhvr>
+                                      <p:tavLst>
+                                        <p:tav tm="0">
+                                          <p:val>
+                                            <p:strVal val="1+#ppt_h/2"/>
+                                          </p:val>
+                                        </p:tav>
+                                        <p:tav tm="100000">
+                                          <p:val>
+                                            <p:strVal val="#ppt_y"/>
+                                          </p:val>
+                                        </p:tav>
+                                      </p:tavLst>
+                                    </p:anim>
+                                  </p:childTnLst>
+                                </p:cTn>
+                              </p:par>
+                            </p:childTnLst>
+                          </p:cTn>
+                        </p:par>
+                      </p:childTnLst>
+                    </p:cTn>
+                  </p:par>
+                </p:childTnLst>
+              </p:cTn>
+              <p:prevCondLst>
+                <p:cond evt="onPrev" delay="0">
+                  <p:tgtEl>
+                    <p:sldTgt/>
+                  </p:tgtEl>
+                </p:cond>
+              </p:prevCondLst>
+              <p:nextCondLst>
+                <p:cond evt="onNext" delay="0">
+                  <p:tgtEl>
+                    <p:sldTgt/>
+                  </p:tgtEl>
+                </p:cond>
+              </p:nextCondLst>
+            </p:seq>
+          </p:childTnLst>
+        </p:cTn>
+      </p:par>
+    </p:tnLst>
+    <p:bldLst>
+      <p:bldP spid="2" grpId="0" build="p" animBg="1"/>
+      <p:bldP spid="3" grpId="0" build="p"/>
+      <p:bldP spid="4" grpId="0" build="p" animBg="1"/>
+      <p:bldP spid="5" grpId="0" build="p"/>
+    </p:bldLst>
+  </p:timing>
+</p:sld>
+</file>
+
+<file path=ppt/slides/slide7.xml><?xml version="1.0" encoding="utf-8"?>
+<p:sld xmlns:a="http://schemas.openxmlformats.org/drawingml/2006/main" xmlns:r="http://schemas.openxmlformats.org/officeDocument/2006/relationships" xmlns:p="http://schemas.openxmlformats.org/presentationml/2006/main">
+  <p:cSld>
+    <p:spTree>
+      <p:nvGrpSpPr>
+        <p:cNvPr id="1" name=""/>
+        <p:cNvGrpSpPr/>
+        <p:nvPr/>
+      </p:nvGrpSpPr>
+      <p:grpSpPr>
+        <a:xfrm>
+          <a:off x="0" y="0"/>
+          <a:ext cx="0" cy="0"/>
+          <a:chOff x="0" y="0"/>
+          <a:chExt cx="0" cy="0"/>
+        </a:xfrm>
+      </p:grpSpPr>
+      <p:sp>
+        <p:nvSpPr>
+          <p:cNvPr id="7" name="Заголовок 6"/>
+          <p:cNvSpPr>
+            <a:spLocks noGrp="1"/>
+          </p:cNvSpPr>
+          <p:nvPr>
+            <p:ph type="title"/>
+          </p:nvPr>
+        </p:nvSpPr>
+        <p:spPr/>
+        <p:txBody>
+          <a:bodyPr/>
+          <a:lstStyle/>
+          <a:p>
+            <a:r>
+              <a:rPr lang="ru-RU" dirty="0" smtClean="0"/>
+              <a:t>Выводы</a:t>
+            </a:r>
+            <a:endParaRPr lang="ru-RU" dirty="0"/>
+          </a:p>
+        </p:txBody>
+      </p:sp>
+      <p:sp>
+        <p:nvSpPr>
+          <p:cNvPr id="8" name="Объект 7"/>
+          <p:cNvSpPr>
+            <a:spLocks noGrp="1"/>
+          </p:cNvSpPr>
+          <p:nvPr>
+            <p:ph sz="quarter" idx="10"/>
+          </p:nvPr>
+        </p:nvSpPr>
+        <p:spPr>
+          <a:xfrm>
+            <a:off x="379514" y="1458930"/>
+            <a:ext cx="11525250" cy="3935003"/>
+          </a:xfrm>
+        </p:spPr>
+        <p:txBody>
+          <a:bodyPr/>
+          <a:lstStyle/>
+          <a:p>
+            <a:pPr marL="0" indent="0">
+              <a:buNone/>
+            </a:pPr>
+            <a:r>
+              <a:rPr lang="ru-RU" sz="4000" dirty="0"/>
+              <a:t>Оба вида тестирования имеют как преимущества, так и недостатки. </a:t>
+            </a:r>
+            <a:endParaRPr lang="ru-RU" sz="4000" dirty="0" smtClean="0"/>
+          </a:p>
+          <a:p>
+            <a:pPr marL="0" indent="0">
+              <a:buNone/>
+            </a:pPr>
+            <a:endParaRPr lang="ru-RU" sz="4000" dirty="0" smtClean="0"/>
+          </a:p>
+          <a:p>
+            <a:pPr marL="0" indent="0">
+              <a:buNone/>
+            </a:pPr>
+            <a:r>
+              <a:rPr lang="ru-RU" sz="4000" dirty="0" smtClean="0"/>
+              <a:t>Комбинация </a:t>
+            </a:r>
+            <a:r>
+              <a:rPr lang="ru-RU" sz="4000" dirty="0"/>
+              <a:t>обоих — идеальный способ получить от тестирования максимальный результат.</a:t>
+            </a:r>
+          </a:p>
+        </p:txBody>
+      </p:sp>
+    </p:spTree>
+    <p:extLst>
+      <p:ext uri="{BB962C8B-B14F-4D97-AF65-F5344CB8AC3E}">
+        <p14:creationId xmlns:p14="http://schemas.microsoft.com/office/powerpoint/2010/main" val="1441647255"/>
+      </p:ext>
+    </p:extLst>
+  </p:cSld>
+  <p:clrMapOvr>
+    <a:masterClrMapping/>
+  </p:clrMapOvr>
+  <p:timing>
+    <p:tnLst>
+      <p:par>
+        <p:cTn id="1" dur="indefinite" restart="never" nodeType="tmRoot">
+          <p:childTnLst>
+            <p:seq concurrent="1" nextAc="seek">
+              <p:cTn id="2" dur="indefinite" nodeType="mainSeq">
+                <p:childTnLst>
+                  <p:par>
+                    <p:cTn id="3" fill="hold">
+                      <p:stCondLst>
+                        <p:cond delay="indefinite"/>
+                      </p:stCondLst>
+                      <p:childTnLst>
+                        <p:par>
+                          <p:cTn id="4" fill="hold">
+                            <p:stCondLst>
+                              <p:cond delay="0"/>
+                            </p:stCondLst>
+                            <p:childTnLst>
+                              <p:par>
+                                <p:cTn id="5" presetID="1" presetClass="entr" presetSubtype="0" fill="hold" nodeType="clickEffect">
+                                  <p:stCondLst>
+                                    <p:cond delay="0"/>
+                                  </p:stCondLst>
+                                  <p:childTnLst>
+                                    <p:set>
+                                      <p:cBhvr>
+                                        <p:cTn id="6" dur="1" fill="hold">
+                                          <p:stCondLst>
+                                            <p:cond delay="0"/>
+                                          </p:stCondLst>
+                                        </p:cTn>
+                                        <p:tgtEl>
+                                          <p:spTgt spid="8">
+                                            <p:txEl>
+                                              <p:pRg st="0" end="0"/>
+                                            </p:txEl>
+                                          </p:spTgt>
+                                        </p:tgtEl>
+                                        <p:attrNameLst>
+                                          <p:attrName>style.visibility</p:attrName>
+                                        </p:attrNameLst>
+                                      </p:cBhvr>
+                                      <p:to>
+                                        <p:strVal val="visible"/>
+                                      </p:to>
+                                    </p:set>
+                                  </p:childTnLst>
+                                </p:cTn>
+                              </p:par>
+                            </p:childTnLst>
+                          </p:cTn>
+                        </p:par>
+                      </p:childTnLst>
+                    </p:cTn>
+                  </p:par>
+                  <p:par>
+                    <p:cTn id="7" fill="hold">
+                      <p:stCondLst>
+                        <p:cond delay="indefinite"/>
+                      </p:stCondLst>
+                      <p:childTnLst>
+                        <p:par>
+                          <p:cTn id="8" fill="hold">
+                            <p:stCondLst>
+                              <p:cond delay="0"/>
+                            </p:stCondLst>
+                            <p:childTnLst>
+                              <p:par>
+                                <p:cTn id="9" presetID="2" presetClass="entr" presetSubtype="4" fill="hold" nodeType="clickEffect">
+                                  <p:stCondLst>
+                                    <p:cond delay="0"/>
+                                  </p:stCondLst>
+                                  <p:childTnLst>
+                                    <p:set>
+                                      <p:cBhvr>
+                                        <p:cTn id="10" dur="1" fill="hold">
+                                          <p:stCondLst>
+                                            <p:cond delay="0"/>
+                                          </p:stCondLst>
+                                        </p:cTn>
+                                        <p:tgtEl>
+                                          <p:spTgt spid="8">
+                                            <p:txEl>
+                                              <p:pRg st="2" end="2"/>
+                                            </p:txEl>
+                                          </p:spTgt>
+                                        </p:tgtEl>
+                                        <p:attrNameLst>
+                                          <p:attrName>style.visibility</p:attrName>
+                                        </p:attrNameLst>
+                                      </p:cBhvr>
+                                      <p:to>
+                                        <p:strVal val="visible"/>
+                                      </p:to>
+                                    </p:set>
+                                    <p:anim calcmode="lin" valueType="num">
+                                      <p:cBhvr additive="base">
+                                        <p:cTn id="11" dur="500" fill="hold"/>
+                                        <p:tgtEl>
+                                          <p:spTgt spid="8">
+                                            <p:txEl>
+                                              <p:pRg st="2" end="2"/>
+                                            </p:txEl>
+                                          </p:spTgt>
+                                        </p:tgtEl>
+                                        <p:attrNameLst>
+                                          <p:attrName>ppt_x</p:attrName>
+                                        </p:attrNameLst>
+                                      </p:cBhvr>
+                                      <p:tavLst>
+                                        <p:tav tm="0">
+                                          <p:val>
+                                            <p:strVal val="#ppt_x"/>
+                                          </p:val>
+                                        </p:tav>
+                                        <p:tav tm="100000">
+                                          <p:val>
+                                            <p:strVal val="#ppt_x"/>
+                                          </p:val>
+                                        </p:tav>
+                                      </p:tavLst>
+                                    </p:anim>
+                                    <p:anim calcmode="lin" valueType="num">
+                                      <p:cBhvr additive="base">
+                                        <p:cTn id="12" dur="500" fill="hold"/>
+                                        <p:tgtEl>
+                                          <p:spTgt spid="8">
+                                            <p:txEl>
+                                              <p:pRg st="2" end="2"/>
+                                            </p:txEl>
+                                          </p:spTgt>
+                                        </p:tgtEl>
+                                        <p:attrNameLst>
+                                          <p:attrName>ppt_y</p:attrName>
+                                        </p:attrNameLst>
+                                      </p:cBhvr>
+                                      <p:tavLst>
+                                        <p:tav tm="0">
+                                          <p:val>
+                                            <p:strVal val="1+#ppt_h/2"/>
+                                          </p:val>
+                                        </p:tav>
+                                        <p:tav tm="100000">
+                                          <p:val>
+                                            <p:strVal val="#ppt_y"/>
+                                          </p:val>
+                                        </p:tav>
+                                      </p:tavLst>
+                                    </p:anim>
+                                  </p:childTnLst>
+                                </p:cTn>
+                              </p:par>
+                            </p:childTnLst>
+                          </p:cTn>
+                        </p:par>
+                      </p:childTnLst>
+                    </p:cTn>
+                  </p:par>
+                </p:childTnLst>
+              </p:cTn>
+              <p:prevCondLst>
+                <p:cond evt="onPrev" delay="0">
+                  <p:tgtEl>
+                    <p:sldTgt/>
+                  </p:tgtEl>
+                </p:cond>
+              </p:prevCondLst>
+              <p:nextCondLst>
+                <p:cond evt="onNext" delay="0">
+                  <p:tgtEl>
+                    <p:sldTgt/>
+                  </p:tgtEl>
+                </p:cond>
+              </p:nextCondLst>
+            </p:seq>
+          </p:childTnLst>
+        </p:cTn>
+      </p:par>
+    </p:tnLst>
+  </p:timing>
+</p:sld>
+</file>
+
+<file path=ppt/slides/slide8.xml><?xml version="1.0" encoding="utf-8"?>
 <p:sld xmlns:a="http://schemas.openxmlformats.org/drawingml/2006/main" xmlns:r="http://schemas.openxmlformats.org/officeDocument/2006/relationships" xmlns:p="http://schemas.openxmlformats.org/presentationml/2006/main">
   <p:cSld>
     <p:bg>
@@ -7130,12 +14630,20 @@
               <a:buNone/>
             </a:pPr>
             <a:r>
-              <a:rPr lang="en-US" dirty="0" smtClean="0">
+              <a:rPr lang="ru-RU" dirty="0" smtClean="0">
                 <a:solidFill>
                   <a:schemeClr val="bg1"/>
                 </a:solidFill>
               </a:rPr>
-              <a:t>Selenium</a:t>
+              <a:t>Средства </a:t>
+            </a:r>
+            <a:r>
+              <a:rPr lang="ru-RU" dirty="0" err="1" smtClean="0">
+                <a:solidFill>
+                  <a:schemeClr val="bg1"/>
+                </a:solidFill>
+              </a:rPr>
+              <a:t>автотестриования</a:t>
             </a:r>
             <a:endParaRPr lang="en-US" dirty="0">
               <a:solidFill>
@@ -7335,1302 +14843,6 @@
 </p:sld>
 </file>
 
-<file path=ppt/slides/slide3.xml><?xml version="1.0" encoding="utf-8"?>
-<p:sld xmlns:a="http://schemas.openxmlformats.org/drawingml/2006/main" xmlns:r="http://schemas.openxmlformats.org/officeDocument/2006/relationships" xmlns:p="http://schemas.openxmlformats.org/presentationml/2006/main">
-  <p:cSld>
-    <p:spTree>
-      <p:nvGrpSpPr>
-        <p:cNvPr id="1" name=""/>
-        <p:cNvGrpSpPr/>
-        <p:nvPr/>
-      </p:nvGrpSpPr>
-      <p:grpSpPr>
-        <a:xfrm>
-          <a:off x="0" y="0"/>
-          <a:ext cx="0" cy="0"/>
-          <a:chOff x="0" y="0"/>
-          <a:chExt cx="0" cy="0"/>
-        </a:xfrm>
-      </p:grpSpPr>
-      <p:sp>
-        <p:nvSpPr>
-          <p:cNvPr id="2" name="Заголовок 1"/>
-          <p:cNvSpPr>
-            <a:spLocks noGrp="1"/>
-          </p:cNvSpPr>
-          <p:nvPr>
-            <p:ph type="title"/>
-          </p:nvPr>
-        </p:nvSpPr>
-        <p:spPr/>
-        <p:txBody>
-          <a:bodyPr/>
-          <a:lstStyle/>
-          <a:p>
-            <a:r>
-              <a:rPr lang="ru-RU" dirty="0" smtClean="0"/>
-              <a:t>Что такое </a:t>
-            </a:r>
-            <a:r>
-              <a:rPr lang="en-US" dirty="0" smtClean="0"/>
-              <a:t>Selenium</a:t>
-            </a:r>
-            <a:endParaRPr lang="ru-RU" dirty="0"/>
-          </a:p>
-        </p:txBody>
-      </p:sp>
-      <p:sp>
-        <p:nvSpPr>
-          <p:cNvPr id="3" name="Объект 2"/>
-          <p:cNvSpPr>
-            <a:spLocks noGrp="1"/>
-          </p:cNvSpPr>
-          <p:nvPr>
-            <p:ph sz="quarter" idx="10"/>
-          </p:nvPr>
-        </p:nvSpPr>
-        <p:spPr/>
-        <p:txBody>
-          <a:bodyPr/>
-          <a:lstStyle/>
-          <a:p>
-            <a:r>
-              <a:rPr lang="ru-RU" dirty="0" err="1"/>
-              <a:t>Selenium</a:t>
-            </a:r>
-            <a:r>
-              <a:rPr lang="ru-RU" dirty="0"/>
-              <a:t> - это комплект из нескольких инструментов, каждый из которых предполагает свой собственный подход к автоматизации тестирования</a:t>
-            </a:r>
-            <a:r>
-              <a:rPr lang="ru-RU" dirty="0" smtClean="0"/>
-              <a:t>.</a:t>
-            </a:r>
-            <a:endParaRPr lang="en-US" dirty="0" smtClean="0"/>
-          </a:p>
-          <a:p>
-            <a:r>
-              <a:rPr lang="ru-RU" dirty="0"/>
-              <a:t>Одной из ключевых особенностей </a:t>
-            </a:r>
-            <a:r>
-              <a:rPr lang="ru-RU" dirty="0" err="1"/>
-              <a:t>Selenium</a:t>
-            </a:r>
-            <a:r>
-              <a:rPr lang="ru-RU" dirty="0"/>
-              <a:t> является возможность запуска одних и тех же тестов в различных браузерах.</a:t>
-            </a:r>
-          </a:p>
-        </p:txBody>
-      </p:sp>
-    </p:spTree>
-    <p:extLst>
-      <p:ext uri="{BB962C8B-B14F-4D97-AF65-F5344CB8AC3E}">
-        <p14:creationId xmlns:p14="http://schemas.microsoft.com/office/powerpoint/2010/main" val="2212946265"/>
-      </p:ext>
-    </p:extLst>
-  </p:cSld>
-  <p:clrMapOvr>
-    <a:masterClrMapping/>
-  </p:clrMapOvr>
-  <p:timing>
-    <p:tnLst>
-      <p:par>
-        <p:cTn id="1" dur="indefinite" restart="never" nodeType="tmRoot"/>
-      </p:par>
-    </p:tnLst>
-  </p:timing>
-</p:sld>
-</file>
-
-<file path=ppt/slides/slide4.xml><?xml version="1.0" encoding="utf-8"?>
-<p:sld xmlns:a="http://schemas.openxmlformats.org/drawingml/2006/main" xmlns:r="http://schemas.openxmlformats.org/officeDocument/2006/relationships" xmlns:p="http://schemas.openxmlformats.org/presentationml/2006/main">
-  <p:cSld>
-    <p:spTree>
-      <p:nvGrpSpPr>
-        <p:cNvPr id="1" name=""/>
-        <p:cNvGrpSpPr/>
-        <p:nvPr/>
-      </p:nvGrpSpPr>
-      <p:grpSpPr>
-        <a:xfrm>
-          <a:off x="0" y="0"/>
-          <a:ext cx="0" cy="0"/>
-          <a:chOff x="0" y="0"/>
-          <a:chExt cx="0" cy="0"/>
-        </a:xfrm>
-      </p:grpSpPr>
-      <p:sp>
-        <p:nvSpPr>
-          <p:cNvPr id="2" name="Заголовок 1"/>
-          <p:cNvSpPr>
-            <a:spLocks noGrp="1"/>
-          </p:cNvSpPr>
-          <p:nvPr>
-            <p:ph type="title"/>
-          </p:nvPr>
-        </p:nvSpPr>
-        <p:spPr/>
-        <p:txBody>
-          <a:bodyPr/>
-          <a:lstStyle/>
-          <a:p>
-            <a:r>
-              <a:rPr lang="ru-RU" dirty="0"/>
-              <a:t>Набор инструментов </a:t>
-            </a:r>
-            <a:r>
-              <a:rPr lang="en-US" dirty="0"/>
-              <a:t>Selenium</a:t>
-            </a:r>
-            <a:endParaRPr lang="ru-RU" dirty="0"/>
-          </a:p>
-        </p:txBody>
-      </p:sp>
-      <p:sp>
-        <p:nvSpPr>
-          <p:cNvPr id="4" name="Объект 3"/>
-          <p:cNvSpPr>
-            <a:spLocks noGrp="1"/>
-          </p:cNvSpPr>
-          <p:nvPr>
-            <p:ph sz="quarter" idx="10"/>
-          </p:nvPr>
-        </p:nvSpPr>
-        <p:spPr/>
-        <p:txBody>
-          <a:bodyPr/>
-          <a:lstStyle/>
-          <a:p>
-            <a:endParaRPr lang="ru-RU"/>
-          </a:p>
-        </p:txBody>
-      </p:sp>
-      <p:pic>
-        <p:nvPicPr>
-          <p:cNvPr id="5" name="Рисунок 4"/>
-          <p:cNvPicPr>
-            <a:picLocks noChangeAspect="1"/>
-          </p:cNvPicPr>
-          <p:nvPr/>
-        </p:nvPicPr>
-        <p:blipFill>
-          <a:blip r:embed="rId3"/>
-          <a:stretch>
-            <a:fillRect/>
-          </a:stretch>
-        </p:blipFill>
-        <p:spPr>
-          <a:xfrm>
-            <a:off x="2046286" y="2161174"/>
-            <a:ext cx="7351713" cy="4107864"/>
-          </a:xfrm>
-          <a:prstGeom prst="rect">
-            <a:avLst/>
-          </a:prstGeom>
-        </p:spPr>
-      </p:pic>
-    </p:spTree>
-    <p:extLst>
-      <p:ext uri="{BB962C8B-B14F-4D97-AF65-F5344CB8AC3E}">
-        <p14:creationId xmlns:p14="http://schemas.microsoft.com/office/powerpoint/2010/main" val="4149863433"/>
-      </p:ext>
-    </p:extLst>
-  </p:cSld>
-  <p:clrMapOvr>
-    <a:masterClrMapping/>
-  </p:clrMapOvr>
-  <p:timing>
-    <p:tnLst>
-      <p:par>
-        <p:cTn id="1" dur="indefinite" restart="never" nodeType="tmRoot"/>
-      </p:par>
-    </p:tnLst>
-  </p:timing>
-</p:sld>
-</file>
-
-<file path=ppt/slides/slide5.xml><?xml version="1.0" encoding="utf-8"?>
-<p:sld xmlns:a="http://schemas.openxmlformats.org/drawingml/2006/main" xmlns:r="http://schemas.openxmlformats.org/officeDocument/2006/relationships" xmlns:p="http://schemas.openxmlformats.org/presentationml/2006/main">
-  <p:cSld>
-    <p:spTree>
-      <p:nvGrpSpPr>
-        <p:cNvPr id="1" name=""/>
-        <p:cNvGrpSpPr/>
-        <p:nvPr/>
-      </p:nvGrpSpPr>
-      <p:grpSpPr>
-        <a:xfrm>
-          <a:off x="0" y="0"/>
-          <a:ext cx="0" cy="0"/>
-          <a:chOff x="0" y="0"/>
-          <a:chExt cx="0" cy="0"/>
-        </a:xfrm>
-      </p:grpSpPr>
-      <p:sp>
-        <p:nvSpPr>
-          <p:cNvPr id="2" name="Заголовок 1"/>
-          <p:cNvSpPr>
-            <a:spLocks noGrp="1"/>
-          </p:cNvSpPr>
-          <p:nvPr>
-            <p:ph type="title"/>
-          </p:nvPr>
-        </p:nvSpPr>
-        <p:spPr/>
-        <p:txBody>
-          <a:bodyPr/>
-          <a:lstStyle/>
-          <a:p>
-            <a:r>
-              <a:rPr lang="ru-RU" dirty="0"/>
-              <a:t>Поддерживаемые браузеры и платформы</a:t>
-            </a:r>
-          </a:p>
-        </p:txBody>
-      </p:sp>
-      <p:pic>
-        <p:nvPicPr>
-          <p:cNvPr id="8" name="Объект 7"/>
-          <p:cNvPicPr>
-            <a:picLocks noGrp="1" noChangeAspect="1"/>
-          </p:cNvPicPr>
-          <p:nvPr>
-            <p:ph sz="quarter" idx="10"/>
-          </p:nvPr>
-        </p:nvPicPr>
-        <p:blipFill>
-          <a:blip r:embed="rId2"/>
-          <a:stretch>
-            <a:fillRect/>
-          </a:stretch>
-        </p:blipFill>
-        <p:spPr>
-          <a:xfrm>
-            <a:off x="533255" y="1374775"/>
-            <a:ext cx="10887366" cy="5291138"/>
-          </a:xfrm>
-          <a:prstGeom prst="rect">
-            <a:avLst/>
-          </a:prstGeom>
-        </p:spPr>
-      </p:pic>
-    </p:spTree>
-    <p:extLst>
-      <p:ext uri="{BB962C8B-B14F-4D97-AF65-F5344CB8AC3E}">
-        <p14:creationId xmlns:p14="http://schemas.microsoft.com/office/powerpoint/2010/main" val="439419949"/>
-      </p:ext>
-    </p:extLst>
-  </p:cSld>
-  <p:clrMapOvr>
-    <a:masterClrMapping/>
-  </p:clrMapOvr>
-  <p:timing>
-    <p:tnLst>
-      <p:par>
-        <p:cTn id="1" dur="indefinite" restart="never" nodeType="tmRoot"/>
-      </p:par>
-    </p:tnLst>
-  </p:timing>
-</p:sld>
-</file>
-
-<file path=ppt/slides/slide6.xml><?xml version="1.0" encoding="utf-8"?>
-<p:sld xmlns:a="http://schemas.openxmlformats.org/drawingml/2006/main" xmlns:r="http://schemas.openxmlformats.org/officeDocument/2006/relationships" xmlns:p="http://schemas.openxmlformats.org/presentationml/2006/main">
-  <p:cSld>
-    <p:spTree>
-      <p:nvGrpSpPr>
-        <p:cNvPr id="1" name=""/>
-        <p:cNvGrpSpPr/>
-        <p:nvPr/>
-      </p:nvGrpSpPr>
-      <p:grpSpPr>
-        <a:xfrm>
-          <a:off x="0" y="0"/>
-          <a:ext cx="0" cy="0"/>
-          <a:chOff x="0" y="0"/>
-          <a:chExt cx="0" cy="0"/>
-        </a:xfrm>
-      </p:grpSpPr>
-      <p:sp>
-        <p:nvSpPr>
-          <p:cNvPr id="2" name="Заголовок 1"/>
-          <p:cNvSpPr>
-            <a:spLocks noGrp="1"/>
-          </p:cNvSpPr>
-          <p:nvPr>
-            <p:ph type="title"/>
-          </p:nvPr>
-        </p:nvSpPr>
-        <p:spPr/>
-        <p:txBody>
-          <a:bodyPr/>
-          <a:lstStyle/>
-          <a:p>
-            <a:r>
-              <a:rPr lang="ru-RU" dirty="0"/>
-              <a:t>Разновидности тестов</a:t>
-            </a:r>
-          </a:p>
-        </p:txBody>
-      </p:sp>
-      <p:sp>
-        <p:nvSpPr>
-          <p:cNvPr id="3" name="Объект 2"/>
-          <p:cNvSpPr>
-            <a:spLocks noGrp="1"/>
-          </p:cNvSpPr>
-          <p:nvPr>
-            <p:ph sz="quarter" idx="10"/>
-          </p:nvPr>
-        </p:nvSpPr>
-        <p:spPr/>
-        <p:txBody>
-          <a:bodyPr/>
-          <a:lstStyle/>
-          <a:p>
-            <a:r>
-              <a:rPr lang="ru-RU" dirty="0" smtClean="0"/>
-              <a:t>Тестирование статичного контента</a:t>
-            </a:r>
-          </a:p>
-          <a:p>
-            <a:r>
-              <a:rPr lang="ru-RU" b="1" dirty="0"/>
-              <a:t>Тестирование ссылок</a:t>
-            </a:r>
-          </a:p>
-          <a:p>
-            <a:r>
-              <a:rPr lang="ru-RU" b="1" dirty="0"/>
-              <a:t>Тестирование функциональности</a:t>
-            </a:r>
-          </a:p>
-          <a:p>
-            <a:r>
-              <a:rPr lang="ru-RU" dirty="0"/>
-              <a:t>Тестирование динамических </a:t>
-            </a:r>
-            <a:r>
-              <a:rPr lang="ru-RU" dirty="0" smtClean="0"/>
-              <a:t>элементов</a:t>
-            </a:r>
-          </a:p>
-          <a:p>
-            <a:r>
-              <a:rPr lang="ru-RU" dirty="0"/>
-              <a:t>Тестирование </a:t>
-            </a:r>
-            <a:r>
-              <a:rPr lang="en-US" dirty="0"/>
-              <a:t>AJAX</a:t>
-            </a:r>
-            <a:endParaRPr lang="ru-RU" dirty="0"/>
-          </a:p>
-        </p:txBody>
-      </p:sp>
-    </p:spTree>
-    <p:extLst>
-      <p:ext uri="{BB962C8B-B14F-4D97-AF65-F5344CB8AC3E}">
-        <p14:creationId xmlns:p14="http://schemas.microsoft.com/office/powerpoint/2010/main" val="1715132296"/>
-      </p:ext>
-    </p:extLst>
-  </p:cSld>
-  <p:clrMapOvr>
-    <a:masterClrMapping/>
-  </p:clrMapOvr>
-  <p:timing>
-    <p:tnLst>
-      <p:par>
-        <p:cTn id="1" dur="indefinite" restart="never" nodeType="tmRoot"/>
-      </p:par>
-    </p:tnLst>
-  </p:timing>
-</p:sld>
-</file>
-
-<file path=ppt/slides/slide7.xml><?xml version="1.0" encoding="utf-8"?>
-<p:sld xmlns:a="http://schemas.openxmlformats.org/drawingml/2006/main" xmlns:r="http://schemas.openxmlformats.org/officeDocument/2006/relationships" xmlns:p="http://schemas.openxmlformats.org/presentationml/2006/main">
-  <p:cSld>
-    <p:spTree>
-      <p:nvGrpSpPr>
-        <p:cNvPr id="1" name=""/>
-        <p:cNvGrpSpPr/>
-        <p:nvPr/>
-      </p:nvGrpSpPr>
-      <p:grpSpPr>
-        <a:xfrm>
-          <a:off x="0" y="0"/>
-          <a:ext cx="0" cy="0"/>
-          <a:chOff x="0" y="0"/>
-          <a:chExt cx="0" cy="0"/>
-        </a:xfrm>
-      </p:grpSpPr>
-      <p:sp>
-        <p:nvSpPr>
-          <p:cNvPr id="5" name="Rectangle 4"/>
-          <p:cNvSpPr/>
-          <p:nvPr/>
-        </p:nvSpPr>
-        <p:spPr>
-          <a:xfrm>
-            <a:off x="491136" y="3286656"/>
-            <a:ext cx="8388754" cy="1660809"/>
-          </a:xfrm>
-          <a:prstGeom prst="rect">
-            <a:avLst/>
-          </a:prstGeom>
-          <a:solidFill>
-            <a:srgbClr val="82BF36"/>
-          </a:solidFill>
-          <a:ln>
-            <a:solidFill>
-              <a:srgbClr val="86C400"/>
-            </a:solidFill>
-          </a:ln>
-        </p:spPr>
-        <p:style>
-          <a:lnRef idx="2">
-            <a:schemeClr val="accent1">
-              <a:shade val="50000"/>
-            </a:schemeClr>
-          </a:lnRef>
-          <a:fillRef idx="1">
-            <a:schemeClr val="accent1"/>
-          </a:fillRef>
-          <a:effectRef idx="0">
-            <a:schemeClr val="accent1"/>
-          </a:effectRef>
-          <a:fontRef idx="minor">
-            <a:schemeClr val="lt1"/>
-          </a:fontRef>
-        </p:style>
-        <p:txBody>
-          <a:bodyPr rtlCol="0" anchor="ctr"/>
-          <a:lstStyle/>
-          <a:p>
-            <a:pPr algn="ctr"/>
-            <a:endParaRPr lang="en-US"/>
-          </a:p>
-        </p:txBody>
-      </p:sp>
-      <p:grpSp>
-        <p:nvGrpSpPr>
-          <p:cNvPr id="10" name="Group 9"/>
-          <p:cNvGrpSpPr/>
-          <p:nvPr/>
-        </p:nvGrpSpPr>
-        <p:grpSpPr>
-          <a:xfrm>
-            <a:off x="6867526" y="4666148"/>
-            <a:ext cx="4722096" cy="1660809"/>
-            <a:chOff x="7181851" y="5076137"/>
-            <a:chExt cx="4722096" cy="1660809"/>
-          </a:xfrm>
-        </p:grpSpPr>
-        <p:sp>
-          <p:nvSpPr>
-            <p:cNvPr id="8" name="Rectangle 7"/>
-            <p:cNvSpPr/>
-            <p:nvPr/>
-          </p:nvSpPr>
-          <p:spPr>
-            <a:xfrm>
-              <a:off x="7181851" y="5076137"/>
-              <a:ext cx="4722096" cy="1660809"/>
-            </a:xfrm>
-            <a:prstGeom prst="rect">
-              <a:avLst/>
-            </a:prstGeom>
-            <a:solidFill>
-              <a:srgbClr val="1F497D"/>
-            </a:solidFill>
-            <a:ln>
-              <a:solidFill>
-                <a:srgbClr val="1F497D"/>
-              </a:solidFill>
-            </a:ln>
-          </p:spPr>
-          <p:style>
-            <a:lnRef idx="2">
-              <a:schemeClr val="accent1">
-                <a:shade val="50000"/>
-              </a:schemeClr>
-            </a:lnRef>
-            <a:fillRef idx="1">
-              <a:schemeClr val="accent1"/>
-            </a:fillRef>
-            <a:effectRef idx="0">
-              <a:schemeClr val="accent1"/>
-            </a:effectRef>
-            <a:fontRef idx="minor">
-              <a:schemeClr val="lt1"/>
-            </a:fontRef>
-          </p:style>
-          <p:txBody>
-            <a:bodyPr rtlCol="0" anchor="ctr"/>
-            <a:lstStyle/>
-            <a:p>
-              <a:pPr algn="ctr"/>
-              <a:endParaRPr lang="en-US"/>
-            </a:p>
-          </p:txBody>
-        </p:sp>
-        <p:sp>
-          <p:nvSpPr>
-            <p:cNvPr id="9" name="Text Placeholder 4"/>
-            <p:cNvSpPr txBox="1">
-              <a:spLocks/>
-            </p:cNvSpPr>
-            <p:nvPr/>
-          </p:nvSpPr>
-          <p:spPr>
-            <a:xfrm>
-              <a:off x="7359651" y="5667384"/>
-              <a:ext cx="4544296" cy="973624"/>
-            </a:xfrm>
-            <a:prstGeom prst="rect">
-              <a:avLst/>
-            </a:prstGeom>
-          </p:spPr>
-          <p:txBody>
-            <a:bodyPr anchor="b"/>
-            <a:lstStyle>
-              <a:lvl1pPr marL="342783" indent="-342783" algn="l" defTabSz="914088" rtl="0" eaLnBrk="1" latinLnBrk="0" hangingPunct="1">
-                <a:spcBef>
-                  <a:spcPts val="1400"/>
-                </a:spcBef>
-                <a:buFont typeface="Arial" pitchFamily="34" charset="0"/>
-                <a:buChar char="•"/>
-                <a:defRPr sz="3200" b="0" kern="0" baseline="0">
-                  <a:solidFill>
-                    <a:schemeClr val="tx1"/>
-                  </a:solidFill>
-                  <a:latin typeface="Segoe UI Light" panose="020B0502040204020203" pitchFamily="34" charset="0"/>
-                  <a:ea typeface="Segoe UI Light" panose="020B0502040204020203" pitchFamily="34" charset="0"/>
-                  <a:cs typeface="Segoe UI Light" panose="020B0502040204020203" pitchFamily="34" charset="0"/>
-                </a:defRPr>
-              </a:lvl1pPr>
-              <a:lvl2pPr marL="742698" indent="-285652" algn="l" defTabSz="914088" rtl="0" eaLnBrk="1" latinLnBrk="0" hangingPunct="1">
-                <a:spcBef>
-                  <a:spcPts val="300"/>
-                </a:spcBef>
-                <a:spcAft>
-                  <a:spcPts val="300"/>
-                </a:spcAft>
-                <a:buFont typeface="Arial" pitchFamily="34" charset="0"/>
-                <a:buChar char="–"/>
-                <a:defRPr sz="2800" kern="0" baseline="0">
-                  <a:solidFill>
-                    <a:schemeClr val="tx1">
-                      <a:lumMod val="75000"/>
-                      <a:lumOff val="25000"/>
-                    </a:schemeClr>
-                  </a:solidFill>
-                  <a:latin typeface="Segoe UI Light" panose="020B0502040204020203" pitchFamily="34" charset="0"/>
-                  <a:ea typeface="Segoe UI Light" panose="020B0502040204020203" pitchFamily="34" charset="0"/>
-                  <a:cs typeface="Segoe UI Light" panose="020B0502040204020203" pitchFamily="34" charset="0"/>
-                </a:defRPr>
-              </a:lvl2pPr>
-              <a:lvl3pPr marL="1142612" indent="-228522" algn="l" defTabSz="914088" rtl="0" eaLnBrk="1" latinLnBrk="0" hangingPunct="1">
-                <a:spcBef>
-                  <a:spcPts val="200"/>
-                </a:spcBef>
-                <a:spcAft>
-                  <a:spcPts val="200"/>
-                </a:spcAft>
-                <a:buFont typeface="Arial" pitchFamily="34" charset="0"/>
-                <a:buChar char="•"/>
-                <a:defRPr sz="2400" kern="0" baseline="0">
-                  <a:solidFill>
-                    <a:schemeClr val="tx1"/>
-                  </a:solidFill>
-                  <a:latin typeface="Segoe UI Light" panose="020B0502040204020203" pitchFamily="34" charset="0"/>
-                  <a:ea typeface="Segoe UI Light" panose="020B0502040204020203" pitchFamily="34" charset="0"/>
-                  <a:cs typeface="Segoe UI Light" panose="020B0502040204020203" pitchFamily="34" charset="0"/>
-                </a:defRPr>
-              </a:lvl3pPr>
-              <a:lvl4pPr marL="1599657" indent="-228522" algn="l" defTabSz="914088" rtl="0" eaLnBrk="1" latinLnBrk="0" hangingPunct="1">
-                <a:spcBef>
-                  <a:spcPct val="20000"/>
-                </a:spcBef>
-                <a:buFont typeface="Arial" pitchFamily="34" charset="0"/>
-                <a:buChar char="–"/>
-                <a:defRPr sz="2000" kern="0" baseline="0">
-                  <a:solidFill>
-                    <a:schemeClr val="tx1"/>
-                  </a:solidFill>
-                  <a:latin typeface="Segoe UI Light" panose="020B0502040204020203" pitchFamily="34" charset="0"/>
-                  <a:ea typeface="Segoe UI Light" panose="020B0502040204020203" pitchFamily="34" charset="0"/>
-                  <a:cs typeface="Segoe UI Light" panose="020B0502040204020203" pitchFamily="34" charset="0"/>
-                </a:defRPr>
-              </a:lvl4pPr>
-              <a:lvl5pPr marL="2056700" indent="-228522" algn="l" defTabSz="914088" rtl="0" eaLnBrk="1" latinLnBrk="0" hangingPunct="1">
-                <a:spcBef>
-                  <a:spcPct val="20000"/>
-                </a:spcBef>
-                <a:buFont typeface="Arial" pitchFamily="34" charset="0"/>
-                <a:buChar char="»"/>
-                <a:defRPr sz="2000" kern="0" baseline="0">
-                  <a:solidFill>
-                    <a:schemeClr val="tx1"/>
-                  </a:solidFill>
-                  <a:latin typeface="Segoe UI Light" panose="020B0502040204020203" pitchFamily="34" charset="0"/>
-                  <a:ea typeface="Segoe UI Light" panose="020B0502040204020203" pitchFamily="34" charset="0"/>
-                  <a:cs typeface="Segoe UI Light" panose="020B0502040204020203" pitchFamily="34" charset="0"/>
-                </a:defRPr>
-              </a:lvl5pPr>
-              <a:lvl6pPr marL="2513745" indent="-228522" algn="l" defTabSz="914088" rtl="0" eaLnBrk="1" latinLnBrk="0" hangingPunct="1">
-                <a:spcBef>
-                  <a:spcPct val="20000"/>
-                </a:spcBef>
-                <a:buFont typeface="Arial" pitchFamily="34" charset="0"/>
-                <a:buChar char="•"/>
-                <a:defRPr sz="2000" kern="1200">
-                  <a:solidFill>
-                    <a:schemeClr val="tx1"/>
-                  </a:solidFill>
-                  <a:latin typeface="+mn-lt"/>
-                  <a:ea typeface="+mn-ea"/>
-                  <a:cs typeface="+mn-cs"/>
-                </a:defRPr>
-              </a:lvl6pPr>
-              <a:lvl7pPr marL="2970789" indent="-228522" algn="l" defTabSz="914088" rtl="0" eaLnBrk="1" latinLnBrk="0" hangingPunct="1">
-                <a:spcBef>
-                  <a:spcPct val="20000"/>
-                </a:spcBef>
-                <a:buFont typeface="Arial" pitchFamily="34" charset="0"/>
-                <a:buChar char="•"/>
-                <a:defRPr sz="2000" kern="1200">
-                  <a:solidFill>
-                    <a:schemeClr val="tx1"/>
-                  </a:solidFill>
-                  <a:latin typeface="+mn-lt"/>
-                  <a:ea typeface="+mn-ea"/>
-                  <a:cs typeface="+mn-cs"/>
-                </a:defRPr>
-              </a:lvl7pPr>
-              <a:lvl8pPr marL="3427833" indent="-228522" algn="l" defTabSz="914088" rtl="0" eaLnBrk="1" latinLnBrk="0" hangingPunct="1">
-                <a:spcBef>
-                  <a:spcPct val="20000"/>
-                </a:spcBef>
-                <a:buFont typeface="Arial" pitchFamily="34" charset="0"/>
-                <a:buChar char="•"/>
-                <a:defRPr sz="2000" kern="1200">
-                  <a:solidFill>
-                    <a:schemeClr val="tx1"/>
-                  </a:solidFill>
-                  <a:latin typeface="+mn-lt"/>
-                  <a:ea typeface="+mn-ea"/>
-                  <a:cs typeface="+mn-cs"/>
-                </a:defRPr>
-              </a:lvl8pPr>
-              <a:lvl9pPr marL="3884878" indent="-228522" algn="l" defTabSz="914088" rtl="0" eaLnBrk="1" latinLnBrk="0" hangingPunct="1">
-                <a:spcBef>
-                  <a:spcPct val="20000"/>
-                </a:spcBef>
-                <a:buFont typeface="Arial" pitchFamily="34" charset="0"/>
-                <a:buChar char="•"/>
-                <a:defRPr sz="2000" kern="1200">
-                  <a:solidFill>
-                    <a:schemeClr val="tx1"/>
-                  </a:solidFill>
-                  <a:latin typeface="+mn-lt"/>
-                  <a:ea typeface="+mn-ea"/>
-                  <a:cs typeface="+mn-cs"/>
-                </a:defRPr>
-              </a:lvl9pPr>
-            </a:lstStyle>
-            <a:p>
-              <a:pPr marL="0" indent="0">
-                <a:buNone/>
-              </a:pPr>
-              <a:r>
-                <a:rPr lang="ru-RU" dirty="0" smtClean="0">
-                  <a:solidFill>
-                    <a:schemeClr val="bg1"/>
-                  </a:solidFill>
-                </a:rPr>
-                <a:t>Знакомство с </a:t>
-              </a:r>
-              <a:r>
-                <a:rPr lang="en-US" dirty="0" smtClean="0">
-                  <a:solidFill>
-                    <a:schemeClr val="bg1"/>
-                  </a:solidFill>
-                </a:rPr>
-                <a:t>Selenium</a:t>
-              </a:r>
-              <a:r>
-                <a:rPr lang="ru-RU" dirty="0" smtClean="0">
-                  <a:solidFill>
-                    <a:schemeClr val="bg1"/>
-                  </a:solidFill>
-                </a:rPr>
-                <a:t> </a:t>
-              </a:r>
-              <a:r>
-                <a:rPr lang="en-US" dirty="0" smtClean="0">
-                  <a:solidFill>
-                    <a:schemeClr val="bg1"/>
-                  </a:solidFill>
-                </a:rPr>
-                <a:t>IDE</a:t>
-              </a:r>
-            </a:p>
-          </p:txBody>
-        </p:sp>
-      </p:grpSp>
-      <p:sp>
-        <p:nvSpPr>
-          <p:cNvPr id="11" name="Text Placeholder 4"/>
-          <p:cNvSpPr txBox="1">
-            <a:spLocks/>
-          </p:cNvSpPr>
-          <p:nvPr/>
-        </p:nvSpPr>
-        <p:spPr>
-          <a:xfrm>
-            <a:off x="524968" y="4117061"/>
-            <a:ext cx="8669831" cy="862105"/>
-          </a:xfrm>
-          <a:prstGeom prst="rect">
-            <a:avLst/>
-          </a:prstGeom>
-        </p:spPr>
-        <p:txBody>
-          <a:bodyPr/>
-          <a:lstStyle>
-            <a:lvl1pPr marL="342783" indent="-342783" algn="l" defTabSz="914088" rtl="0" eaLnBrk="1" latinLnBrk="0" hangingPunct="1">
-              <a:spcBef>
-                <a:spcPts val="1400"/>
-              </a:spcBef>
-              <a:buFont typeface="Arial" pitchFamily="34" charset="0"/>
-              <a:buChar char="•"/>
-              <a:defRPr sz="3200" b="0" kern="0" baseline="0">
-                <a:solidFill>
-                  <a:schemeClr val="tx1"/>
-                </a:solidFill>
-                <a:latin typeface="Segoe UI Light" panose="020B0502040204020203" pitchFamily="34" charset="0"/>
-                <a:ea typeface="Segoe UI Light" panose="020B0502040204020203" pitchFamily="34" charset="0"/>
-                <a:cs typeface="Segoe UI Light" panose="020B0502040204020203" pitchFamily="34" charset="0"/>
-              </a:defRPr>
-            </a:lvl1pPr>
-            <a:lvl2pPr marL="742698" indent="-285652" algn="l" defTabSz="914088" rtl="0" eaLnBrk="1" latinLnBrk="0" hangingPunct="1">
-              <a:spcBef>
-                <a:spcPts val="300"/>
-              </a:spcBef>
-              <a:spcAft>
-                <a:spcPts val="300"/>
-              </a:spcAft>
-              <a:buFont typeface="Arial" pitchFamily="34" charset="0"/>
-              <a:buChar char="–"/>
-              <a:defRPr sz="2800" kern="0" baseline="0">
-                <a:solidFill>
-                  <a:schemeClr val="tx1">
-                    <a:lumMod val="75000"/>
-                    <a:lumOff val="25000"/>
-                  </a:schemeClr>
-                </a:solidFill>
-                <a:latin typeface="Segoe UI Light" panose="020B0502040204020203" pitchFamily="34" charset="0"/>
-                <a:ea typeface="Segoe UI Light" panose="020B0502040204020203" pitchFamily="34" charset="0"/>
-                <a:cs typeface="Segoe UI Light" panose="020B0502040204020203" pitchFamily="34" charset="0"/>
-              </a:defRPr>
-            </a:lvl2pPr>
-            <a:lvl3pPr marL="1142612" indent="-228522" algn="l" defTabSz="914088" rtl="0" eaLnBrk="1" latinLnBrk="0" hangingPunct="1">
-              <a:spcBef>
-                <a:spcPts val="200"/>
-              </a:spcBef>
-              <a:spcAft>
-                <a:spcPts val="200"/>
-              </a:spcAft>
-              <a:buFont typeface="Arial" pitchFamily="34" charset="0"/>
-              <a:buChar char="•"/>
-              <a:defRPr sz="2400" kern="0" baseline="0">
-                <a:solidFill>
-                  <a:schemeClr val="tx1"/>
-                </a:solidFill>
-                <a:latin typeface="Segoe UI Light" panose="020B0502040204020203" pitchFamily="34" charset="0"/>
-                <a:ea typeface="Segoe UI Light" panose="020B0502040204020203" pitchFamily="34" charset="0"/>
-                <a:cs typeface="Segoe UI Light" panose="020B0502040204020203" pitchFamily="34" charset="0"/>
-              </a:defRPr>
-            </a:lvl3pPr>
-            <a:lvl4pPr marL="1599657" indent="-228522" algn="l" defTabSz="914088" rtl="0" eaLnBrk="1" latinLnBrk="0" hangingPunct="1">
-              <a:spcBef>
-                <a:spcPct val="20000"/>
-              </a:spcBef>
-              <a:buFont typeface="Arial" pitchFamily="34" charset="0"/>
-              <a:buChar char="–"/>
-              <a:defRPr sz="2000" kern="0" baseline="0">
-                <a:solidFill>
-                  <a:schemeClr val="tx1"/>
-                </a:solidFill>
-                <a:latin typeface="Segoe UI Light" panose="020B0502040204020203" pitchFamily="34" charset="0"/>
-                <a:ea typeface="Segoe UI Light" panose="020B0502040204020203" pitchFamily="34" charset="0"/>
-                <a:cs typeface="Segoe UI Light" panose="020B0502040204020203" pitchFamily="34" charset="0"/>
-              </a:defRPr>
-            </a:lvl4pPr>
-            <a:lvl5pPr marL="2056700" indent="-228522" algn="l" defTabSz="914088" rtl="0" eaLnBrk="1" latinLnBrk="0" hangingPunct="1">
-              <a:spcBef>
-                <a:spcPct val="20000"/>
-              </a:spcBef>
-              <a:buFont typeface="Arial" pitchFamily="34" charset="0"/>
-              <a:buChar char="»"/>
-              <a:defRPr sz="2000" kern="0" baseline="0">
-                <a:solidFill>
-                  <a:schemeClr val="tx1"/>
-                </a:solidFill>
-                <a:latin typeface="Segoe UI Light" panose="020B0502040204020203" pitchFamily="34" charset="0"/>
-                <a:ea typeface="Segoe UI Light" panose="020B0502040204020203" pitchFamily="34" charset="0"/>
-                <a:cs typeface="Segoe UI Light" panose="020B0502040204020203" pitchFamily="34" charset="0"/>
-              </a:defRPr>
-            </a:lvl5pPr>
-            <a:lvl6pPr marL="2513745" indent="-228522" algn="l" defTabSz="914088" rtl="0" eaLnBrk="1" latinLnBrk="0" hangingPunct="1">
-              <a:spcBef>
-                <a:spcPct val="20000"/>
-              </a:spcBef>
-              <a:buFont typeface="Arial" pitchFamily="34" charset="0"/>
-              <a:buChar char="•"/>
-              <a:defRPr sz="2000" kern="1200">
-                <a:solidFill>
-                  <a:schemeClr val="tx1"/>
-                </a:solidFill>
-                <a:latin typeface="+mn-lt"/>
-                <a:ea typeface="+mn-ea"/>
-                <a:cs typeface="+mn-cs"/>
-              </a:defRPr>
-            </a:lvl6pPr>
-            <a:lvl7pPr marL="2970789" indent="-228522" algn="l" defTabSz="914088" rtl="0" eaLnBrk="1" latinLnBrk="0" hangingPunct="1">
-              <a:spcBef>
-                <a:spcPct val="20000"/>
-              </a:spcBef>
-              <a:buFont typeface="Arial" pitchFamily="34" charset="0"/>
-              <a:buChar char="•"/>
-              <a:defRPr sz="2000" kern="1200">
-                <a:solidFill>
-                  <a:schemeClr val="tx1"/>
-                </a:solidFill>
-                <a:latin typeface="+mn-lt"/>
-                <a:ea typeface="+mn-ea"/>
-                <a:cs typeface="+mn-cs"/>
-              </a:defRPr>
-            </a:lvl7pPr>
-            <a:lvl8pPr marL="3427833" indent="-228522" algn="l" defTabSz="914088" rtl="0" eaLnBrk="1" latinLnBrk="0" hangingPunct="1">
-              <a:spcBef>
-                <a:spcPct val="20000"/>
-              </a:spcBef>
-              <a:buFont typeface="Arial" pitchFamily="34" charset="0"/>
-              <a:buChar char="•"/>
-              <a:defRPr sz="2000" kern="1200">
-                <a:solidFill>
-                  <a:schemeClr val="tx1"/>
-                </a:solidFill>
-                <a:latin typeface="+mn-lt"/>
-                <a:ea typeface="+mn-ea"/>
-                <a:cs typeface="+mn-cs"/>
-              </a:defRPr>
-            </a:lvl8pPr>
-            <a:lvl9pPr marL="3884878" indent="-228522" algn="l" defTabSz="914088" rtl="0" eaLnBrk="1" latinLnBrk="0" hangingPunct="1">
-              <a:spcBef>
-                <a:spcPct val="20000"/>
-              </a:spcBef>
-              <a:buFont typeface="Arial" pitchFamily="34" charset="0"/>
-              <a:buChar char="•"/>
-              <a:defRPr sz="2000" kern="1200">
-                <a:solidFill>
-                  <a:schemeClr val="tx1"/>
-                </a:solidFill>
-                <a:latin typeface="+mn-lt"/>
-                <a:ea typeface="+mn-ea"/>
-                <a:cs typeface="+mn-cs"/>
-              </a:defRPr>
-            </a:lvl9pPr>
-          </a:lstStyle>
-          <a:p>
-            <a:pPr marL="0" indent="0">
-              <a:buNone/>
-            </a:pPr>
-            <a:r>
-              <a:rPr lang="en-US" dirty="0" smtClean="0">
-                <a:solidFill>
-                  <a:schemeClr val="bg1"/>
-                </a:solidFill>
-              </a:rPr>
-              <a:t>Selenium</a:t>
-            </a:r>
-            <a:r>
-              <a:rPr lang="ru-RU" dirty="0" smtClean="0">
-                <a:solidFill>
-                  <a:schemeClr val="bg1"/>
-                </a:solidFill>
-              </a:rPr>
-              <a:t> </a:t>
-            </a:r>
-            <a:r>
-              <a:rPr lang="en-US" dirty="0" smtClean="0">
-                <a:solidFill>
-                  <a:schemeClr val="bg1"/>
-                </a:solidFill>
-              </a:rPr>
-              <a:t>IDE</a:t>
-            </a:r>
-            <a:endParaRPr lang="en-US" dirty="0">
-              <a:solidFill>
-                <a:schemeClr val="bg1"/>
-              </a:solidFill>
-            </a:endParaRPr>
-          </a:p>
-        </p:txBody>
-      </p:sp>
-      <p:sp>
-        <p:nvSpPr>
-          <p:cNvPr id="7" name="Text Placeholder 4"/>
-          <p:cNvSpPr txBox="1">
-            <a:spLocks/>
-          </p:cNvSpPr>
-          <p:nvPr/>
-        </p:nvSpPr>
-        <p:spPr>
-          <a:xfrm>
-            <a:off x="763508" y="1338399"/>
-            <a:ext cx="8215796" cy="1485524"/>
-          </a:xfrm>
-          <a:prstGeom prst="rect">
-            <a:avLst/>
-          </a:prstGeom>
-        </p:spPr>
-        <p:txBody>
-          <a:bodyPr/>
-          <a:lstStyle>
-            <a:lvl1pPr marL="342783" indent="-342783" algn="l" defTabSz="914088" rtl="0" eaLnBrk="1" latinLnBrk="0" hangingPunct="1">
-              <a:spcBef>
-                <a:spcPts val="1400"/>
-              </a:spcBef>
-              <a:buFont typeface="Arial" pitchFamily="34" charset="0"/>
-              <a:buChar char="•"/>
-              <a:defRPr sz="3200" b="0" kern="0" baseline="0">
-                <a:solidFill>
-                  <a:schemeClr val="tx1"/>
-                </a:solidFill>
-                <a:latin typeface="Segoe UI Light" panose="020B0502040204020203" pitchFamily="34" charset="0"/>
-                <a:ea typeface="Segoe UI Light" panose="020B0502040204020203" pitchFamily="34" charset="0"/>
-                <a:cs typeface="Segoe UI Light" panose="020B0502040204020203" pitchFamily="34" charset="0"/>
-              </a:defRPr>
-            </a:lvl1pPr>
-            <a:lvl2pPr marL="742698" indent="-285652" algn="l" defTabSz="914088" rtl="0" eaLnBrk="1" latinLnBrk="0" hangingPunct="1">
-              <a:spcBef>
-                <a:spcPts val="300"/>
-              </a:spcBef>
-              <a:spcAft>
-                <a:spcPts val="300"/>
-              </a:spcAft>
-              <a:buFont typeface="Arial" pitchFamily="34" charset="0"/>
-              <a:buChar char="–"/>
-              <a:defRPr sz="2800" kern="0" baseline="0">
-                <a:solidFill>
-                  <a:schemeClr val="tx1">
-                    <a:lumMod val="75000"/>
-                    <a:lumOff val="25000"/>
-                  </a:schemeClr>
-                </a:solidFill>
-                <a:latin typeface="Segoe UI Light" panose="020B0502040204020203" pitchFamily="34" charset="0"/>
-                <a:ea typeface="Segoe UI Light" panose="020B0502040204020203" pitchFamily="34" charset="0"/>
-                <a:cs typeface="Segoe UI Light" panose="020B0502040204020203" pitchFamily="34" charset="0"/>
-              </a:defRPr>
-            </a:lvl2pPr>
-            <a:lvl3pPr marL="1142612" indent="-228522" algn="l" defTabSz="914088" rtl="0" eaLnBrk="1" latinLnBrk="0" hangingPunct="1">
-              <a:spcBef>
-                <a:spcPts val="200"/>
-              </a:spcBef>
-              <a:spcAft>
-                <a:spcPts val="200"/>
-              </a:spcAft>
-              <a:buFont typeface="Arial" pitchFamily="34" charset="0"/>
-              <a:buChar char="•"/>
-              <a:defRPr sz="2400" kern="0" baseline="0">
-                <a:solidFill>
-                  <a:schemeClr val="tx1"/>
-                </a:solidFill>
-                <a:latin typeface="Segoe UI Light" panose="020B0502040204020203" pitchFamily="34" charset="0"/>
-                <a:ea typeface="Segoe UI Light" panose="020B0502040204020203" pitchFamily="34" charset="0"/>
-                <a:cs typeface="Segoe UI Light" panose="020B0502040204020203" pitchFamily="34" charset="0"/>
-              </a:defRPr>
-            </a:lvl3pPr>
-            <a:lvl4pPr marL="1599657" indent="-228522" algn="l" defTabSz="914088" rtl="0" eaLnBrk="1" latinLnBrk="0" hangingPunct="1">
-              <a:spcBef>
-                <a:spcPct val="20000"/>
-              </a:spcBef>
-              <a:buFont typeface="Arial" pitchFamily="34" charset="0"/>
-              <a:buChar char="–"/>
-              <a:defRPr sz="2000" kern="0" baseline="0">
-                <a:solidFill>
-                  <a:schemeClr val="tx1"/>
-                </a:solidFill>
-                <a:latin typeface="Segoe UI Light" panose="020B0502040204020203" pitchFamily="34" charset="0"/>
-                <a:ea typeface="Segoe UI Light" panose="020B0502040204020203" pitchFamily="34" charset="0"/>
-                <a:cs typeface="Segoe UI Light" panose="020B0502040204020203" pitchFamily="34" charset="0"/>
-              </a:defRPr>
-            </a:lvl4pPr>
-            <a:lvl5pPr marL="2056700" indent="-228522" algn="l" defTabSz="914088" rtl="0" eaLnBrk="1" latinLnBrk="0" hangingPunct="1">
-              <a:spcBef>
-                <a:spcPct val="20000"/>
-              </a:spcBef>
-              <a:buFont typeface="Arial" pitchFamily="34" charset="0"/>
-              <a:buChar char="»"/>
-              <a:defRPr sz="2000" kern="0" baseline="0">
-                <a:solidFill>
-                  <a:schemeClr val="tx1"/>
-                </a:solidFill>
-                <a:latin typeface="Segoe UI Light" panose="020B0502040204020203" pitchFamily="34" charset="0"/>
-                <a:ea typeface="Segoe UI Light" panose="020B0502040204020203" pitchFamily="34" charset="0"/>
-                <a:cs typeface="Segoe UI Light" panose="020B0502040204020203" pitchFamily="34" charset="0"/>
-              </a:defRPr>
-            </a:lvl5pPr>
-            <a:lvl6pPr marL="2513745" indent="-228522" algn="l" defTabSz="914088" rtl="0" eaLnBrk="1" latinLnBrk="0" hangingPunct="1">
-              <a:spcBef>
-                <a:spcPct val="20000"/>
-              </a:spcBef>
-              <a:buFont typeface="Arial" pitchFamily="34" charset="0"/>
-              <a:buChar char="•"/>
-              <a:defRPr sz="2000" kern="1200">
-                <a:solidFill>
-                  <a:schemeClr val="tx1"/>
-                </a:solidFill>
-                <a:latin typeface="+mn-lt"/>
-                <a:ea typeface="+mn-ea"/>
-                <a:cs typeface="+mn-cs"/>
-              </a:defRPr>
-            </a:lvl6pPr>
-            <a:lvl7pPr marL="2970789" indent="-228522" algn="l" defTabSz="914088" rtl="0" eaLnBrk="1" latinLnBrk="0" hangingPunct="1">
-              <a:spcBef>
-                <a:spcPct val="20000"/>
-              </a:spcBef>
-              <a:buFont typeface="Arial" pitchFamily="34" charset="0"/>
-              <a:buChar char="•"/>
-              <a:defRPr sz="2000" kern="1200">
-                <a:solidFill>
-                  <a:schemeClr val="tx1"/>
-                </a:solidFill>
-                <a:latin typeface="+mn-lt"/>
-                <a:ea typeface="+mn-ea"/>
-                <a:cs typeface="+mn-cs"/>
-              </a:defRPr>
-            </a:lvl7pPr>
-            <a:lvl8pPr marL="3427833" indent="-228522" algn="l" defTabSz="914088" rtl="0" eaLnBrk="1" latinLnBrk="0" hangingPunct="1">
-              <a:spcBef>
-                <a:spcPct val="20000"/>
-              </a:spcBef>
-              <a:buFont typeface="Arial" pitchFamily="34" charset="0"/>
-              <a:buChar char="•"/>
-              <a:defRPr sz="2000" kern="1200">
-                <a:solidFill>
-                  <a:schemeClr val="tx1"/>
-                </a:solidFill>
-                <a:latin typeface="+mn-lt"/>
-                <a:ea typeface="+mn-ea"/>
-                <a:cs typeface="+mn-cs"/>
-              </a:defRPr>
-            </a:lvl8pPr>
-            <a:lvl9pPr marL="3884878" indent="-228522" algn="l" defTabSz="914088" rtl="0" eaLnBrk="1" latinLnBrk="0" hangingPunct="1">
-              <a:spcBef>
-                <a:spcPct val="20000"/>
-              </a:spcBef>
-              <a:buFont typeface="Arial" pitchFamily="34" charset="0"/>
-              <a:buChar char="•"/>
-              <a:defRPr sz="2000" kern="1200">
-                <a:solidFill>
-                  <a:schemeClr val="tx1"/>
-                </a:solidFill>
-                <a:latin typeface="+mn-lt"/>
-                <a:ea typeface="+mn-ea"/>
-                <a:cs typeface="+mn-cs"/>
-              </a:defRPr>
-            </a:lvl9pPr>
-          </a:lstStyle>
-          <a:p>
-            <a:endParaRPr lang="en-US" dirty="0"/>
-          </a:p>
-        </p:txBody>
-      </p:sp>
-    </p:spTree>
-    <p:extLst>
-      <p:ext uri="{BB962C8B-B14F-4D97-AF65-F5344CB8AC3E}">
-        <p14:creationId xmlns:p14="http://schemas.microsoft.com/office/powerpoint/2010/main" val="1277773554"/>
-      </p:ext>
-    </p:extLst>
-  </p:cSld>
-  <p:clrMapOvr>
-    <a:masterClrMapping/>
-  </p:clrMapOvr>
-  <p:timing>
-    <p:tnLst>
-      <p:par>
-        <p:cTn id="1" dur="indefinite" restart="never" nodeType="tmRoot"/>
-      </p:par>
-    </p:tnLst>
-  </p:timing>
-</p:sld>
-</file>
-
-<file path=ppt/slides/slide8.xml><?xml version="1.0" encoding="utf-8"?>
-<p:sld xmlns:a="http://schemas.openxmlformats.org/drawingml/2006/main" xmlns:r="http://schemas.openxmlformats.org/officeDocument/2006/relationships" xmlns:p="http://schemas.openxmlformats.org/presentationml/2006/main">
-  <p:cSld>
-    <p:spTree>
-      <p:nvGrpSpPr>
-        <p:cNvPr id="1" name=""/>
-        <p:cNvGrpSpPr/>
-        <p:nvPr/>
-      </p:nvGrpSpPr>
-      <p:grpSpPr>
-        <a:xfrm>
-          <a:off x="0" y="0"/>
-          <a:ext cx="0" cy="0"/>
-          <a:chOff x="0" y="0"/>
-          <a:chExt cx="0" cy="0"/>
-        </a:xfrm>
-      </p:grpSpPr>
-      <p:sp>
-        <p:nvSpPr>
-          <p:cNvPr id="2" name="Заголовок 1"/>
-          <p:cNvSpPr>
-            <a:spLocks noGrp="1"/>
-          </p:cNvSpPr>
-          <p:nvPr>
-            <p:ph type="title"/>
-          </p:nvPr>
-        </p:nvSpPr>
-        <p:spPr/>
-        <p:txBody>
-          <a:bodyPr/>
-          <a:lstStyle/>
-          <a:p>
-            <a:r>
-              <a:rPr lang="ru-RU" dirty="0"/>
-              <a:t>Установка </a:t>
-            </a:r>
-            <a:r>
-              <a:rPr lang="en-US" dirty="0"/>
-              <a:t>IDE</a:t>
-            </a:r>
-            <a:endParaRPr lang="ru-RU" dirty="0"/>
-          </a:p>
-        </p:txBody>
-      </p:sp>
-      <p:sp>
-        <p:nvSpPr>
-          <p:cNvPr id="3" name="Объект 2"/>
-          <p:cNvSpPr>
-            <a:spLocks noGrp="1"/>
-          </p:cNvSpPr>
-          <p:nvPr>
-            <p:ph sz="quarter" idx="10"/>
-          </p:nvPr>
-        </p:nvSpPr>
-        <p:spPr/>
-        <p:txBody>
-          <a:bodyPr/>
-          <a:lstStyle/>
-          <a:p>
-            <a:r>
-              <a:rPr lang="ru-RU" dirty="0"/>
-              <a:t>Запустите </a:t>
-            </a:r>
-            <a:r>
-              <a:rPr lang="en-US" dirty="0"/>
-              <a:t>Firefox </a:t>
-            </a:r>
-            <a:r>
-              <a:rPr lang="ru-RU" dirty="0"/>
-              <a:t>и скачайте </a:t>
-            </a:r>
-            <a:r>
-              <a:rPr lang="en-US" dirty="0"/>
-              <a:t>IDE </a:t>
-            </a:r>
-            <a:r>
-              <a:rPr lang="ru-RU" dirty="0"/>
-              <a:t>с веб-сайта </a:t>
-            </a:r>
-            <a:r>
-              <a:rPr lang="en-US" dirty="0" err="1" smtClean="0"/>
-              <a:t>SeleniumHQ</a:t>
-            </a:r>
-            <a:endParaRPr lang="en-US" dirty="0" smtClean="0"/>
-          </a:p>
-          <a:p>
-            <a:r>
-              <a:rPr lang="en-US" dirty="0">
-                <a:hlinkClick r:id="rId2"/>
-              </a:rPr>
-              <a:t>https://addons.mozilla.org/en-Us/firefox/addon/selenium-ide</a:t>
-            </a:r>
-            <a:r>
-              <a:rPr lang="en-US" dirty="0" smtClean="0">
-                <a:hlinkClick r:id="rId2"/>
-              </a:rPr>
-              <a:t>/</a:t>
-            </a:r>
-            <a:r>
-              <a:rPr lang="en-US" dirty="0" smtClean="0"/>
-              <a:t> </a:t>
-            </a:r>
-          </a:p>
-          <a:p>
-            <a:endParaRPr lang="ru-RU" dirty="0"/>
-          </a:p>
-        </p:txBody>
-      </p:sp>
-      <p:pic>
-        <p:nvPicPr>
-          <p:cNvPr id="4" name="Рисунок 3" descr="Вырезка экрана"/>
-          <p:cNvPicPr>
-            <a:picLocks noChangeAspect="1"/>
-          </p:cNvPicPr>
-          <p:nvPr/>
-        </p:nvPicPr>
-        <p:blipFill>
-          <a:blip r:embed="rId3">
-            <a:extLst>
-              <a:ext uri="{28A0092B-C50C-407E-A947-70E740481C1C}">
-                <a14:useLocalDpi xmlns:a14="http://schemas.microsoft.com/office/drawing/2010/main" val="0"/>
-              </a:ext>
-            </a:extLst>
-          </a:blip>
-          <a:stretch>
-            <a:fillRect/>
-          </a:stretch>
-        </p:blipFill>
-        <p:spPr>
-          <a:xfrm>
-            <a:off x="2803660" y="2725093"/>
-            <a:ext cx="5953974" cy="3671796"/>
-          </a:xfrm>
-          <a:prstGeom prst="rect">
-            <a:avLst/>
-          </a:prstGeom>
-        </p:spPr>
-      </p:pic>
-    </p:spTree>
-    <p:extLst>
-      <p:ext uri="{BB962C8B-B14F-4D97-AF65-F5344CB8AC3E}">
-        <p14:creationId xmlns:p14="http://schemas.microsoft.com/office/powerpoint/2010/main" val="79018605"/>
-      </p:ext>
-    </p:extLst>
-  </p:cSld>
-  <p:clrMapOvr>
-    <a:masterClrMapping/>
-  </p:clrMapOvr>
-  <p:timing>
-    <p:tnLst>
-      <p:par>
-        <p:cTn id="1" dur="indefinite" restart="never" nodeType="tmRoot"/>
-      </p:par>
-    </p:tnLst>
-  </p:timing>
-</p:sld>
-</file>
-
 <file path=ppt/slides/slide9.xml><?xml version="1.0" encoding="utf-8"?>
 <p:sld xmlns:a="http://schemas.openxmlformats.org/drawingml/2006/main" xmlns:r="http://schemas.openxmlformats.org/officeDocument/2006/relationships" xmlns:p="http://schemas.openxmlformats.org/presentationml/2006/main">
   <p:cSld>
@@ -8664,12 +14876,12 @@
           <a:lstStyle/>
           <a:p>
             <a:r>
-              <a:rPr lang="ru-RU" dirty="0"/>
-              <a:t>Запуск </a:t>
-            </a:r>
-            <a:r>
-              <a:rPr lang="en-US" dirty="0"/>
-              <a:t>IDE</a:t>
+              <a:rPr lang="ru-RU" dirty="0" smtClean="0"/>
+              <a:t>Что такое </a:t>
+            </a:r>
+            <a:r>
+              <a:rPr lang="en-US" dirty="0" smtClean="0"/>
+              <a:t>Selenium</a:t>
             </a:r>
             <a:endParaRPr lang="ru-RU" dirty="0"/>
           </a:p>
@@ -8685,73 +14897,45 @@
             <p:ph sz="quarter" idx="10"/>
           </p:nvPr>
         </p:nvSpPr>
-        <p:spPr>
-          <a:xfrm>
-            <a:off x="378696" y="969126"/>
-            <a:ext cx="11525250" cy="5290388"/>
-          </a:xfrm>
-        </p:spPr>
+        <p:spPr/>
         <p:txBody>
           <a:bodyPr/>
           <a:lstStyle/>
           <a:p>
             <a:r>
-              <a:rPr lang="ru-RU" dirty="0"/>
-              <a:t>Чтобы запустить </a:t>
-            </a:r>
-            <a:r>
               <a:rPr lang="ru-RU" dirty="0" err="1"/>
               <a:t>Selenium</a:t>
             </a:r>
             <a:r>
               <a:rPr lang="ru-RU" dirty="0"/>
-              <a:t> IDE, просто выберите его из меню “Веб-разработка” браузера </a:t>
+              <a:t> - это комплект из нескольких инструментов, каждый из которых предполагает свой собственный подход к автоматизации тестирования</a:t>
+            </a:r>
+            <a:r>
+              <a:rPr lang="ru-RU" dirty="0" smtClean="0"/>
+              <a:t>.</a:t>
+            </a:r>
+            <a:endParaRPr lang="en-US" dirty="0" smtClean="0"/>
+          </a:p>
+          <a:p>
+            <a:r>
+              <a:rPr lang="ru-RU" dirty="0"/>
+              <a:t>Одной из ключевых особенностей </a:t>
             </a:r>
             <a:r>
               <a:rPr lang="ru-RU" dirty="0" err="1"/>
-              <a:t>Firefox</a:t>
+              <a:t>Selenium</a:t>
             </a:r>
             <a:r>
               <a:rPr lang="ru-RU" dirty="0"/>
-              <a:t>.</a:t>
+              <a:t> является возможность запуска одних и тех же тестов в различных браузерах.</a:t>
             </a:r>
           </a:p>
         </p:txBody>
       </p:sp>
-      <p:pic>
-        <p:nvPicPr>
-          <p:cNvPr id="5" name="Рисунок 4" descr="Untitled (untitled suite) - Selenium IDE 2.9.1 *"/>
-          <p:cNvPicPr>
-            <a:picLocks noChangeAspect="1"/>
-          </p:cNvPicPr>
-          <p:nvPr/>
-        </p:nvPicPr>
-        <p:blipFill>
-          <a:blip r:embed="rId2">
-            <a:extLst>
-              <a:ext uri="{28A0092B-C50C-407E-A947-70E740481C1C}">
-                <a14:useLocalDpi xmlns:a14="http://schemas.microsoft.com/office/drawing/2010/main" val="0"/>
-              </a:ext>
-            </a:extLst>
-          </a:blip>
-          <a:stretch>
-            <a:fillRect/>
-          </a:stretch>
-        </p:blipFill>
-        <p:spPr>
-          <a:xfrm>
-            <a:off x="3176089" y="2120515"/>
-            <a:ext cx="5409111" cy="4737485"/>
-          </a:xfrm>
-          <a:prstGeom prst="rect">
-            <a:avLst/>
-          </a:prstGeom>
-        </p:spPr>
-      </p:pic>
     </p:spTree>
     <p:extLst>
       <p:ext uri="{BB962C8B-B14F-4D97-AF65-F5344CB8AC3E}">
-        <p14:creationId xmlns:p14="http://schemas.microsoft.com/office/powerpoint/2010/main" val="1651894934"/>
+        <p14:creationId xmlns:p14="http://schemas.microsoft.com/office/powerpoint/2010/main" val="2212946265"/>
       </p:ext>
     </p:extLst>
   </p:cSld>
@@ -9861,6 +16045,15 @@
 </file>
 
 <file path=customXml/item1.xml><?xml version="1.0" encoding="utf-8"?>
+<?mso-contentType ?>
+<FormTemplates xmlns="http://schemas.microsoft.com/sharepoint/v3/contenttype/forms">
+  <Display>DocumentLibraryForm</Display>
+  <Edit>DocumentLibraryForm</Edit>
+  <New>DocumentLibraryForm</New>
+</FormTemplates>
+</file>
+
+<file path=customXml/item2.xml><?xml version="1.0" encoding="utf-8"?>
 <p:properties xmlns:p="http://schemas.microsoft.com/office/2006/metadata/properties" xmlns:xsi="http://www.w3.org/2001/XMLSchema-instance" xmlns:pc="http://schemas.microsoft.com/office/infopath/2007/PartnerControls">
   <documentManagement>
     <Status xmlns="DA58AECA-46F3-4083-B40F-E6EFD575E31E">Final</Status>
@@ -9868,15 +16061,6 @@
     <Content_x0020_Type xmlns="DA58AECA-46F3-4083-B40F-E6EFD575E31E">Slide Presentation</Content_x0020_Type>
   </documentManagement>
 </p:properties>
-</file>
-
-<file path=customXml/item2.xml><?xml version="1.0" encoding="utf-8"?>
-<?mso-contentType ?>
-<FormTemplates xmlns="http://schemas.microsoft.com/sharepoint/v3/contenttype/forms">
-  <Display>DocumentLibraryForm</Display>
-  <Edit>DocumentLibraryForm</Edit>
-  <New>DocumentLibraryForm</New>
-</FormTemplates>
 </file>
 
 <file path=customXml/item3.xml><?xml version="1.0" encoding="utf-8"?>
@@ -10034,6 +16218,14 @@
 </file>
 
 <file path=customXml/itemProps1.xml><?xml version="1.0" encoding="utf-8"?>
+<ds:datastoreItem xmlns:ds="http://schemas.openxmlformats.org/officeDocument/2006/customXml" ds:itemID="{B0CA13EC-1D3C-4D6F-8D1C-E8A452CFC79A}">
+  <ds:schemaRefs>
+    <ds:schemaRef ds:uri="http://schemas.microsoft.com/sharepoint/v3/contenttype/forms"/>
+  </ds:schemaRefs>
+</ds:datastoreItem>
+</file>
+
+<file path=customXml/itemProps2.xml><?xml version="1.0" encoding="utf-8"?>
 <ds:datastoreItem xmlns:ds="http://schemas.openxmlformats.org/officeDocument/2006/customXml" ds:itemID="{7025FDD9-4C58-4084-9F89-0E6ADD6FFF55}">
   <ds:schemaRefs>
     <ds:schemaRef ds:uri="http://purl.org/dc/elements/1.1/"/>
@@ -10045,14 +16237,6 @@
     <ds:schemaRef ds:uri="http://schemas.microsoft.com/office/infopath/2007/PartnerControls"/>
     <ds:schemaRef ds:uri="DA58AECA-46F3-4083-B40F-E6EFD575E31E"/>
     <ds:schemaRef ds:uri="http://schemas.microsoft.com/office/2006/metadata/properties"/>
-  </ds:schemaRefs>
-</ds:datastoreItem>
-</file>
-
-<file path=customXml/itemProps2.xml><?xml version="1.0" encoding="utf-8"?>
-<ds:datastoreItem xmlns:ds="http://schemas.openxmlformats.org/officeDocument/2006/customXml" ds:itemID="{B0CA13EC-1D3C-4D6F-8D1C-E8A452CFC79A}">
-  <ds:schemaRefs>
-    <ds:schemaRef ds:uri="http://schemas.microsoft.com/sharepoint/v3/contenttype/forms"/>
   </ds:schemaRefs>
 </ds:datastoreItem>
 </file>
